--- a/쇼핑몰-프로젝트.pptx
+++ b/쇼핑몰-프로젝트.pptx
@@ -2,7 +2,7 @@
 <file path=ppt/presentation.xml><?xml version="1.0" encoding="utf-8"?>
 <p:presentation xmlns:r="http://schemas.openxmlformats.org/officeDocument/2006/relationships" xmlns:c="http://schemas.openxmlformats.org/drawingml/2006/chart" xmlns:a="http://schemas.openxmlformats.org/drawingml/2006/main" xmlns:dgm="http://schemas.openxmlformats.org/drawingml/2006/diagram" xmlns:dsp="http://schemas.microsoft.com/office/drawing/2008/diagram" xmlns:p="http://schemas.openxmlformats.org/presentationml/2006/main">
   <p:sldMasterIdLst>
-    <p:sldMasterId id="2147483666" r:id="rId1"/>
+    <p:sldMasterId id="2147483679" r:id="rId1"/>
   </p:sldMasterIdLst>
   <p:notesMasterIdLst>
     <p:notesMasterId r:id="rId2"/>
@@ -33,7 +33,6 @@
     <p:sldId id="278" r:id="rId25"/>
     <p:sldId id="279" r:id="rId26"/>
     <p:sldId id="280" r:id="rId27"/>
-    <p:sldId id="281" r:id="rId28"/>
   </p:sldIdLst>
   <p:sldSz cx="18288000" cy="10287000"/>
   <p:notesSz cx="6858000" cy="9144000"/>
@@ -8171,14 +8170,13 @@
 </file>
 
 <file path=ppt/slides/slide16.xml><?xml version="1.0" encoding="utf-8"?>
-<p:sld xmlns:a="http://schemas.openxmlformats.org/drawingml/2006/main" xmlns:r="http://schemas.openxmlformats.org/officeDocument/2006/relationships" xmlns:p="http://schemas.openxmlformats.org/presentationml/2006/main">
+<p:sld xmlns:r="http://schemas.openxmlformats.org/officeDocument/2006/relationships" xmlns:c="http://schemas.openxmlformats.org/drawingml/2006/chart" xmlns:a="http://schemas.openxmlformats.org/drawingml/2006/main" xmlns:dgm="http://schemas.openxmlformats.org/drawingml/2006/diagram" xmlns:dsp="http://schemas.microsoft.com/office/drawing/2008/diagram" xmlns:p="http://schemas.openxmlformats.org/presentationml/2006/main">
   <p:cSld>
     <p:bg>
-      <p:bgPr>
+      <p:bgPr shadeToTitle="0">
         <a:solidFill>
-          <a:srgbClr val="FFFFFF"/>
+          <a:srgbClr val="ffffff"/>
         </a:solidFill>
-        <a:effectLst/>
       </p:bgPr>
     </p:bg>
     <p:spTree>
@@ -8211,7 +8209,7 @@
           </a:prstGeom>
         </p:spPr>
         <p:txBody>
-          <a:bodyPr lIns="0" tIns="0" rIns="0" bIns="0" rtlCol="0" anchor="ctr"/>
+          <a:bodyPr lIns="0" tIns="0" rIns="0" bIns="0" anchor="ctr"/>
           <a:lstStyle>
             <a:defPPr>
               <a:defRPr lang="en-US"/>
@@ -8224,135 +8222,324 @@
                 <a:solidFill>
                   <a:srgbClr val="000000"/>
                 </a:solidFill>
-                <a:latin typeface="THESugarM" panose="020B0600000101010101" charset="-127"/>
-                <a:ea typeface="THESugarM" panose="020B0600000101010101" charset="-127"/>
+                <a:latin typeface="THESugarM"/>
+                <a:ea typeface="THESugarM"/>
               </a:defRPr>
             </a:lvl1pPr>
           </a:lstStyle>
           <a:p>
-            <a:r>
-              <a:rPr lang="en-US" dirty="0"/>
+            <a:pPr lvl="0">
+              <a:defRPr/>
+            </a:pPr>
+            <a:r>
+              <a:rPr lang="en-US"/>
               <a:t>5. </a:t>
             </a:r>
             <a:r>
-              <a:rPr lang="ko-KR" dirty="0"/>
+              <a:rPr lang="ko-KR"/>
               <a:t>오류</a:t>
             </a:r>
             <a:r>
-              <a:rPr lang="en-US" dirty="0"/>
+              <a:rPr lang="en-US"/>
               <a:t> </a:t>
             </a:r>
             <a:r>
-              <a:rPr lang="ko-KR" dirty="0"/>
+              <a:rPr lang="ko-KR"/>
               <a:t>및</a:t>
             </a:r>
             <a:r>
-              <a:rPr lang="en-US" dirty="0"/>
+              <a:rPr lang="en-US"/>
               <a:t> </a:t>
             </a:r>
             <a:r>
-              <a:rPr lang="ko-KR" dirty="0"/>
+              <a:rPr lang="ko-KR"/>
               <a:t>해결과정</a:t>
             </a:r>
             <a:r>
-              <a:rPr lang="en-US" altLang="ko-KR" dirty="0"/>
+              <a:rPr lang="en-US" altLang="ko-KR"/>
               <a:t>(Min-Max)</a:t>
             </a:r>
-            <a:endParaRPr lang="ko-KR" dirty="0"/>
-          </a:p>
-        </p:txBody>
-      </p:sp>
-      <p:sp>
-        <p:nvSpPr>
-          <p:cNvPr id="4" name="TextBox 3"/>
-          <p:cNvSpPr txBox="1"/>
-          <p:nvPr/>
-        </p:nvSpPr>
-        <p:spPr>
-          <a:xfrm>
-            <a:off x="8792265" y="417574"/>
-            <a:ext cx="7581863" cy="2308324"/>
+            <a:endParaRPr lang="ko-KR"/>
+          </a:p>
+        </p:txBody>
+      </p:sp>
+      <p:pic>
+        <p:nvPicPr>
+          <p:cNvPr id="5" name=""/>
+          <p:cNvPicPr>
+            <a:picLocks noChangeAspect="1"/>
+          </p:cNvPicPr>
+          <p:nvPr/>
+        </p:nvPicPr>
+        <p:blipFill rotWithShape="1">
+          <a:blip r:embed="rId2"/>
+          <a:srcRect t="26670" r="1180" b="26670"/>
+          <a:stretch>
+            <a:fillRect/>
+          </a:stretch>
+        </p:blipFill>
+        <p:spPr>
+          <a:xfrm>
+            <a:off x="4530048" y="4076700"/>
+            <a:ext cx="12767352" cy="1066800"/>
           </a:xfrm>
           <a:prstGeom prst="rect">
             <a:avLst/>
           </a:prstGeom>
-          <a:noFill/>
-        </p:spPr>
-        <p:txBody>
-          <a:bodyPr wrap="square" rtlCol="0">
-            <a:spAutoFit/>
-          </a:bodyPr>
-          <a:lstStyle/>
-          <a:p>
-            <a:r>
-              <a:rPr lang="ko-KR" altLang="en-US" sz="7200" dirty="0" smtClean="0">
-                <a:solidFill>
-                  <a:srgbClr val="FF0000"/>
-                </a:solidFill>
-                <a:latin typeface="THESugarM" panose="020B0600000101010101" charset="-127"/>
-                <a:ea typeface="THESugarM" panose="020B0600000101010101" charset="-127"/>
-              </a:rPr>
-              <a:t>최대값 </a:t>
-            </a:r>
-            <a:r>
-              <a:rPr lang="ko-KR" altLang="en-US" sz="7200" dirty="0" err="1" smtClean="0">
-                <a:solidFill>
-                  <a:srgbClr val="FF0000"/>
-                </a:solidFill>
-                <a:latin typeface="THESugarM" panose="020B0600000101010101" charset="-127"/>
-                <a:ea typeface="THESugarM" panose="020B0600000101010101" charset="-127"/>
-              </a:rPr>
-              <a:t>설정한거</a:t>
-            </a:r>
-            <a:r>
-              <a:rPr lang="ko-KR" altLang="en-US" sz="7200" dirty="0" smtClean="0">
-                <a:solidFill>
-                  <a:srgbClr val="FF0000"/>
-                </a:solidFill>
-                <a:latin typeface="THESugarM" panose="020B0600000101010101" charset="-127"/>
-                <a:ea typeface="THESugarM" panose="020B0600000101010101" charset="-127"/>
-              </a:rPr>
-              <a:t> 넘어가는 것 보여주기</a:t>
-            </a:r>
-            <a:endParaRPr lang="ko-KR" altLang="en-US" sz="7200" dirty="0">
+        </p:spPr>
+      </p:pic>
+      <p:grpSp>
+        <p:nvGrpSpPr>
+          <p:cNvPr id="9" name=""/>
+          <p:cNvGrpSpPr/>
+          <p:nvPr/>
+        </p:nvGrpSpPr>
+        <p:grpSpPr>
+          <a:xfrm rot="0">
+            <a:off x="609089" y="1409700"/>
+            <a:ext cx="3734310" cy="4324874"/>
+            <a:chOff x="2742689" y="1542526"/>
+            <a:chExt cx="3734310" cy="4324874"/>
+          </a:xfrm>
+        </p:grpSpPr>
+        <p:pic>
+          <p:nvPicPr>
+            <p:cNvPr id="6" name=""/>
+            <p:cNvPicPr>
+              <a:picLocks noChangeAspect="1"/>
+            </p:cNvPicPr>
+            <p:nvPr/>
+          </p:nvPicPr>
+          <p:blipFill rotWithShape="1">
+            <a:blip r:embed="rId3"/>
+            <a:stretch>
+              <a:fillRect/>
+            </a:stretch>
+          </p:blipFill>
+          <p:spPr>
+            <a:xfrm>
+              <a:off x="2742689" y="1542526"/>
+              <a:ext cx="3658110" cy="3753373"/>
+            </a:xfrm>
+            <a:prstGeom prst="rect">
+              <a:avLst/>
+            </a:prstGeom>
+          </p:spPr>
+        </p:pic>
+        <p:sp>
+          <p:nvSpPr>
+            <p:cNvPr id="7" name=""/>
+            <p:cNvSpPr/>
+            <p:nvPr/>
+          </p:nvSpPr>
+          <p:spPr>
+            <a:xfrm>
+              <a:off x="5029200" y="4419600"/>
+              <a:ext cx="1447800" cy="1447800"/>
+            </a:xfrm>
+            <a:prstGeom prst="ellipse">
+              <a:avLst/>
+            </a:prstGeom>
+            <a:noFill/>
+            <a:ln w="76200" cap="flat" cmpd="sng" algn="ctr">
               <a:solidFill>
-                <a:srgbClr val="FF0000"/>
+                <a:srgbClr val="ff0000">
+                  <a:alpha val="100000"/>
+                </a:srgbClr>
               </a:solidFill>
-              <a:latin typeface="THESugarM" panose="020B0600000101010101" charset="-127"/>
-              <a:ea typeface="THESugarM" panose="020B0600000101010101" charset="-127"/>
-            </a:endParaRPr>
-          </a:p>
-        </p:txBody>
-      </p:sp>
+              <a:prstDash val="solid"/>
+            </a:ln>
+          </p:spPr>
+          <p:txBody>
+            <a:bodyPr anchor="ctr"/>
+            <a:p>
+              <a:pPr marL="0" indent="0" algn="ctr" defTabSz="914400" rtl="0" eaLnBrk="1" latinLnBrk="0" hangingPunct="1">
+                <a:lnSpc>
+                  <a:spcPct val="100000"/>
+                </a:lnSpc>
+                <a:spcBef>
+                  <a:spcPct val="0"/>
+                </a:spcBef>
+                <a:spcAft>
+                  <a:spcPts val="0"/>
+                </a:spcAft>
+                <a:buNone/>
+                <a:defRPr/>
+              </a:pPr>
+              <a:endParaRPr xmlns:mc="http://schemas.openxmlformats.org/markup-compatibility/2006" xmlns:hp="http://schemas.haansoft.com/office/presentation/8.0" kumimoji="0" lang="ko-KR" altLang="en-US" sz="1800" b="0" i="0" u="none" strike="noStrike" kern="1200" cap="none" spc="0" normalizeH="0" baseline="0" mc:Ignorable="hp" hp:hslEmbossed="0">
+                <a:solidFill>
+                  <a:srgbClr val="ffffff"/>
+                </a:solidFill>
+                <a:latin typeface="Calibri"/>
+                <a:ea typeface="맑은 고딕"/>
+                <a:cs typeface="맑은 고딕"/>
+              </a:endParaRPr>
+            </a:p>
+          </p:txBody>
+        </p:sp>
+      </p:grpSp>
+      <p:pic>
+        <p:nvPicPr>
+          <p:cNvPr id="8" name=""/>
+          <p:cNvPicPr>
+            <a:picLocks noChangeAspect="1"/>
+          </p:cNvPicPr>
+          <p:nvPr/>
+        </p:nvPicPr>
+        <p:blipFill rotWithShape="1">
+          <a:blip r:embed="rId4"/>
+          <a:stretch>
+            <a:fillRect/>
+          </a:stretch>
+        </p:blipFill>
+        <p:spPr>
+          <a:xfrm>
+            <a:off x="762000" y="5829300"/>
+            <a:ext cx="6248400" cy="1031289"/>
+          </a:xfrm>
+          <a:prstGeom prst="rect">
+            <a:avLst/>
+          </a:prstGeom>
+        </p:spPr>
+      </p:pic>
+      <p:pic>
+        <p:nvPicPr>
+          <p:cNvPr id="10" name=""/>
+          <p:cNvPicPr>
+            <a:picLocks noChangeAspect="1"/>
+          </p:cNvPicPr>
+          <p:nvPr/>
+        </p:nvPicPr>
+        <p:blipFill rotWithShape="1">
+          <a:blip r:embed="rId5"/>
+          <a:stretch>
+            <a:fillRect/>
+          </a:stretch>
+        </p:blipFill>
+        <p:spPr>
+          <a:xfrm>
+            <a:off x="7772400" y="5829300"/>
+            <a:ext cx="7505260" cy="1028758"/>
+          </a:xfrm>
+          <a:prstGeom prst="rect">
+            <a:avLst/>
+          </a:prstGeom>
+        </p:spPr>
+      </p:pic>
+      <p:grpSp>
+        <p:nvGrpSpPr>
+          <p:cNvPr id="14" name=""/>
+          <p:cNvGrpSpPr/>
+          <p:nvPr/>
+        </p:nvGrpSpPr>
+        <p:grpSpPr>
+          <a:xfrm rot="0">
+            <a:off x="762000" y="7200900"/>
+            <a:ext cx="13639800" cy="2743200"/>
+            <a:chOff x="152400" y="7467600"/>
+            <a:chExt cx="13639800" cy="2743200"/>
+          </a:xfrm>
+        </p:grpSpPr>
+        <p:pic>
+          <p:nvPicPr>
+            <p:cNvPr id="12" name=""/>
+            <p:cNvPicPr>
+              <a:picLocks noChangeAspect="1"/>
+            </p:cNvPicPr>
+            <p:nvPr/>
+          </p:nvPicPr>
+          <p:blipFill rotWithShape="1">
+            <a:blip r:embed="rId6"/>
+            <a:srcRect l="52350" r="10890"/>
+            <a:stretch>
+              <a:fillRect/>
+            </a:stretch>
+          </p:blipFill>
+          <p:spPr>
+            <a:xfrm>
+              <a:off x="152400" y="9144000"/>
+              <a:ext cx="13639799" cy="1066800"/>
+            </a:xfrm>
+            <a:prstGeom prst="rect">
+              <a:avLst/>
+            </a:prstGeom>
+          </p:spPr>
+        </p:pic>
+        <p:pic>
+          <p:nvPicPr>
+            <p:cNvPr id="13" name=""/>
+            <p:cNvPicPr>
+              <a:picLocks noChangeAspect="1"/>
+            </p:cNvPicPr>
+            <p:nvPr/>
+          </p:nvPicPr>
+          <p:blipFill rotWithShape="1">
+            <a:blip r:embed="rId7"/>
+            <a:srcRect l="30370" r="47650"/>
+            <a:stretch>
+              <a:fillRect/>
+            </a:stretch>
+          </p:blipFill>
+          <p:spPr>
+            <a:xfrm>
+              <a:off x="152402" y="8343899"/>
+              <a:ext cx="8153399" cy="1066800"/>
+            </a:xfrm>
+            <a:prstGeom prst="rect">
+              <a:avLst/>
+            </a:prstGeom>
+          </p:spPr>
+        </p:pic>
+        <p:pic>
+          <p:nvPicPr>
+            <p:cNvPr id="11" name=""/>
+            <p:cNvPicPr>
+              <a:picLocks noChangeAspect="1"/>
+            </p:cNvPicPr>
+            <p:nvPr/>
+          </p:nvPicPr>
+          <p:blipFill rotWithShape="1">
+            <a:blip r:embed="rId8"/>
+            <a:srcRect r="69630"/>
+            <a:stretch>
+              <a:fillRect/>
+            </a:stretch>
+          </p:blipFill>
+          <p:spPr>
+            <a:xfrm>
+              <a:off x="163823" y="7467600"/>
+              <a:ext cx="11266177" cy="1066800"/>
+            </a:xfrm>
+            <a:prstGeom prst="rect">
+              <a:avLst/>
+            </a:prstGeom>
+          </p:spPr>
+        </p:pic>
+      </p:grpSp>
     </p:spTree>
-    <p:extLst>
-      <p:ext uri="{BB962C8B-B14F-4D97-AF65-F5344CB8AC3E}">
-        <p14:creationId xmlns:p14="http://schemas.microsoft.com/office/powerpoint/2010/main" val="3731100810"/>
-      </p:ext>
-    </p:extLst>
   </p:cSld>
   <p:clrMapOvr>
     <a:masterClrMapping/>
   </p:clrMapOvr>
-  <p:timing>
-    <p:tnLst>
-      <p:par>
-        <p:cTn id="1" dur="indefinite" restart="never" nodeType="tmRoot"/>
-      </p:par>
-    </p:tnLst>
-  </p:timing>
+  <mc:AlternateContent xmlns:mc="http://schemas.openxmlformats.org/markup-compatibility/2006">
+    <mc:Choice xmlns:p14="http://schemas.microsoft.com/office/powerpoint/2010/main" Requires="p14">
+      <p:transition xmlns:mc="http://schemas.openxmlformats.org/markup-compatibility/2006" xmlns:p14="http://schemas.microsoft.com/office/powerpoint/2010/main" mc:Ignorable="p14" p14:dur="500"/>
+    </mc:Choice>
+    <mc:Fallback>
+      <p:transition/>
+    </mc:Fallback>
+  </mc:AlternateContent>
 </p:sld>
 </file>
 
 <file path=ppt/slides/slide17.xml><?xml version="1.0" encoding="utf-8"?>
-<p:sld xmlns:a="http://schemas.openxmlformats.org/drawingml/2006/main" xmlns:r="http://schemas.openxmlformats.org/officeDocument/2006/relationships" xmlns:p="http://schemas.openxmlformats.org/presentationml/2006/main">
+<p:sld xmlns:r="http://schemas.openxmlformats.org/officeDocument/2006/relationships" xmlns:c="http://schemas.openxmlformats.org/drawingml/2006/chart" xmlns:a="http://schemas.openxmlformats.org/drawingml/2006/main" xmlns:dgm="http://schemas.openxmlformats.org/drawingml/2006/diagram" xmlns:dsp="http://schemas.microsoft.com/office/drawing/2008/diagram" xmlns:p="http://schemas.openxmlformats.org/presentationml/2006/main">
   <p:cSld>
     <p:bg>
-      <p:bgPr>
+      <p:bgPr shadeToTitle="0">
         <a:solidFill>
-          <a:srgbClr val="FFFFFF"/>
+          <a:srgbClr val="ffffff"/>
         </a:solidFill>
-        <a:effectLst/>
       </p:bgPr>
     </p:bg>
     <p:spTree>
@@ -8385,7 +8572,7 @@
           </a:prstGeom>
         </p:spPr>
         <p:txBody>
-          <a:bodyPr lIns="0" tIns="0" rIns="0" bIns="0" rtlCol="0" anchor="ctr"/>
+          <a:bodyPr lIns="0" tIns="0" rIns="0" bIns="0" anchor="ctr"/>
           <a:lstStyle>
             <a:defPPr>
               <a:defRPr lang="en-US"/>
@@ -8398,116 +8585,134 @@
                 <a:solidFill>
                   <a:srgbClr val="000000"/>
                 </a:solidFill>
-                <a:latin typeface="THESugarM" panose="020B0600000101010101" charset="-127"/>
-                <a:ea typeface="THESugarM" panose="020B0600000101010101" charset="-127"/>
+                <a:latin typeface="THESugarM"/>
+                <a:ea typeface="THESugarM"/>
               </a:defRPr>
             </a:lvl1pPr>
           </a:lstStyle>
           <a:p>
-            <a:r>
-              <a:rPr lang="en-US" dirty="0"/>
+            <a:pPr lvl="0">
+              <a:defRPr/>
+            </a:pPr>
+            <a:r>
+              <a:rPr lang="en-US"/>
               <a:t>5. </a:t>
             </a:r>
             <a:r>
-              <a:rPr lang="ko-KR" dirty="0"/>
+              <a:rPr lang="ko-KR"/>
               <a:t>오류</a:t>
             </a:r>
             <a:r>
-              <a:rPr lang="en-US" dirty="0"/>
+              <a:rPr lang="en-US"/>
               <a:t> </a:t>
             </a:r>
             <a:r>
-              <a:rPr lang="ko-KR" dirty="0"/>
+              <a:rPr lang="ko-KR"/>
               <a:t>및</a:t>
             </a:r>
             <a:r>
-              <a:rPr lang="en-US" dirty="0"/>
+              <a:rPr lang="en-US"/>
               <a:t> </a:t>
             </a:r>
             <a:r>
-              <a:rPr lang="ko-KR" dirty="0"/>
+              <a:rPr lang="ko-KR"/>
               <a:t>해결과정</a:t>
             </a:r>
             <a:r>
-              <a:rPr lang="en-US" altLang="ko-KR" dirty="0"/>
+              <a:rPr lang="en-US" altLang="ko-KR"/>
               <a:t>(SSR)</a:t>
             </a:r>
-            <a:endParaRPr lang="ko-KR" dirty="0"/>
-          </a:p>
-        </p:txBody>
-      </p:sp>
-      <p:sp>
-        <p:nvSpPr>
-          <p:cNvPr id="4" name="TextBox 3"/>
-          <p:cNvSpPr txBox="1"/>
-          <p:nvPr/>
-        </p:nvSpPr>
-        <p:spPr>
-          <a:xfrm>
-            <a:off x="8792265" y="417574"/>
-            <a:ext cx="7581863" cy="2308324"/>
+            <a:endParaRPr lang="ko-KR"/>
+          </a:p>
+        </p:txBody>
+      </p:sp>
+      <p:pic>
+        <p:nvPicPr>
+          <p:cNvPr id="5" name=""/>
+          <p:cNvPicPr>
+            <a:picLocks noChangeAspect="1"/>
+          </p:cNvPicPr>
+          <p:nvPr/>
+        </p:nvPicPr>
+        <p:blipFill rotWithShape="1">
+          <a:blip r:embed="rId2"/>
+          <a:stretch>
+            <a:fillRect/>
+          </a:stretch>
+        </p:blipFill>
+        <p:spPr>
+          <a:xfrm>
+            <a:off x="685800" y="1328205"/>
+            <a:ext cx="11191206" cy="7091895"/>
           </a:xfrm>
           <a:prstGeom prst="rect">
             <a:avLst/>
           </a:prstGeom>
-          <a:noFill/>
-        </p:spPr>
-        <p:txBody>
-          <a:bodyPr wrap="square" rtlCol="0">
-            <a:spAutoFit/>
-          </a:bodyPr>
-          <a:lstStyle/>
-          <a:p>
-            <a:r>
-              <a:rPr lang="ko-KR" altLang="en-US" sz="7200" dirty="0" smtClean="0">
-                <a:solidFill>
-                  <a:srgbClr val="FF0000"/>
-                </a:solidFill>
-                <a:latin typeface="THESugarM" panose="020B0600000101010101" charset="-127"/>
-                <a:ea typeface="THESugarM" panose="020B0600000101010101" charset="-127"/>
-              </a:rPr>
-              <a:t>데이터 갱신 </a:t>
-            </a:r>
-            <a:r>
-              <a:rPr lang="ko-KR" altLang="en-US" sz="7200" dirty="0" err="1" smtClean="0">
-                <a:solidFill>
-                  <a:srgbClr val="FF0000"/>
-                </a:solidFill>
-                <a:latin typeface="THESugarM" panose="020B0600000101010101" charset="-127"/>
-                <a:ea typeface="THESugarM" panose="020B0600000101010101" charset="-127"/>
-              </a:rPr>
-              <a:t>안되는거</a:t>
-            </a:r>
-            <a:r>
-              <a:rPr lang="ko-KR" altLang="en-US" sz="7200" dirty="0" smtClean="0">
-                <a:solidFill>
-                  <a:srgbClr val="FF0000"/>
-                </a:solidFill>
-                <a:latin typeface="THESugarM" panose="020B0600000101010101" charset="-127"/>
-                <a:ea typeface="THESugarM" panose="020B0600000101010101" charset="-127"/>
-              </a:rPr>
-              <a:t> 찍어서 보여주기</a:t>
-            </a:r>
-            <a:endParaRPr lang="ko-KR" altLang="en-US" sz="7200" dirty="0">
-              <a:solidFill>
-                <a:srgbClr val="FF0000"/>
-              </a:solidFill>
-              <a:latin typeface="THESugarM" panose="020B0600000101010101" charset="-127"/>
-              <a:ea typeface="THESugarM" panose="020B0600000101010101" charset="-127"/>
-            </a:endParaRPr>
-          </a:p>
-        </p:txBody>
-      </p:sp>
+        </p:spPr>
+      </p:pic>
+      <p:pic>
+        <p:nvPicPr>
+          <p:cNvPr id="6" name=""/>
+          <p:cNvPicPr>
+            <a:picLocks noChangeAspect="1"/>
+          </p:cNvPicPr>
+          <p:nvPr/>
+        </p:nvPicPr>
+        <p:blipFill rotWithShape="1">
+          <a:blip r:embed="rId3"/>
+          <a:srcRect b="32000"/>
+          <a:stretch>
+            <a:fillRect/>
+          </a:stretch>
+        </p:blipFill>
+        <p:spPr>
+          <a:xfrm>
+            <a:off x="7413320" y="5924350"/>
+            <a:ext cx="8969680" cy="1657550"/>
+          </a:xfrm>
+          <a:prstGeom prst="rect">
+            <a:avLst/>
+          </a:prstGeom>
+        </p:spPr>
+      </p:pic>
+      <p:pic>
+        <p:nvPicPr>
+          <p:cNvPr id="7" name=""/>
+          <p:cNvPicPr>
+            <a:picLocks noChangeAspect="1"/>
+          </p:cNvPicPr>
+          <p:nvPr/>
+        </p:nvPicPr>
+        <p:blipFill rotWithShape="1">
+          <a:blip r:embed="rId4"/>
+          <a:srcRect r="23200"/>
+          <a:stretch>
+            <a:fillRect/>
+          </a:stretch>
+        </p:blipFill>
+        <p:spPr>
+          <a:xfrm>
+            <a:off x="330464" y="8689104"/>
+            <a:ext cx="17652736" cy="1102596"/>
+          </a:xfrm>
+          <a:prstGeom prst="rect">
+            <a:avLst/>
+          </a:prstGeom>
+        </p:spPr>
+      </p:pic>
     </p:spTree>
-    <p:extLst>
-      <p:ext uri="{BB962C8B-B14F-4D97-AF65-F5344CB8AC3E}">
-        <p14:creationId xmlns:p14="http://schemas.microsoft.com/office/powerpoint/2010/main" val="3790350457"/>
-      </p:ext>
-    </p:extLst>
   </p:cSld>
   <p:clrMapOvr>
     <a:masterClrMapping/>
   </p:clrMapOvr>
+  <mc:AlternateContent xmlns:mc="http://schemas.openxmlformats.org/markup-compatibility/2006">
+    <mc:Choice xmlns:p14="http://schemas.microsoft.com/office/powerpoint/2010/main" Requires="p14">
+      <p:transition xmlns:mc="http://schemas.openxmlformats.org/markup-compatibility/2006" xmlns:p14="http://schemas.microsoft.com/office/powerpoint/2010/main" mc:Ignorable="p14" p14:dur="500"/>
+    </mc:Choice>
+    <mc:Fallback>
+      <p:transition/>
+    </mc:Fallback>
+  </mc:AlternateContent>
   <p:timing>
     <p:tnLst>
       <p:par>
@@ -8519,14 +8724,13 @@
 </file>
 
 <file path=ppt/slides/slide18.xml><?xml version="1.0" encoding="utf-8"?>
-<p:sld xmlns:a="http://schemas.openxmlformats.org/drawingml/2006/main" xmlns:r="http://schemas.openxmlformats.org/officeDocument/2006/relationships" xmlns:p="http://schemas.openxmlformats.org/presentationml/2006/main">
+<p:sld xmlns:r="http://schemas.openxmlformats.org/officeDocument/2006/relationships" xmlns:c="http://schemas.openxmlformats.org/drawingml/2006/chart" xmlns:a="http://schemas.openxmlformats.org/drawingml/2006/main" xmlns:dgm="http://schemas.openxmlformats.org/drawingml/2006/diagram" xmlns:dsp="http://schemas.microsoft.com/office/drawing/2008/diagram" xmlns:p="http://schemas.openxmlformats.org/presentationml/2006/main">
   <p:cSld>
     <p:bg>
-      <p:bgPr>
+      <p:bgPr shadeToTitle="0">
         <a:solidFill>
-          <a:srgbClr val="FFFFFF"/>
+          <a:srgbClr val="ffffff"/>
         </a:solidFill>
-        <a:effectLst/>
       </p:bgPr>
     </p:bg>
     <p:spTree>
@@ -8559,7 +8763,7 @@
           </a:prstGeom>
         </p:spPr>
         <p:txBody>
-          <a:bodyPr lIns="0" tIns="0" rIns="0" bIns="0" rtlCol="0" anchor="ctr"/>
+          <a:bodyPr lIns="0" tIns="0" rIns="0" bIns="0" anchor="ctr"/>
           <a:lstStyle>
             <a:defPPr>
               <a:defRPr lang="en-US"/>
@@ -8572,28 +8776,24 @@
                 <a:solidFill>
                   <a:srgbClr val="000000"/>
                 </a:solidFill>
-                <a:latin typeface="THESugarM" panose="020B0600000101010101" charset="-127"/>
-                <a:ea typeface="THESugarM" panose="020B0600000101010101" charset="-127"/>
+                <a:latin typeface="THESugarM"/>
+                <a:ea typeface="THESugarM"/>
               </a:defRPr>
             </a:lvl1pPr>
           </a:lstStyle>
           <a:p>
-            <a:r>
-              <a:rPr lang="en-US" dirty="0"/>
-              <a:t>6. </a:t>
-            </a:r>
-            <a:r>
-              <a:rPr lang="en-US" dirty="0" err="1"/>
-              <a:t>KnowHow</a:t>
-            </a:r>
-            <a:r>
-              <a:rPr lang="en-US" dirty="0"/>
-              <a:t> </a:t>
-            </a:r>
-            <a:r>
-              <a:rPr lang="ko-KR" dirty="0"/>
+            <a:pPr lvl="0">
+              <a:defRPr/>
+            </a:pPr>
+            <a:r>
+              <a:rPr lang="en-US"/>
+              <a:t>6. KnowHow </a:t>
+            </a:r>
+            <a:r>
+              <a:rPr lang="ko-KR"/>
               <a:t>공유</a:t>
             </a:r>
+            <a:endParaRPr lang="ko-KR"/>
           </a:p>
         </p:txBody>
       </p:sp>
@@ -8613,7 +8813,7 @@
           </a:prstGeom>
         </p:spPr>
         <p:txBody>
-          <a:bodyPr lIns="0" tIns="0" rIns="0" bIns="0" rtlCol="0" anchor="ctr"/>
+          <a:bodyPr lIns="0" tIns="0" rIns="0" bIns="0" anchor="ctr"/>
           <a:lstStyle>
             <a:defPPr>
               <a:defRPr lang="en-US"/>
@@ -8636,81 +8836,91 @@
             </a:lvl1pPr>
           </a:lstStyle>
           <a:p>
-            <a:r>
-              <a:rPr lang="ko-KR" dirty="0">
-                <a:latin typeface="THESugarM" panose="020B0600000101010101" charset="-127"/>
-                <a:ea typeface="THESugarM" panose="020B0600000101010101" charset="-127"/>
+            <a:pPr lvl="0">
+              <a:defRPr/>
+            </a:pPr>
+            <a:r>
+              <a:rPr lang="ko-KR">
+                <a:latin typeface="THE슈가슈크림M"/>
+                <a:ea typeface="THE슈가슈크림M"/>
+                <a:cs typeface="+mn-cs"/>
               </a:rPr>
               <a:t>이미지</a:t>
             </a:r>
             <a:r>
-              <a:rPr lang="en-US" dirty="0">
-                <a:latin typeface="THESugarM" panose="020B0600000101010101" charset="-127"/>
-                <a:ea typeface="THESugarM" panose="020B0600000101010101" charset="-127"/>
+              <a:rPr lang="en-US">
+                <a:latin typeface="THE슈가슈크림M"/>
+                <a:ea typeface="THE슈가슈크림M"/>
+                <a:cs typeface="+mn-cs"/>
               </a:rPr>
               <a:t> </a:t>
             </a:r>
             <a:r>
-              <a:rPr lang="ko-KR" dirty="0">
-                <a:latin typeface="THESugarM" panose="020B0600000101010101" charset="-127"/>
-                <a:ea typeface="THESugarM" panose="020B0600000101010101" charset="-127"/>
+              <a:rPr lang="ko-KR">
+                <a:latin typeface="THE슈가슈크림M"/>
+                <a:ea typeface="THE슈가슈크림M"/>
+                <a:cs typeface="+mn-cs"/>
               </a:rPr>
               <a:t>처리</a:t>
             </a:r>
-          </a:p>
-          <a:p>
-            <a:r>
-              <a:rPr lang="ko-KR" dirty="0" err="1">
-                <a:latin typeface="THESugarM" panose="020B0600000101010101" charset="-127"/>
-                <a:ea typeface="THESugarM" panose="020B0600000101010101" charset="-127"/>
+            <a:endParaRPr lang="ko-KR">
+              <a:latin typeface="THE슈가슈크림M"/>
+              <a:ea typeface="THE슈가슈크림M"/>
+              <a:cs typeface="+mn-cs"/>
+            </a:endParaRPr>
+          </a:p>
+          <a:p>
+            <a:pPr lvl="0">
+              <a:defRPr/>
+            </a:pPr>
+            <a:r>
+              <a:rPr lang="ko-KR">
+                <a:latin typeface="THE슈가슈크림M"/>
+                <a:ea typeface="THE슈가슈크림M"/>
+                <a:cs typeface="+mn-cs"/>
               </a:rPr>
               <a:t>멀티키</a:t>
             </a:r>
-            <a:endParaRPr lang="ko-KR" dirty="0">
-              <a:latin typeface="THESugarM" panose="020B0600000101010101" charset="-127"/>
-              <a:ea typeface="THESugarM" panose="020B0600000101010101" charset="-127"/>
+            <a:endParaRPr lang="ko-KR">
+              <a:latin typeface="THE슈가슈크림M"/>
+              <a:ea typeface="THE슈가슈크림M"/>
+              <a:cs typeface="+mn-cs"/>
             </a:endParaRPr>
           </a:p>
           <a:p>
-            <a:r>
-              <a:rPr lang="en-US" dirty="0">
-                <a:latin typeface="THESugarM" panose="020B0600000101010101" charset="-127"/>
-                <a:ea typeface="THESugarM" panose="020B0600000101010101" charset="-127"/>
-              </a:rPr>
-              <a:t>Quill Editor</a:t>
-            </a:r>
-          </a:p>
-          <a:p>
-            <a:r>
-              <a:rPr lang="ko-KR" dirty="0" err="1">
-                <a:latin typeface="THESugarM" panose="020B0600000101010101" charset="-127"/>
-                <a:ea typeface="THESugarM" panose="020B0600000101010101" charset="-127"/>
+            <a:pPr lvl="0">
+              <a:defRPr/>
+            </a:pPr>
+            <a:r>
+              <a:rPr lang="ko-KR">
+                <a:latin typeface="THE슈가슈크림M"/>
+                <a:ea typeface="THE슈가슈크림M"/>
+                <a:cs typeface="+mn-cs"/>
               </a:rPr>
               <a:t>스케쥴러</a:t>
             </a:r>
-            <a:endParaRPr lang="ko-KR" dirty="0">
-              <a:latin typeface="THESugarM" panose="020B0600000101010101" charset="-127"/>
-              <a:ea typeface="THESugarM" panose="020B0600000101010101" charset="-127"/>
+            <a:endParaRPr lang="ko-KR">
+              <a:latin typeface="THE슈가슈크림M"/>
+              <a:ea typeface="THE슈가슈크림M"/>
+              <a:cs typeface="+mn-cs"/>
             </a:endParaRPr>
           </a:p>
           <a:p>
-            <a:r>
-              <a:rPr lang="en-US" dirty="0">
-                <a:latin typeface="THESugarM" panose="020B0600000101010101" charset="-127"/>
-                <a:ea typeface="THESugarM" panose="020B0600000101010101" charset="-127"/>
-              </a:rPr>
-              <a:t>switch-</a:t>
-            </a:r>
-            <a:r>
-              <a:rPr lang="en-US" dirty="0" err="1">
-                <a:latin typeface="THESugarM" panose="020B0600000101010101" charset="-127"/>
-                <a:ea typeface="THESugarM" panose="020B0600000101010101" charset="-127"/>
-              </a:rPr>
-              <a:t>enum</a:t>
-            </a:r>
-            <a:endParaRPr lang="en-US" dirty="0">
-              <a:latin typeface="THESugarM" panose="020B0600000101010101" charset="-127"/>
-              <a:ea typeface="THESugarM" panose="020B0600000101010101" charset="-127"/>
+            <a:pPr lvl="0">
+              <a:defRPr/>
+            </a:pPr>
+            <a:r>
+              <a:rPr lang="en-US">
+                <a:latin typeface="THE슈가슈크림M"/>
+                <a:ea typeface="THE슈가슈크림M"/>
+                <a:cs typeface="+mn-cs"/>
+              </a:rPr>
+              <a:t>switch-enum</a:t>
+            </a:r>
+            <a:endParaRPr lang="en-US">
+              <a:latin typeface="THE슈가슈크림M"/>
+              <a:ea typeface="THE슈가슈크림M"/>
+              <a:cs typeface="+mn-cs"/>
             </a:endParaRPr>
           </a:p>
         </p:txBody>
@@ -8720,6 +8930,14 @@
   <p:clrMapOvr>
     <a:masterClrMapping/>
   </p:clrMapOvr>
+  <mc:AlternateContent xmlns:mc="http://schemas.openxmlformats.org/markup-compatibility/2006">
+    <mc:Choice xmlns:p14="http://schemas.microsoft.com/office/powerpoint/2010/main" Requires="p14">
+      <p:transition xmlns:mc="http://schemas.openxmlformats.org/markup-compatibility/2006" xmlns:p14="http://schemas.microsoft.com/office/powerpoint/2010/main" mc:Ignorable="p14" p14:dur="500"/>
+    </mc:Choice>
+    <mc:Fallback>
+      <p:transition/>
+    </mc:Fallback>
+  </mc:AlternateContent>
   <p:timing>
     <p:tnLst>
       <p:par>
@@ -8731,14 +8949,13 @@
 </file>
 
 <file path=ppt/slides/slide19.xml><?xml version="1.0" encoding="utf-8"?>
-<p:sld xmlns:a="http://schemas.openxmlformats.org/drawingml/2006/main" xmlns:r="http://schemas.openxmlformats.org/officeDocument/2006/relationships" xmlns:p="http://schemas.openxmlformats.org/presentationml/2006/main">
+<p:sld xmlns:r="http://schemas.openxmlformats.org/officeDocument/2006/relationships" xmlns:c="http://schemas.openxmlformats.org/drawingml/2006/chart" xmlns:a="http://schemas.openxmlformats.org/drawingml/2006/main" xmlns:dgm="http://schemas.openxmlformats.org/drawingml/2006/diagram" xmlns:dsp="http://schemas.microsoft.com/office/drawing/2008/diagram" xmlns:p="http://schemas.openxmlformats.org/presentationml/2006/main">
   <p:cSld>
     <p:bg>
-      <p:bgPr>
+      <p:bgPr shadeToTitle="0">
         <a:solidFill>
-          <a:srgbClr val="FFFFFF"/>
+          <a:srgbClr val="ffffff"/>
         </a:solidFill>
-        <a:effectLst/>
       </p:bgPr>
     </p:bg>
     <p:spTree>
@@ -8771,7 +8988,7 @@
           </a:prstGeom>
         </p:spPr>
         <p:txBody>
-          <a:bodyPr lIns="0" tIns="0" rIns="0" bIns="0" rtlCol="0" anchor="ctr"/>
+          <a:bodyPr lIns="0" tIns="0" rIns="0" bIns="0" anchor="ctr"/>
           <a:lstStyle>
             <a:defPPr>
               <a:defRPr lang="en-US"/>
@@ -8784,48 +9001,44 @@
                 <a:solidFill>
                   <a:srgbClr val="000000"/>
                 </a:solidFill>
-                <a:latin typeface="THESugarM" panose="020B0600000101010101" charset="-127"/>
-                <a:ea typeface="THESugarM" panose="020B0600000101010101" charset="-127"/>
+                <a:latin typeface="THESugarM"/>
+                <a:ea typeface="THESugarM"/>
               </a:defRPr>
             </a:lvl1pPr>
           </a:lstStyle>
           <a:p>
-            <a:r>
-              <a:rPr lang="en-US" dirty="0"/>
-              <a:t>6. </a:t>
-            </a:r>
-            <a:r>
-              <a:rPr lang="en-US" dirty="0" err="1"/>
-              <a:t>KnowHow</a:t>
-            </a:r>
-            <a:r>
-              <a:rPr lang="en-US" dirty="0"/>
+            <a:pPr lvl="0">
+              <a:defRPr/>
+            </a:pPr>
+            <a:r>
+              <a:rPr lang="en-US"/>
+              <a:t>6. KnowHow </a:t>
+            </a:r>
+            <a:r>
+              <a:rPr lang="ko-KR"/>
+              <a:t>공유</a:t>
+            </a:r>
+            <a:r>
+              <a:rPr lang="en-US"/>
+              <a:t>(</a:t>
+            </a:r>
+            <a:r>
+              <a:rPr lang="ko-KR"/>
+              <a:t>이미지</a:t>
+            </a:r>
+            <a:r>
+              <a:rPr lang="en-US"/>
               <a:t> </a:t>
             </a:r>
             <a:r>
-              <a:rPr lang="ko-KR" dirty="0"/>
-              <a:t>공유</a:t>
-            </a:r>
-            <a:r>
-              <a:rPr lang="en-US" dirty="0"/>
-              <a:t>(</a:t>
-            </a:r>
-            <a:r>
-              <a:rPr lang="ko-KR" dirty="0"/>
-              <a:t>이미지</a:t>
-            </a:r>
-            <a:r>
-              <a:rPr lang="en-US" dirty="0"/>
-              <a:t> </a:t>
-            </a:r>
-            <a:r>
-              <a:rPr lang="ko-KR" dirty="0"/>
+              <a:rPr lang="ko-KR"/>
               <a:t>처리</a:t>
             </a:r>
             <a:r>
-              <a:rPr lang="en-US" dirty="0"/>
+              <a:rPr lang="en-US"/>
               <a:t>)</a:t>
             </a:r>
+            <a:endParaRPr lang="en-US"/>
           </a:p>
         </p:txBody>
       </p:sp>
@@ -8837,14 +9050,8 @@
           </p:cNvPicPr>
           <p:nvPr/>
         </p:nvPicPr>
-        <p:blipFill>
-          <a:blip r:embed="rId2">
-            <a:extLst>
-              <a:ext uri="{28A0092B-C50C-407E-A947-70E740481C1C}">
-                <a14:useLocalDpi xmlns:a14="http://schemas.microsoft.com/office/drawing/2010/main" val="0"/>
-              </a:ext>
-            </a:extLst>
-          </a:blip>
+        <p:blipFill rotWithShape="1">
+          <a:blip r:embed="rId2"/>
           <a:stretch>
             <a:fillRect/>
           </a:stretch>
@@ -8867,14 +9074,8 @@
           </p:cNvPicPr>
           <p:nvPr/>
         </p:nvPicPr>
-        <p:blipFill>
-          <a:blip r:embed="rId3">
-            <a:extLst>
-              <a:ext uri="{28A0092B-C50C-407E-A947-70E740481C1C}">
-                <a14:useLocalDpi xmlns:a14="http://schemas.microsoft.com/office/drawing/2010/main" val="0"/>
-              </a:ext>
-            </a:extLst>
-          </a:blip>
+        <p:blipFill rotWithShape="1">
+          <a:blip r:embed="rId3"/>
           <a:stretch>
             <a:fillRect/>
           </a:stretch>
@@ -8901,7 +9102,10 @@
             <a:ext cx="10242550" cy="914400"/>
           </a:xfrm>
           <a:prstGeom prst="rightArrow">
-            <a:avLst/>
+            <a:avLst>
+              <a:gd name="adj1" fmla="val 50000"/>
+              <a:gd name="adj2" fmla="val 50000"/>
+            </a:avLst>
           </a:prstGeom>
           <a:solidFill>
             <a:schemeClr val="accent6"/>
@@ -8927,10 +9131,12 @@
           </a:fontRef>
         </p:style>
         <p:txBody>
-          <a:bodyPr rtlCol="0" anchor="ctr"/>
+          <a:bodyPr anchor="ctr"/>
           <a:lstStyle/>
           <a:p>
-            <a:pPr algn="ctr"/>
+            <a:pPr algn="ctr">
+              <a:defRPr/>
+            </a:pPr>
             <a:endParaRPr lang="ko-KR" altLang="en-US"/>
           </a:p>
         </p:txBody>
@@ -8952,21 +9158,26 @@
           <a:noFill/>
         </p:spPr>
         <p:txBody>
-          <a:bodyPr wrap="none" rtlCol="0">
+          <a:bodyPr wrap="none">
             <a:spAutoFit/>
           </a:bodyPr>
           <a:lstStyle/>
           <a:p>
-            <a:r>
-              <a:rPr lang="en-US" altLang="ko-KR" sz="4000" dirty="0" smtClean="0">
-                <a:latin typeface="THESugarM" panose="020B0600000101010101" charset="-127"/>
-                <a:ea typeface="THESugarM" panose="020B0600000101010101" charset="-127"/>
+            <a:pPr lvl="0">
+              <a:defRPr/>
+            </a:pPr>
+            <a:r>
+              <a:rPr lang="en-US" altLang="ko-KR" sz="4000">
+                <a:latin typeface="THE슈가슈크림M"/>
+                <a:ea typeface="THE슈가슈크림M"/>
+                <a:cs typeface="+mn-cs"/>
               </a:rPr>
               <a:t>Image File</a:t>
             </a:r>
-            <a:endParaRPr lang="ko-KR" altLang="en-US" sz="4000" dirty="0">
-              <a:latin typeface="THESugarM" panose="020B0600000101010101" charset="-127"/>
-              <a:ea typeface="THESugarM" panose="020B0600000101010101" charset="-127"/>
+            <a:endParaRPr lang="ko-KR" altLang="en-US" sz="4000">
+              <a:latin typeface="THE슈가슈크림M"/>
+              <a:ea typeface="THE슈가슈크림M"/>
+              <a:cs typeface="+mn-cs"/>
             </a:endParaRPr>
           </a:p>
         </p:txBody>
@@ -8983,7 +9194,10 @@
             <a:ext cx="10242550" cy="914400"/>
           </a:xfrm>
           <a:prstGeom prst="rightArrow">
-            <a:avLst/>
+            <a:avLst>
+              <a:gd name="adj1" fmla="val 50000"/>
+              <a:gd name="adj2" fmla="val 50000"/>
+            </a:avLst>
           </a:prstGeom>
           <a:solidFill>
             <a:schemeClr val="accent6"/>
@@ -9009,10 +9223,12 @@
           </a:fontRef>
         </p:style>
         <p:txBody>
-          <a:bodyPr rtlCol="0" anchor="ctr"/>
+          <a:bodyPr anchor="ctr"/>
           <a:lstStyle/>
           <a:p>
-            <a:pPr algn="ctr"/>
+            <a:pPr algn="ctr">
+              <a:defRPr/>
+            </a:pPr>
             <a:endParaRPr lang="ko-KR" altLang="en-US"/>
           </a:p>
         </p:txBody>
@@ -9034,21 +9250,26 @@
           <a:noFill/>
         </p:spPr>
         <p:txBody>
-          <a:bodyPr wrap="none" rtlCol="0">
+          <a:bodyPr wrap="none">
             <a:spAutoFit/>
           </a:bodyPr>
           <a:lstStyle/>
           <a:p>
-            <a:r>
-              <a:rPr lang="en-US" altLang="ko-KR" sz="4000" dirty="0" err="1" smtClean="0">
-                <a:latin typeface="THESugarM" panose="020B0600000101010101" charset="-127"/>
-                <a:ea typeface="THESugarM" panose="020B0600000101010101" charset="-127"/>
+            <a:pPr lvl="0">
+              <a:defRPr/>
+            </a:pPr>
+            <a:r>
+              <a:rPr lang="en-US" altLang="ko-KR" sz="4000">
+                <a:latin typeface="THE슈가슈크림M"/>
+                <a:ea typeface="THE슈가슈크림M"/>
+                <a:cs typeface="+mn-cs"/>
               </a:rPr>
               <a:t>Url</a:t>
             </a:r>
-            <a:endParaRPr lang="ko-KR" altLang="en-US" sz="4000" dirty="0">
-              <a:latin typeface="THESugarM" panose="020B0600000101010101" charset="-127"/>
-              <a:ea typeface="THESugarM" panose="020B0600000101010101" charset="-127"/>
+            <a:endParaRPr lang="ko-KR" altLang="en-US" sz="4000">
+              <a:latin typeface="THE슈가슈크림M"/>
+              <a:ea typeface="THE슈가슈크림M"/>
+              <a:cs typeface="+mn-cs"/>
             </a:endParaRPr>
           </a:p>
         </p:txBody>
@@ -9065,7 +9286,10 @@
             <a:ext cx="10242550" cy="914400"/>
           </a:xfrm>
           <a:prstGeom prst="rightArrow">
-            <a:avLst/>
+            <a:avLst>
+              <a:gd name="adj1" fmla="val 50000"/>
+              <a:gd name="adj2" fmla="val 50000"/>
+            </a:avLst>
           </a:prstGeom>
           <a:solidFill>
             <a:schemeClr val="accent6"/>
@@ -9091,10 +9315,12 @@
           </a:fontRef>
         </p:style>
         <p:txBody>
-          <a:bodyPr rtlCol="0" anchor="ctr"/>
+          <a:bodyPr anchor="ctr"/>
           <a:lstStyle/>
           <a:p>
-            <a:pPr algn="ctr"/>
+            <a:pPr algn="ctr">
+              <a:defRPr/>
+            </a:pPr>
             <a:endParaRPr lang="ko-KR" altLang="en-US"/>
           </a:p>
         </p:txBody>
@@ -9116,21 +9342,26 @@
           <a:noFill/>
         </p:spPr>
         <p:txBody>
-          <a:bodyPr wrap="none" rtlCol="0">
+          <a:bodyPr wrap="none">
             <a:spAutoFit/>
           </a:bodyPr>
           <a:lstStyle/>
           <a:p>
-            <a:r>
-              <a:rPr lang="en-US" altLang="ko-KR" sz="4000" dirty="0" err="1" smtClean="0">
-                <a:latin typeface="THESugarM" panose="020B0600000101010101" charset="-127"/>
-                <a:ea typeface="THESugarM" panose="020B0600000101010101" charset="-127"/>
+            <a:pPr lvl="0">
+              <a:defRPr/>
+            </a:pPr>
+            <a:r>
+              <a:rPr lang="en-US" altLang="ko-KR" sz="4000">
+                <a:latin typeface="THE슈가슈크림M"/>
+                <a:ea typeface="THE슈가슈크림M"/>
+                <a:cs typeface="+mn-cs"/>
               </a:rPr>
               <a:t>Url</a:t>
             </a:r>
-            <a:endParaRPr lang="ko-KR" altLang="en-US" sz="4000" dirty="0">
-              <a:latin typeface="THESugarM" panose="020B0600000101010101" charset="-127"/>
-              <a:ea typeface="THESugarM" panose="020B0600000101010101" charset="-127"/>
+            <a:endParaRPr lang="ko-KR" altLang="en-US" sz="4000">
+              <a:latin typeface="THE슈가슈크림M"/>
+              <a:ea typeface="THE슈가슈크림M"/>
+              <a:cs typeface="+mn-cs"/>
             </a:endParaRPr>
           </a:p>
         </p:txBody>
@@ -9152,21 +9383,26 @@
           <a:noFill/>
         </p:spPr>
         <p:txBody>
-          <a:bodyPr wrap="none" rtlCol="0">
+          <a:bodyPr wrap="none">
             <a:spAutoFit/>
           </a:bodyPr>
           <a:lstStyle/>
           <a:p>
-            <a:r>
-              <a:rPr lang="ko-KR" altLang="en-US" sz="4000" dirty="0" err="1" smtClean="0">
-                <a:latin typeface="THESugarM" panose="020B0600000101010101" charset="-127"/>
-                <a:ea typeface="THESugarM" panose="020B0600000101010101" charset="-127"/>
+            <a:pPr lvl="0">
+              <a:defRPr/>
+            </a:pPr>
+            <a:r>
+              <a:rPr lang="ko-KR" altLang="en-US" sz="4000">
+                <a:latin typeface="THE슈가슈크림M"/>
+                <a:ea typeface="THE슈가슈크림M"/>
+                <a:cs typeface="+mn-cs"/>
               </a:rPr>
               <a:t>임시저장</a:t>
             </a:r>
-            <a:endParaRPr lang="ko-KR" altLang="en-US" sz="4000" dirty="0">
-              <a:latin typeface="THESugarM" panose="020B0600000101010101" charset="-127"/>
-              <a:ea typeface="THESugarM" panose="020B0600000101010101" charset="-127"/>
+            <a:endParaRPr lang="ko-KR" altLang="en-US" sz="4000">
+              <a:latin typeface="THE슈가슈크림M"/>
+              <a:ea typeface="THE슈가슈크림M"/>
+              <a:cs typeface="+mn-cs"/>
             </a:endParaRPr>
           </a:p>
         </p:txBody>
@@ -9188,28 +9424,26 @@
           <a:noFill/>
         </p:spPr>
         <p:txBody>
-          <a:bodyPr wrap="none" rtlCol="0">
+          <a:bodyPr wrap="none">
             <a:spAutoFit/>
           </a:bodyPr>
           <a:lstStyle/>
           <a:p>
-            <a:r>
-              <a:rPr lang="ko-KR" altLang="en-US" sz="4000" dirty="0" smtClean="0">
-                <a:latin typeface="THESugarM" panose="020B0600000101010101" charset="-127"/>
-                <a:ea typeface="THESugarM" panose="020B0600000101010101" charset="-127"/>
-              </a:rPr>
-              <a:t>데이터 </a:t>
-            </a:r>
-            <a:r>
-              <a:rPr lang="ko-KR" altLang="en-US" sz="4000" dirty="0" err="1" smtClean="0">
-                <a:latin typeface="THESugarM" panose="020B0600000101010101" charset="-127"/>
-                <a:ea typeface="THESugarM" panose="020B0600000101010101" charset="-127"/>
-              </a:rPr>
-              <a:t>저장시</a:t>
-            </a:r>
-            <a:endParaRPr lang="ko-KR" altLang="en-US" sz="4000" dirty="0">
-              <a:latin typeface="THESugarM" panose="020B0600000101010101" charset="-127"/>
-              <a:ea typeface="THESugarM" panose="020B0600000101010101" charset="-127"/>
+            <a:pPr lvl="0">
+              <a:defRPr/>
+            </a:pPr>
+            <a:r>
+              <a:rPr lang="ko-KR" altLang="en-US" sz="4000">
+                <a:latin typeface="THE슈가슈크림M"/>
+                <a:ea typeface="THE슈가슈크림M"/>
+                <a:cs typeface="+mn-cs"/>
+              </a:rPr>
+              <a:t>데이터 저장시</a:t>
+            </a:r>
+            <a:endParaRPr lang="ko-KR" altLang="en-US" sz="4000">
+              <a:latin typeface="THE슈가슈크림M"/>
+              <a:ea typeface="THE슈가슈크림M"/>
+              <a:cs typeface="+mn-cs"/>
             </a:endParaRPr>
           </a:p>
         </p:txBody>
@@ -9231,63 +9465,26 @@
           <a:noFill/>
         </p:spPr>
         <p:txBody>
-          <a:bodyPr wrap="none" rtlCol="0">
+          <a:bodyPr wrap="none">
             <a:spAutoFit/>
           </a:bodyPr>
           <a:lstStyle/>
           <a:p>
-            <a:r>
-              <a:rPr lang="ko-KR" altLang="en-US" sz="4000" dirty="0" smtClean="0">
-                <a:latin typeface="THESugarM" panose="020B0600000101010101" charset="-127"/>
-                <a:ea typeface="THESugarM" panose="020B0600000101010101" charset="-127"/>
+            <a:pPr lvl="0">
+              <a:defRPr/>
+            </a:pPr>
+            <a:r>
+              <a:rPr lang="ko-KR" altLang="en-US" sz="4000">
+                <a:latin typeface="THE슈가슈크림M"/>
+                <a:ea typeface="THE슈가슈크림M"/>
+                <a:cs typeface="+mn-cs"/>
               </a:rPr>
               <a:t>파일 제어</a:t>
             </a:r>
-            <a:endParaRPr lang="ko-KR" altLang="en-US" sz="4000" dirty="0">
-              <a:latin typeface="THESugarM" panose="020B0600000101010101" charset="-127"/>
-              <a:ea typeface="THESugarM" panose="020B0600000101010101" charset="-127"/>
-            </a:endParaRPr>
-          </a:p>
-        </p:txBody>
-      </p:sp>
-      <p:sp>
-        <p:nvSpPr>
-          <p:cNvPr id="24" name="TextBox 23"/>
-          <p:cNvSpPr txBox="1"/>
-          <p:nvPr/>
-        </p:nvSpPr>
-        <p:spPr>
-          <a:xfrm>
-            <a:off x="8792265" y="417574"/>
-            <a:ext cx="7581863" cy="2308324"/>
-          </a:xfrm>
-          <a:prstGeom prst="rect">
-            <a:avLst/>
-          </a:prstGeom>
-          <a:noFill/>
-        </p:spPr>
-        <p:txBody>
-          <a:bodyPr wrap="square" rtlCol="0">
-            <a:spAutoFit/>
-          </a:bodyPr>
-          <a:lstStyle/>
-          <a:p>
-            <a:r>
-              <a:rPr lang="ko-KR" altLang="en-US" sz="7200" dirty="0" smtClean="0">
-                <a:solidFill>
-                  <a:srgbClr val="FF0000"/>
-                </a:solidFill>
-                <a:latin typeface="THESugarM" panose="020B0600000101010101" charset="-127"/>
-                <a:ea typeface="THESugarM" panose="020B0600000101010101" charset="-127"/>
-              </a:rPr>
-              <a:t>서버 고치고 이미지 임시 하는 거 모션</a:t>
-            </a:r>
-            <a:endParaRPr lang="ko-KR" altLang="en-US" sz="7200" dirty="0">
-              <a:solidFill>
-                <a:srgbClr val="FF0000"/>
-              </a:solidFill>
-              <a:latin typeface="THESugarM" panose="020B0600000101010101" charset="-127"/>
-              <a:ea typeface="THESugarM" panose="020B0600000101010101" charset="-127"/>
+            <a:endParaRPr lang="ko-KR" altLang="en-US" sz="4000">
+              <a:latin typeface="THE슈가슈크림M"/>
+              <a:ea typeface="THE슈가슈크림M"/>
+              <a:cs typeface="+mn-cs"/>
             </a:endParaRPr>
           </a:p>
         </p:txBody>
@@ -9298,13 +9495,7 @@
           <p:cNvGraphicFramePr>
             <a:graphicFrameLocks noGrp="1"/>
           </p:cNvGraphicFramePr>
-          <p:nvPr>
-            <p:extLst>
-              <p:ext uri="{D42A27DB-BD31-4B8C-83A1-F6EECF244321}">
-                <p14:modId xmlns:p14="http://schemas.microsoft.com/office/powerpoint/2010/main" val="1099992886"/>
-              </p:ext>
-            </p:extLst>
-          </p:nvPr>
+          <p:nvPr/>
         </p:nvGraphicFramePr>
         <p:xfrm>
           <a:off x="13022865" y="7837428"/>
@@ -9317,112 +9508,263 @@
                 <a:tableStyleId>{5C22544A-7EE6-4342-B048-85BDC9FD1C3A}</a:tableStyleId>
               </a:tblPr>
               <a:tblGrid>
-                <a:gridCol w="1854200">
-                  <a:extLst>
-                    <a:ext uri="{9D8B030D-6E8A-4147-A177-3AD203B41FA5}">
-                      <a16:colId xmlns:a16="http://schemas.microsoft.com/office/drawing/2014/main" val="330472678"/>
-                    </a:ext>
-                  </a:extLst>
-                </a:gridCol>
-                <a:gridCol w="1854200">
-                  <a:extLst>
-                    <a:ext uri="{9D8B030D-6E8A-4147-A177-3AD203B41FA5}">
-                      <a16:colId xmlns:a16="http://schemas.microsoft.com/office/drawing/2014/main" val="1898120467"/>
-                    </a:ext>
-                  </a:extLst>
-                </a:gridCol>
+                <a:gridCol w="1854200"/>
+                <a:gridCol w="1854200"/>
               </a:tblGrid>
               <a:tr h="370840">
                 <a:tc>
                   <a:txBody>
-                    <a:bodyPr/>
-                    <a:lstStyle/>
+                    <a:bodyPr vert="horz" lIns="91440" tIns="45720" rIns="91440" bIns="45720" anchor="t" anchorCtr="0"/>
                     <a:p>
-                      <a:pPr latinLnBrk="1"/>
+                      <a:pPr latinLnBrk="1">
+                        <a:defRPr/>
+                      </a:pPr>
                       <a:r>
-                        <a:rPr lang="en-US" altLang="ko-KR" dirty="0" smtClean="0"/>
+                        <a:rPr lang="en-US" altLang="ko-KR"/>
                         <a:t>K</a:t>
                       </a:r>
-                      <a:endParaRPr lang="ko-KR" altLang="en-US" dirty="0"/>
+                      <a:endParaRPr lang="ko-KR" altLang="en-US"/>
                     </a:p>
                   </a:txBody>
-                  <a:tcPr/>
+                  <a:tcPr marL="91440" marR="91440"/>
                 </a:tc>
                 <a:tc>
                   <a:txBody>
-                    <a:bodyPr/>
-                    <a:lstStyle/>
+                    <a:bodyPr vert="horz" lIns="91440" tIns="45720" rIns="91440" bIns="45720" anchor="t" anchorCtr="0"/>
                     <a:p>
-                      <a:pPr latinLnBrk="1"/>
+                      <a:pPr latinLnBrk="1">
+                        <a:defRPr/>
+                      </a:pPr>
                       <a:r>
-                        <a:rPr lang="en-US" altLang="ko-KR" dirty="0" smtClean="0"/>
+                        <a:rPr lang="en-US" altLang="ko-KR"/>
                         <a:t>V</a:t>
                       </a:r>
-                      <a:endParaRPr lang="ko-KR" altLang="en-US" dirty="0"/>
+                      <a:endParaRPr lang="ko-KR" altLang="en-US"/>
                     </a:p>
                   </a:txBody>
-                  <a:tcPr/>
+                  <a:tcPr marL="91440" marR="91440"/>
                 </a:tc>
-                <a:extLst>
-                  <a:ext uri="{0D108BD9-81ED-4DB2-BD59-A6C34878D82A}">
-                    <a16:rowId xmlns:a16="http://schemas.microsoft.com/office/drawing/2014/main" val="164827161"/>
-                  </a:ext>
-                </a:extLst>
               </a:tr>
               <a:tr h="370840">
                 <a:tc>
                   <a:txBody>
-                    <a:bodyPr/>
-                    <a:lstStyle/>
+                    <a:bodyPr vert="horz" lIns="91440" tIns="45720" rIns="91440" bIns="45720" anchor="t" anchorCtr="0"/>
                     <a:p>
-                      <a:pPr latinLnBrk="1"/>
+                      <a:pPr latinLnBrk="1">
+                        <a:defRPr/>
+                      </a:pPr>
                       <a:r>
-                        <a:rPr lang="ko-KR" altLang="en-US" dirty="0" smtClean="0"/>
+                        <a:rPr lang="ko-KR" altLang="en-US"/>
                         <a:t>키 값</a:t>
                       </a:r>
-                      <a:endParaRPr lang="ko-KR" altLang="en-US" dirty="0"/>
+                      <a:endParaRPr lang="ko-KR" altLang="en-US"/>
                     </a:p>
                   </a:txBody>
-                  <a:tcPr/>
+                  <a:tcPr marL="91440" marR="91440"/>
                 </a:tc>
                 <a:tc>
                   <a:txBody>
-                    <a:bodyPr/>
-                    <a:lstStyle/>
+                    <a:bodyPr vert="horz" lIns="91440" tIns="45720" rIns="91440" bIns="45720" anchor="t" anchorCtr="0"/>
                     <a:p>
-                      <a:pPr latinLnBrk="1"/>
+                      <a:pPr latinLnBrk="1">
+                        <a:defRPr/>
+                      </a:pPr>
                       <a:r>
-                        <a:rPr lang="ko-KR" altLang="en-US" dirty="0" smtClean="0"/>
+                        <a:rPr lang="ko-KR" altLang="en-US"/>
                         <a:t>이미지 </a:t>
                       </a:r>
                       <a:r>
-                        <a:rPr lang="en-US" altLang="ko-KR" dirty="0" smtClean="0"/>
+                        <a:rPr lang="en-US" altLang="ko-KR"/>
                         <a:t>URL</a:t>
                       </a:r>
-                      <a:endParaRPr lang="ko-KR" altLang="en-US" dirty="0"/>
+                      <a:endParaRPr lang="ko-KR" altLang="en-US"/>
                     </a:p>
                   </a:txBody>
-                  <a:tcPr/>
+                  <a:tcPr marL="91440" marR="91440"/>
                 </a:tc>
-                <a:extLst>
-                  <a:ext uri="{0D108BD9-81ED-4DB2-BD59-A6C34878D82A}">
-                    <a16:rowId xmlns:a16="http://schemas.microsoft.com/office/drawing/2014/main" val="4257715316"/>
-                  </a:ext>
-                </a:extLst>
               </a:tr>
             </a:tbl>
           </a:graphicData>
         </a:graphic>
       </p:graphicFrame>
+      <p:pic>
+        <p:nvPicPr>
+          <p:cNvPr id="26" name=""/>
+          <p:cNvPicPr>
+            <a:picLocks noChangeAspect="1"/>
+          </p:cNvPicPr>
+          <p:nvPr/>
+        </p:nvPicPr>
+        <p:blipFill rotWithShape="1">
+          <a:blip r:embed="rId4"/>
+          <a:stretch>
+            <a:fillRect/>
+          </a:stretch>
+        </p:blipFill>
+        <p:spPr>
+          <a:xfrm>
+            <a:off x="3652071" y="1771179"/>
+            <a:ext cx="10983857" cy="6744641"/>
+          </a:xfrm>
+          <a:prstGeom prst="rect">
+            <a:avLst/>
+          </a:prstGeom>
+        </p:spPr>
+      </p:pic>
+      <p:pic>
+        <p:nvPicPr>
+          <p:cNvPr id="27" name=""/>
+          <p:cNvPicPr>
+            <a:picLocks noChangeAspect="1"/>
+          </p:cNvPicPr>
+          <p:nvPr/>
+        </p:nvPicPr>
+        <p:blipFill rotWithShape="1">
+          <a:blip r:embed="rId5"/>
+          <a:stretch>
+            <a:fillRect/>
+          </a:stretch>
+        </p:blipFill>
+        <p:spPr>
+          <a:xfrm>
+            <a:off x="3390097" y="1852153"/>
+            <a:ext cx="11507805" cy="6582693"/>
+          </a:xfrm>
+          <a:prstGeom prst="rect">
+            <a:avLst/>
+          </a:prstGeom>
+        </p:spPr>
+      </p:pic>
     </p:spTree>
   </p:cSld>
   <p:clrMapOvr>
     <a:masterClrMapping/>
   </p:clrMapOvr>
+  <mc:AlternateContent xmlns:mc="http://schemas.openxmlformats.org/markup-compatibility/2006">
+    <mc:Choice xmlns:p14="http://schemas.microsoft.com/office/powerpoint/2010/main" Requires="p14">
+      <p:transition xmlns:mc="http://schemas.openxmlformats.org/markup-compatibility/2006" xmlns:p14="http://schemas.microsoft.com/office/powerpoint/2010/main" mc:Ignorable="p14" p14:dur="500"/>
+    </mc:Choice>
+    <mc:Fallback>
+      <p:transition/>
+    </mc:Fallback>
+  </mc:AlternateContent>
   <p:timing>
     <p:tnLst>
       <p:par>
-        <p:cTn id="1" dur="indefinite" restart="never" nodeType="tmRoot"/>
+        <p:cTn id="1" dur="indefinite" restart="never" nodeType="tmRoot">
+          <p:childTnLst>
+            <p:seq concurrent="1" nextAc="seek">
+              <p:cTn id="2" dur="indefinite" nodeType="mainSeq">
+                <p:childTnLst>
+                  <p:par>
+                    <p:cTn id="3" fill="hold">
+                      <p:stCondLst>
+                        <p:cond delay="indefinite"/>
+                      </p:stCondLst>
+                      <p:childTnLst>
+                        <p:par>
+                          <p:cTn id="4" fill="hold">
+                            <p:stCondLst>
+                              <p:cond delay="0"/>
+                            </p:stCondLst>
+                            <p:childTnLst>
+                              <p:par>
+                                <p:cTn id="5" presetID="1" presetClass="entr" presetSubtype="0" fill="hold" nodeType="clickEffect">
+                                  <p:stCondLst>
+                                    <p:cond delay="0"/>
+                                  </p:stCondLst>
+                                  <p:childTnLst>
+                                    <p:set>
+                                      <p:cBhvr>
+                                        <p:cTn id="6" dur="1" fill="hold">
+                                          <p:stCondLst>
+                                            <p:cond delay="0"/>
+                                          </p:stCondLst>
+                                        </p:cTn>
+                                        <p:tgtEl>
+                                          <p:spTgt spid="26"/>
+                                        </p:tgtEl>
+                                        <p:attrNameLst>
+                                          <p:attrName>style.visibility</p:attrName>
+                                        </p:attrNameLst>
+                                      </p:cBhvr>
+                                      <p:to>
+                                        <p:strVal val="visible"/>
+                                      </p:to>
+                                    </p:set>
+                                  </p:childTnLst>
+                                </p:cTn>
+                              </p:par>
+                            </p:childTnLst>
+                          </p:cTn>
+                        </p:par>
+                      </p:childTnLst>
+                    </p:cTn>
+                  </p:par>
+                  <p:par>
+                    <p:cTn id="7" fill="hold">
+                      <p:stCondLst>
+                        <p:cond delay="indefinite"/>
+                      </p:stCondLst>
+                      <p:childTnLst>
+                        <p:par>
+                          <p:cTn id="8" fill="hold">
+                            <p:stCondLst>
+                              <p:cond delay="0"/>
+                            </p:stCondLst>
+                            <p:childTnLst>
+                              <p:par>
+                                <p:cTn id="9" presetID="1" presetClass="entr" presetSubtype="0" fill="hold" nodeType="clickEffect">
+                                  <p:stCondLst>
+                                    <p:cond delay="0"/>
+                                  </p:stCondLst>
+                                  <p:childTnLst>
+                                    <p:set>
+                                      <p:cBhvr>
+                                        <p:cTn id="10" dur="1" fill="hold">
+                                          <p:stCondLst>
+                                            <p:cond delay="0"/>
+                                          </p:stCondLst>
+                                        </p:cTn>
+                                        <p:tgtEl>
+                                          <p:spTgt spid="27"/>
+                                        </p:tgtEl>
+                                        <p:attrNameLst>
+                                          <p:attrName>style.visibility</p:attrName>
+                                        </p:attrNameLst>
+                                      </p:cBhvr>
+                                      <p:to>
+                                        <p:strVal val="visible"/>
+                                      </p:to>
+                                    </p:set>
+                                  </p:childTnLst>
+                                </p:cTn>
+                              </p:par>
+                            </p:childTnLst>
+                          </p:cTn>
+                        </p:par>
+                      </p:childTnLst>
+                    </p:cTn>
+                  </p:par>
+                </p:childTnLst>
+              </p:cTn>
+              <p:prevCondLst>
+                <p:cond evt="onPrev" delay="0">
+                  <p:tgtEl>
+                    <p:sldTgt/>
+                  </p:tgtEl>
+                </p:cond>
+              </p:prevCondLst>
+              <p:nextCondLst>
+                <p:cond evt="onNext" delay="0">
+                  <p:tgtEl>
+                    <p:sldTgt/>
+                  </p:tgtEl>
+                </p:cond>
+              </p:nextCondLst>
+            </p:seq>
+          </p:childTnLst>
+        </p:cTn>
       </p:par>
     </p:tnLst>
   </p:timing>
@@ -11575,14 +11917,13 @@
 </file>
 
 <file path=ppt/slides/slide21.xml><?xml version="1.0" encoding="utf-8"?>
-<p:sld xmlns:a="http://schemas.openxmlformats.org/drawingml/2006/main" xmlns:r="http://schemas.openxmlformats.org/officeDocument/2006/relationships" xmlns:p="http://schemas.openxmlformats.org/presentationml/2006/main">
+<p:sld xmlns:r="http://schemas.openxmlformats.org/officeDocument/2006/relationships" xmlns:c="http://schemas.openxmlformats.org/drawingml/2006/chart" xmlns:a="http://schemas.openxmlformats.org/drawingml/2006/main" xmlns:dgm="http://schemas.openxmlformats.org/drawingml/2006/diagram" xmlns:dsp="http://schemas.microsoft.com/office/drawing/2008/diagram" xmlns:p="http://schemas.openxmlformats.org/presentationml/2006/main">
   <p:cSld>
     <p:bg>
-      <p:bgPr>
+      <p:bgPr shadeToTitle="0">
         <a:solidFill>
-          <a:srgbClr val="FFFFFF"/>
+          <a:srgbClr val="ffffff"/>
         </a:solidFill>
-        <a:effectLst/>
       </p:bgPr>
     </p:bg>
     <p:spTree>
@@ -11608,27 +11949,28 @@
         <p:spPr>
           <a:xfrm>
             <a:off x="393700" y="139700"/>
-            <a:ext cx="8331200" cy="1028700"/>
+            <a:ext cx="7683500" cy="1028700"/>
           </a:xfrm>
           <a:prstGeom prst="rect">
             <a:avLst/>
           </a:prstGeom>
         </p:spPr>
         <p:txBody>
-          <a:bodyPr lIns="0" tIns="0" rIns="0" bIns="0" rtlCol="0" anchor="ctr"/>
+          <a:bodyPr lIns="0" tIns="0" rIns="0" bIns="0" anchor="ctr"/>
           <a:lstStyle/>
           <a:p>
             <a:pPr lvl="0" algn="l">
               <a:lnSpc>
                 <a:spcPct val="99600"/>
               </a:lnSpc>
+              <a:defRPr/>
             </a:pPr>
             <a:r>
               <a:rPr lang="en-US" sz="5800" b="0" i="0" u="none" strike="noStrike" spc="-100">
                 <a:solidFill>
                   <a:srgbClr val="000000"/>
                 </a:solidFill>
-                <a:latin typeface="THESugarM"/>
+                <a:latin typeface="THE슈가슈크림M"/>
               </a:rPr>
               <a:t>6. KnowHow </a:t>
             </a:r>
@@ -11637,7 +11979,7 @@
                 <a:solidFill>
                   <a:srgbClr val="000000"/>
                 </a:solidFill>
-                <a:ea typeface="THESugarM"/>
+                <a:ea typeface="THE슈가슈크림M"/>
               </a:rPr>
               <a:t>공유</a:t>
             </a:r>
@@ -11646,90 +11988,74 @@
                 <a:solidFill>
                   <a:srgbClr val="000000"/>
                 </a:solidFill>
-                <a:latin typeface="THESugarM"/>
-              </a:rPr>
-              <a:t>(Quill Editor)</a:t>
-            </a:r>
-          </a:p>
-        </p:txBody>
-      </p:sp>
-      <p:sp>
-        <p:nvSpPr>
-          <p:cNvPr id="3" name="TextBox 2"/>
-          <p:cNvSpPr txBox="1"/>
-          <p:nvPr/>
-        </p:nvSpPr>
-        <p:spPr>
-          <a:xfrm>
-            <a:off x="8792265" y="417574"/>
-            <a:ext cx="7581863" cy="1200329"/>
+                <a:latin typeface="THE슈가슈크림M"/>
+              </a:rPr>
+              <a:t>(</a:t>
+            </a:r>
+            <a:r>
+              <a:rPr lang="ko-KR" sz="5800" b="0" i="0" u="none" strike="noStrike" spc="-100">
+                <a:solidFill>
+                  <a:srgbClr val="000000"/>
+                </a:solidFill>
+                <a:ea typeface="THE슈가슈크림M"/>
+              </a:rPr>
+              <a:t>스케쥴러</a:t>
+            </a:r>
+            <a:r>
+              <a:rPr lang="en-US" sz="5800" b="0" i="0" u="none" strike="noStrike" spc="-100">
+                <a:solidFill>
+                  <a:srgbClr val="000000"/>
+                </a:solidFill>
+                <a:latin typeface="THE슈가슈크림M"/>
+              </a:rPr>
+              <a:t>)</a:t>
+            </a:r>
+            <a:endParaRPr lang="en-US" sz="5800" b="0" i="0" u="none" strike="noStrike" spc="-100">
+              <a:solidFill>
+                <a:srgbClr val="000000"/>
+              </a:solidFill>
+              <a:latin typeface="THE슈가슈크림M"/>
+            </a:endParaRPr>
+          </a:p>
+        </p:txBody>
+      </p:sp>
+      <p:pic>
+        <p:nvPicPr>
+          <p:cNvPr id="4" name=""/>
+          <p:cNvPicPr>
+            <a:picLocks noChangeAspect="1"/>
+          </p:cNvPicPr>
+          <p:nvPr/>
+        </p:nvPicPr>
+        <p:blipFill rotWithShape="1">
+          <a:blip r:embed="rId2"/>
+          <a:stretch>
+            <a:fillRect/>
+          </a:stretch>
+        </p:blipFill>
+        <p:spPr>
+          <a:xfrm>
+            <a:off x="1143000" y="1220650"/>
+            <a:ext cx="13002325" cy="8494850"/>
           </a:xfrm>
           <a:prstGeom prst="rect">
             <a:avLst/>
           </a:prstGeom>
-          <a:noFill/>
-        </p:spPr>
-        <p:txBody>
-          <a:bodyPr wrap="square" rtlCol="0">
-            <a:spAutoFit/>
-          </a:bodyPr>
-          <a:lstStyle/>
-          <a:p>
-            <a:r>
-              <a:rPr lang="en-US" altLang="ko-KR" sz="7200" dirty="0" err="1" smtClean="0">
-                <a:solidFill>
-                  <a:srgbClr val="FF0000"/>
-                </a:solidFill>
-                <a:latin typeface="THESugarM" panose="020B0600000101010101" charset="-127"/>
-                <a:ea typeface="THESugarM" panose="020B0600000101010101" charset="-127"/>
-              </a:rPr>
-              <a:t>Quil</a:t>
-            </a:r>
-            <a:r>
-              <a:rPr lang="en-US" altLang="ko-KR" sz="7200" dirty="0" smtClean="0">
-                <a:solidFill>
-                  <a:srgbClr val="FF0000"/>
-                </a:solidFill>
-                <a:latin typeface="THESugarM" panose="020B0600000101010101" charset="-127"/>
-                <a:ea typeface="THESugarM" panose="020B0600000101010101" charset="-127"/>
-              </a:rPr>
-              <a:t> </a:t>
-            </a:r>
-            <a:r>
-              <a:rPr lang="ko-KR" altLang="en-US" sz="7200" dirty="0" smtClean="0">
-                <a:solidFill>
-                  <a:srgbClr val="FF0000"/>
-                </a:solidFill>
-                <a:latin typeface="THESugarM" panose="020B0600000101010101" charset="-127"/>
-                <a:ea typeface="THESugarM" panose="020B0600000101010101" charset="-127"/>
-              </a:rPr>
-              <a:t>동적 </a:t>
-            </a:r>
-            <a:r>
-              <a:rPr lang="ko-KR" altLang="en-US" sz="7200" dirty="0" err="1" smtClean="0">
-                <a:solidFill>
-                  <a:srgbClr val="FF0000"/>
-                </a:solidFill>
-                <a:latin typeface="THESugarM" panose="020B0600000101010101" charset="-127"/>
-                <a:ea typeface="THESugarM" panose="020B0600000101010101" charset="-127"/>
-              </a:rPr>
-              <a:t>임포팅</a:t>
-            </a:r>
-            <a:endParaRPr lang="ko-KR" altLang="en-US" sz="7200" dirty="0">
-              <a:solidFill>
-                <a:srgbClr val="FF0000"/>
-              </a:solidFill>
-              <a:latin typeface="THESugarM" panose="020B0600000101010101" charset="-127"/>
-              <a:ea typeface="THESugarM" panose="020B0600000101010101" charset="-127"/>
-            </a:endParaRPr>
-          </a:p>
-        </p:txBody>
-      </p:sp>
+        </p:spPr>
+      </p:pic>
     </p:spTree>
   </p:cSld>
   <p:clrMapOvr>
     <a:masterClrMapping/>
   </p:clrMapOvr>
+  <mc:AlternateContent xmlns:mc="http://schemas.openxmlformats.org/markup-compatibility/2006">
+    <mc:Choice xmlns:p14="http://schemas.microsoft.com/office/powerpoint/2010/main" Requires="p14">
+      <p:transition xmlns:mc="http://schemas.openxmlformats.org/markup-compatibility/2006" xmlns:p14="http://schemas.microsoft.com/office/powerpoint/2010/main" mc:Ignorable="p14" p14:dur="500"/>
+    </mc:Choice>
+    <mc:Fallback>
+      <p:transition/>
+    </mc:Fallback>
+  </mc:AlternateContent>
   <p:timing>
     <p:tnLst>
       <p:par>
@@ -11741,14 +12067,13 @@
 </file>
 
 <file path=ppt/slides/slide22.xml><?xml version="1.0" encoding="utf-8"?>
-<p:sld xmlns:a="http://schemas.openxmlformats.org/drawingml/2006/main" xmlns:r="http://schemas.openxmlformats.org/officeDocument/2006/relationships" xmlns:p="http://schemas.openxmlformats.org/presentationml/2006/main">
+<p:sld xmlns:r="http://schemas.openxmlformats.org/officeDocument/2006/relationships" xmlns:c="http://schemas.openxmlformats.org/drawingml/2006/chart" xmlns:a="http://schemas.openxmlformats.org/drawingml/2006/main" xmlns:dgm="http://schemas.openxmlformats.org/drawingml/2006/diagram" xmlns:dsp="http://schemas.microsoft.com/office/drawing/2008/diagram" xmlns:p="http://schemas.openxmlformats.org/presentationml/2006/main">
   <p:cSld>
     <p:bg>
-      <p:bgPr>
+      <p:bgPr shadeToTitle="0">
         <a:solidFill>
-          <a:srgbClr val="FFFFFF"/>
+          <a:srgbClr val="ffffff"/>
         </a:solidFill>
-        <a:effectLst/>
       </p:bgPr>
     </p:bg>
     <p:spTree>
@@ -11774,27 +12099,28 @@
         <p:spPr>
           <a:xfrm>
             <a:off x="393700" y="139700"/>
-            <a:ext cx="7683500" cy="1028700"/>
+            <a:ext cx="6553200" cy="1028700"/>
           </a:xfrm>
           <a:prstGeom prst="rect">
             <a:avLst/>
           </a:prstGeom>
         </p:spPr>
         <p:txBody>
-          <a:bodyPr lIns="0" tIns="0" rIns="0" bIns="0" rtlCol="0" anchor="ctr"/>
+          <a:bodyPr lIns="0" tIns="0" rIns="0" bIns="0" anchor="ctr"/>
           <a:lstStyle/>
           <a:p>
             <a:pPr lvl="0" algn="l">
               <a:lnSpc>
                 <a:spcPct val="99600"/>
               </a:lnSpc>
+              <a:defRPr/>
             </a:pPr>
             <a:r>
               <a:rPr lang="en-US" sz="5800" b="0" i="0" u="none" strike="noStrike" spc="-100">
                 <a:solidFill>
                   <a:srgbClr val="000000"/>
                 </a:solidFill>
-                <a:latin typeface="THESugarM"/>
+                <a:latin typeface="THE슈가슈크림M"/>
               </a:rPr>
               <a:t>6. KnowHow </a:t>
             </a:r>
@@ -11803,7 +12129,7 @@
                 <a:solidFill>
                   <a:srgbClr val="000000"/>
                 </a:solidFill>
-                <a:ea typeface="THESugarM"/>
+                <a:ea typeface="THE슈가슈크림M"/>
               </a:rPr>
               <a:t>공유</a:t>
             </a:r>
@@ -11812,108 +12138,56 @@
                 <a:solidFill>
                   <a:srgbClr val="000000"/>
                 </a:solidFill>
-                <a:latin typeface="THESugarM"/>
-              </a:rPr>
-              <a:t>(</a:t>
-            </a:r>
-            <a:r>
-              <a:rPr lang="ko-KR" sz="5800" b="0" i="0" u="none" strike="noStrike" spc="-100">
-                <a:solidFill>
-                  <a:srgbClr val="000000"/>
-                </a:solidFill>
-                <a:ea typeface="THESugarM"/>
-              </a:rPr>
-              <a:t>스케쥴러</a:t>
-            </a:r>
-            <a:r>
-              <a:rPr lang="en-US" sz="5800" b="0" i="0" u="none" strike="noStrike" spc="-100">
-                <a:solidFill>
-                  <a:srgbClr val="000000"/>
-                </a:solidFill>
-                <a:latin typeface="THESugarM"/>
-              </a:rPr>
-              <a:t>)</a:t>
-            </a:r>
-          </a:p>
-        </p:txBody>
-      </p:sp>
-      <p:sp>
-        <p:nvSpPr>
-          <p:cNvPr id="3" name="TextBox 2"/>
-          <p:cNvSpPr txBox="1"/>
-          <p:nvPr/>
-        </p:nvSpPr>
-        <p:spPr>
-          <a:xfrm>
-            <a:off x="8792265" y="417574"/>
-            <a:ext cx="7581863" cy="2308324"/>
+                <a:latin typeface="THE슈가슈크림M"/>
+              </a:rPr>
+              <a:t>(enum)</a:t>
+            </a:r>
+            <a:endParaRPr lang="en-US" sz="5800" b="0" i="0" u="none" strike="noStrike" spc="-100">
+              <a:solidFill>
+                <a:srgbClr val="000000"/>
+              </a:solidFill>
+              <a:latin typeface="THE슈가슈크림M"/>
+            </a:endParaRPr>
+          </a:p>
+        </p:txBody>
+      </p:sp>
+      <p:pic>
+        <p:nvPicPr>
+          <p:cNvPr id="4" name=""/>
+          <p:cNvPicPr>
+            <a:picLocks noChangeAspect="1"/>
+          </p:cNvPicPr>
+          <p:nvPr/>
+        </p:nvPicPr>
+        <p:blipFill rotWithShape="1">
+          <a:blip r:embed="rId2"/>
+          <a:stretch>
+            <a:fillRect/>
+          </a:stretch>
+        </p:blipFill>
+        <p:spPr>
+          <a:xfrm>
+            <a:off x="916371" y="2100087"/>
+            <a:ext cx="16455256" cy="6086825"/>
           </a:xfrm>
           <a:prstGeom prst="rect">
             <a:avLst/>
           </a:prstGeom>
-          <a:noFill/>
-        </p:spPr>
-        <p:txBody>
-          <a:bodyPr wrap="square" rtlCol="0">
-            <a:spAutoFit/>
-          </a:bodyPr>
-          <a:lstStyle/>
-          <a:p>
-            <a:r>
-              <a:rPr lang="ko-KR" altLang="en-US" sz="7200" dirty="0" err="1" smtClean="0">
-                <a:solidFill>
-                  <a:srgbClr val="FF0000"/>
-                </a:solidFill>
-                <a:latin typeface="THESugarM" panose="020B0600000101010101" charset="-127"/>
-                <a:ea typeface="THESugarM" panose="020B0600000101010101" charset="-127"/>
-              </a:rPr>
-              <a:t>스케쥴러</a:t>
-            </a:r>
-            <a:r>
-              <a:rPr lang="ko-KR" altLang="en-US" sz="7200" dirty="0" smtClean="0">
-                <a:solidFill>
-                  <a:srgbClr val="FF0000"/>
-                </a:solidFill>
-                <a:latin typeface="THESugarM" panose="020B0600000101010101" charset="-127"/>
-                <a:ea typeface="THESugarM" panose="020B0600000101010101" charset="-127"/>
-              </a:rPr>
-              <a:t> 달아서 일정 </a:t>
-            </a:r>
-            <a:r>
-              <a:rPr lang="ko-KR" altLang="en-US" sz="7200" dirty="0" err="1" smtClean="0">
-                <a:solidFill>
-                  <a:srgbClr val="FF0000"/>
-                </a:solidFill>
-                <a:latin typeface="THESugarM" panose="020B0600000101010101" charset="-127"/>
-                <a:ea typeface="THESugarM" panose="020B0600000101010101" charset="-127"/>
-              </a:rPr>
-              <a:t>주기별로</a:t>
-            </a:r>
-            <a:r>
-              <a:rPr lang="ko-KR" altLang="en-US" sz="7200" dirty="0" smtClean="0">
-                <a:solidFill>
-                  <a:srgbClr val="FF0000"/>
-                </a:solidFill>
-                <a:latin typeface="THESugarM" panose="020B0600000101010101" charset="-127"/>
-                <a:ea typeface="THESugarM" panose="020B0600000101010101" charset="-127"/>
-              </a:rPr>
-              <a:t> 함수 실행</a:t>
-            </a:r>
-            <a:endParaRPr lang="ko-KR" altLang="en-US" sz="7200" dirty="0">
-              <a:solidFill>
-                <a:srgbClr val="FF0000"/>
-              </a:solidFill>
-              <a:latin typeface="THESugarM" panose="020B0600000101010101" charset="-127"/>
-              <a:ea typeface="THESugarM" panose="020B0600000101010101" charset="-127"/>
-            </a:endParaRPr>
-          </a:p>
-        </p:txBody>
-      </p:sp>
+        </p:spPr>
+      </p:pic>
     </p:spTree>
   </p:cSld>
   <p:clrMapOvr>
     <a:masterClrMapping/>
   </p:clrMapOvr>
+  <mc:AlternateContent xmlns:mc="http://schemas.openxmlformats.org/markup-compatibility/2006">
+    <mc:Choice xmlns:p14="http://schemas.microsoft.com/office/powerpoint/2010/main" Requires="p14">
+      <p:transition xmlns:mc="http://schemas.openxmlformats.org/markup-compatibility/2006" xmlns:p14="http://schemas.microsoft.com/office/powerpoint/2010/main" mc:Ignorable="p14" p14:dur="500"/>
+    </mc:Choice>
+    <mc:Fallback>
+      <p:transition/>
+    </mc:Fallback>
+  </mc:AlternateContent>
   <p:timing>
     <p:tnLst>
       <p:par>
@@ -11925,14 +12199,13 @@
 </file>
 
 <file path=ppt/slides/slide23.xml><?xml version="1.0" encoding="utf-8"?>
-<p:sld xmlns:a="http://schemas.openxmlformats.org/drawingml/2006/main" xmlns:r="http://schemas.openxmlformats.org/officeDocument/2006/relationships" xmlns:p="http://schemas.openxmlformats.org/presentationml/2006/main">
+<p:sld xmlns:r="http://schemas.openxmlformats.org/officeDocument/2006/relationships" xmlns:c="http://schemas.openxmlformats.org/drawingml/2006/chart" xmlns:a="http://schemas.openxmlformats.org/drawingml/2006/main" xmlns:dgm="http://schemas.openxmlformats.org/drawingml/2006/diagram" xmlns:dsp="http://schemas.microsoft.com/office/drawing/2008/diagram" xmlns:p="http://schemas.openxmlformats.org/presentationml/2006/main">
   <p:cSld>
     <p:bg>
-      <p:bgPr>
+      <p:bgPr shadeToTitle="0">
         <a:solidFill>
-          <a:srgbClr val="FFFFFF"/>
+          <a:srgbClr val="ffffff"/>
         </a:solidFill>
-        <a:effectLst/>
       </p:bgPr>
     </p:bg>
     <p:spTree>
@@ -11958,27 +12231,28 @@
         <p:spPr>
           <a:xfrm>
             <a:off x="393700" y="139700"/>
-            <a:ext cx="6553200" cy="1028700"/>
+            <a:ext cx="6883400" cy="1028700"/>
           </a:xfrm>
           <a:prstGeom prst="rect">
             <a:avLst/>
           </a:prstGeom>
         </p:spPr>
         <p:txBody>
-          <a:bodyPr lIns="0" tIns="0" rIns="0" bIns="0" rtlCol="0" anchor="ctr"/>
+          <a:bodyPr lIns="0" tIns="0" rIns="0" bIns="0" anchor="ctr"/>
           <a:lstStyle/>
           <a:p>
             <a:pPr lvl="0" algn="l">
               <a:lnSpc>
                 <a:spcPct val="99600"/>
               </a:lnSpc>
+              <a:defRPr/>
             </a:pPr>
             <a:r>
               <a:rPr lang="en-US" sz="5800" b="0" i="0" u="none" strike="noStrike" spc="-100">
                 <a:solidFill>
                   <a:srgbClr val="000000"/>
                 </a:solidFill>
-                <a:latin typeface="THESugarM"/>
+                <a:latin typeface="THE슈가슈크림M"/>
               </a:rPr>
               <a:t>6. KnowHow </a:t>
             </a:r>
@@ -11987,7 +12261,7 @@
                 <a:solidFill>
                   <a:srgbClr val="000000"/>
                 </a:solidFill>
-                <a:ea typeface="THESugarM"/>
+                <a:ea typeface="THE슈가슈크림M"/>
               </a:rPr>
               <a:t>공유</a:t>
             </a:r>
@@ -11996,64 +12270,153 @@
                 <a:solidFill>
                   <a:srgbClr val="000000"/>
                 </a:solidFill>
-                <a:latin typeface="THESugarM"/>
-              </a:rPr>
-              <a:t>(enum)</a:t>
-            </a:r>
-          </a:p>
-        </p:txBody>
-      </p:sp>
-      <p:sp>
-        <p:nvSpPr>
-          <p:cNvPr id="3" name="TextBox 2"/>
-          <p:cNvSpPr txBox="1"/>
-          <p:nvPr/>
-        </p:nvSpPr>
-        <p:spPr>
-          <a:xfrm>
-            <a:off x="8792265" y="417574"/>
-            <a:ext cx="7581863" cy="1200329"/>
+                <a:latin typeface="THE슈가슈크림M"/>
+              </a:rPr>
+              <a:t>(record)</a:t>
+            </a:r>
+            <a:endParaRPr lang="en-US" sz="5800" b="0" i="0" u="none" strike="noStrike" spc="-100">
+              <a:solidFill>
+                <a:srgbClr val="000000"/>
+              </a:solidFill>
+              <a:latin typeface="THE슈가슈크림M"/>
+            </a:endParaRPr>
+          </a:p>
+        </p:txBody>
+      </p:sp>
+      <p:pic>
+        <p:nvPicPr>
+          <p:cNvPr id="4" name=""/>
+          <p:cNvPicPr>
+            <a:picLocks noChangeAspect="1"/>
+          </p:cNvPicPr>
+          <p:nvPr/>
+        </p:nvPicPr>
+        <p:blipFill rotWithShape="1">
+          <a:blip r:embed="rId2"/>
+          <a:srcRect r="33830" b="38830"/>
+          <a:stretch>
+            <a:fillRect/>
+          </a:stretch>
+        </p:blipFill>
+        <p:spPr>
+          <a:xfrm>
+            <a:off x="656784" y="1485900"/>
+            <a:ext cx="6658415" cy="6322639"/>
           </a:xfrm>
           <a:prstGeom prst="rect">
             <a:avLst/>
           </a:prstGeom>
-          <a:noFill/>
-        </p:spPr>
-        <p:txBody>
-          <a:bodyPr wrap="square" rtlCol="0">
-            <a:spAutoFit/>
-          </a:bodyPr>
-          <a:lstStyle/>
-          <a:p>
-            <a:r>
-              <a:rPr lang="ko-KR" altLang="en-US" sz="7200" dirty="0" err="1" smtClean="0">
-                <a:solidFill>
-                  <a:srgbClr val="FF0000"/>
-                </a:solidFill>
-                <a:latin typeface="THESugarM" panose="020B0600000101010101" charset="-127"/>
-                <a:ea typeface="THESugarM" panose="020B0600000101010101" charset="-127"/>
-              </a:rPr>
-              <a:t>약속어</a:t>
-            </a:r>
-            <a:endParaRPr lang="ko-KR" altLang="en-US" sz="7200" dirty="0">
-              <a:solidFill>
-                <a:srgbClr val="FF0000"/>
-              </a:solidFill>
-              <a:latin typeface="THESugarM" panose="020B0600000101010101" charset="-127"/>
-              <a:ea typeface="THESugarM" panose="020B0600000101010101" charset="-127"/>
-            </a:endParaRPr>
-          </a:p>
-        </p:txBody>
-      </p:sp>
+        </p:spPr>
+      </p:pic>
+      <p:pic>
+        <p:nvPicPr>
+          <p:cNvPr id="5" name=""/>
+          <p:cNvPicPr>
+            <a:picLocks noChangeAspect="1"/>
+          </p:cNvPicPr>
+          <p:nvPr/>
+        </p:nvPicPr>
+        <p:blipFill rotWithShape="1">
+          <a:blip r:embed="rId3"/>
+          <a:stretch>
+            <a:fillRect/>
+          </a:stretch>
+        </p:blipFill>
+        <p:spPr>
+          <a:xfrm>
+            <a:off x="457199" y="4236693"/>
+            <a:ext cx="17373602" cy="1813614"/>
+          </a:xfrm>
+          <a:prstGeom prst="rect">
+            <a:avLst/>
+          </a:prstGeom>
+        </p:spPr>
+      </p:pic>
     </p:spTree>
   </p:cSld>
   <p:clrMapOvr>
     <a:masterClrMapping/>
   </p:clrMapOvr>
+  <mc:AlternateContent xmlns:mc="http://schemas.openxmlformats.org/markup-compatibility/2006">
+    <mc:Choice xmlns:p14="http://schemas.microsoft.com/office/powerpoint/2010/main" Requires="p14">
+      <p:transition xmlns:mc="http://schemas.openxmlformats.org/markup-compatibility/2006" xmlns:p14="http://schemas.microsoft.com/office/powerpoint/2010/main" mc:Ignorable="p14" p14:dur="500"/>
+    </mc:Choice>
+    <mc:Fallback>
+      <p:transition/>
+    </mc:Fallback>
+  </mc:AlternateContent>
   <p:timing>
     <p:tnLst>
       <p:par>
-        <p:cTn id="1" dur="indefinite" restart="never" nodeType="tmRoot"/>
+        <p:cTn id="1" dur="indefinite" restart="never" nodeType="tmRoot">
+          <p:childTnLst>
+            <p:seq concurrent="1" nextAc="seek">
+              <p:cTn id="2" dur="indefinite" nodeType="mainSeq">
+                <p:childTnLst>
+                  <p:par>
+                    <p:cTn id="3" fill="hold">
+                      <p:stCondLst>
+                        <p:cond delay="indefinite"/>
+                      </p:stCondLst>
+                      <p:childTnLst>
+                        <p:par>
+                          <p:cTn id="4" fill="hold">
+                            <p:stCondLst>
+                              <p:cond delay="0"/>
+                            </p:stCondLst>
+                            <p:childTnLst>
+                              <p:par>
+                                <p:cTn id="5" presetID="1" presetClass="entr" presetSubtype="0" fill="hold" nodeType="clickEffect">
+                                  <p:stCondLst>
+                                    <p:cond delay="0"/>
+                                  </p:stCondLst>
+                                  <p:childTnLst>
+                                    <p:set>
+                                      <p:cBhvr>
+                                        <p:cTn id="6" dur="1" fill="hold">
+                                          <p:stCondLst>
+                                            <p:cond delay="0"/>
+                                          </p:stCondLst>
+                                        </p:cTn>
+                                        <p:tgtEl>
+                                          <p:spTgt spid="5"/>
+                                        </p:tgtEl>
+                                        <p:attrNameLst>
+                                          <p:attrName>style.visibility</p:attrName>
+                                        </p:attrNameLst>
+                                      </p:cBhvr>
+                                      <p:to>
+                                        <p:strVal val="visible"/>
+                                      </p:to>
+                                    </p:set>
+                                  </p:childTnLst>
+                                </p:cTn>
+                              </p:par>
+                            </p:childTnLst>
+                          </p:cTn>
+                        </p:par>
+                      </p:childTnLst>
+                    </p:cTn>
+                  </p:par>
+                </p:childTnLst>
+              </p:cTn>
+              <p:prevCondLst>
+                <p:cond evt="onPrev" delay="0">
+                  <p:tgtEl>
+                    <p:sldTgt/>
+                  </p:tgtEl>
+                </p:cond>
+              </p:prevCondLst>
+              <p:nextCondLst>
+                <p:cond evt="onNext" delay="0">
+                  <p:tgtEl>
+                    <p:sldTgt/>
+                  </p:tgtEl>
+                </p:cond>
+              </p:nextCondLst>
+            </p:seq>
+          </p:childTnLst>
+        </p:cTn>
       </p:par>
     </p:tnLst>
   </p:timing>
@@ -12085,102 +12448,30 @@
           <a:chExt cx="0" cy="0"/>
         </a:xfrm>
       </p:grpSpPr>
-      <p:sp>
-        <p:nvSpPr>
-          <p:cNvPr id="2" name="TextBox 2"/>
-          <p:cNvSpPr txBox="1"/>
-          <p:nvPr/>
-        </p:nvSpPr>
-        <p:spPr>
-          <a:xfrm>
-            <a:off x="393700" y="139700"/>
-            <a:ext cx="6883400" cy="1028700"/>
+      <p:pic>
+        <p:nvPicPr>
+          <p:cNvPr id="2" name="Picture 2"/>
+          <p:cNvPicPr>
+            <a:picLocks noChangeAspect="1"/>
+          </p:cNvPicPr>
+          <p:nvPr/>
+        </p:nvPicPr>
+        <p:blipFill>
+          <a:blip r:embed="rId2"/>
+          <a:stretch>
+            <a:fillRect/>
+          </a:stretch>
+        </p:blipFill>
+        <p:spPr>
+          <a:xfrm>
+            <a:off x="-1257300" y="3124200"/>
+            <a:ext cx="17894300" cy="4953000"/>
           </a:xfrm>
           <a:prstGeom prst="rect">
             <a:avLst/>
           </a:prstGeom>
         </p:spPr>
-        <p:txBody>
-          <a:bodyPr lIns="0" tIns="0" rIns="0" bIns="0" rtlCol="0" anchor="ctr"/>
-          <a:lstStyle/>
-          <a:p>
-            <a:pPr lvl="0" algn="l">
-              <a:lnSpc>
-                <a:spcPct val="99600"/>
-              </a:lnSpc>
-            </a:pPr>
-            <a:r>
-              <a:rPr lang="en-US" sz="5800" b="0" i="0" u="none" strike="noStrike" spc="-100">
-                <a:solidFill>
-                  <a:srgbClr val="000000"/>
-                </a:solidFill>
-                <a:latin typeface="THESugarM"/>
-              </a:rPr>
-              <a:t>6. KnowHow </a:t>
-            </a:r>
-            <a:r>
-              <a:rPr lang="ko-KR" sz="5800" b="0" i="0" u="none" strike="noStrike" spc="-100">
-                <a:solidFill>
-                  <a:srgbClr val="000000"/>
-                </a:solidFill>
-                <a:ea typeface="THESugarM"/>
-              </a:rPr>
-              <a:t>공유</a:t>
-            </a:r>
-            <a:r>
-              <a:rPr lang="en-US" sz="5800" b="0" i="0" u="none" strike="noStrike" spc="-100">
-                <a:solidFill>
-                  <a:srgbClr val="000000"/>
-                </a:solidFill>
-                <a:latin typeface="THESugarM"/>
-              </a:rPr>
-              <a:t>(record)</a:t>
-            </a:r>
-          </a:p>
-        </p:txBody>
-      </p:sp>
-      <p:sp>
-        <p:nvSpPr>
-          <p:cNvPr id="3" name="TextBox 2"/>
-          <p:cNvSpPr txBox="1"/>
-          <p:nvPr/>
-        </p:nvSpPr>
-        <p:spPr>
-          <a:xfrm>
-            <a:off x="8839200" y="157018"/>
-            <a:ext cx="7581863" cy="1200329"/>
-          </a:xfrm>
-          <a:prstGeom prst="rect">
-            <a:avLst/>
-          </a:prstGeom>
-          <a:noFill/>
-        </p:spPr>
-        <p:txBody>
-          <a:bodyPr wrap="square" rtlCol="0">
-            <a:spAutoFit/>
-          </a:bodyPr>
-          <a:lstStyle/>
-          <a:p>
-            <a:r>
-              <a:rPr lang="en-US" altLang="ko-KR" sz="7200" dirty="0" smtClean="0">
-                <a:solidFill>
-                  <a:srgbClr val="FF0000"/>
-                </a:solidFill>
-                <a:latin typeface="THESugarM" panose="020B0600000101010101" charset="-127"/>
-                <a:ea typeface="THESugarM" panose="020B0600000101010101" charset="-127"/>
-              </a:rPr>
-              <a:t>DTO -&gt; Record</a:t>
-            </a:r>
-            <a:endParaRPr lang="ko-KR" altLang="en-US" sz="7200" dirty="0">
-              <a:solidFill>
-                <a:srgbClr val="FF0000"/>
-              </a:solidFill>
-              <a:latin typeface="THESugarM" panose="020B0600000101010101" charset="-127"/>
-              <a:ea typeface="THESugarM" panose="020B0600000101010101" charset="-127"/>
-            </a:endParaRPr>
-          </a:p>
-        </p:txBody>
-      </p:sp>
+      </p:pic>
     </p:spTree>
   </p:cSld>
   <p:clrMapOvr>
@@ -12197,70 +12488,6 @@
 </file>
 
 <file path=ppt/slides/slide25.xml><?xml version="1.0" encoding="utf-8"?>
-<p:sld xmlns:a="http://schemas.openxmlformats.org/drawingml/2006/main" xmlns:r="http://schemas.openxmlformats.org/officeDocument/2006/relationships" xmlns:p="http://schemas.openxmlformats.org/presentationml/2006/main">
-  <p:cSld>
-    <p:bg>
-      <p:bgPr>
-        <a:solidFill>
-          <a:srgbClr val="FFFFFF"/>
-        </a:solidFill>
-        <a:effectLst/>
-      </p:bgPr>
-    </p:bg>
-    <p:spTree>
-      <p:nvGrpSpPr>
-        <p:cNvPr id="1" name=""/>
-        <p:cNvGrpSpPr/>
-        <p:nvPr/>
-      </p:nvGrpSpPr>
-      <p:grpSpPr>
-        <a:xfrm>
-          <a:off x="0" y="0"/>
-          <a:ext cx="0" cy="0"/>
-          <a:chOff x="0" y="0"/>
-          <a:chExt cx="0" cy="0"/>
-        </a:xfrm>
-      </p:grpSpPr>
-      <p:pic>
-        <p:nvPicPr>
-          <p:cNvPr id="2" name="Picture 2"/>
-          <p:cNvPicPr>
-            <a:picLocks noChangeAspect="1"/>
-          </p:cNvPicPr>
-          <p:nvPr/>
-        </p:nvPicPr>
-        <p:blipFill>
-          <a:blip r:embed="rId2"/>
-          <a:stretch>
-            <a:fillRect/>
-          </a:stretch>
-        </p:blipFill>
-        <p:spPr>
-          <a:xfrm>
-            <a:off x="-1257300" y="3124200"/>
-            <a:ext cx="17894300" cy="4953000"/>
-          </a:xfrm>
-          <a:prstGeom prst="rect">
-            <a:avLst/>
-          </a:prstGeom>
-        </p:spPr>
-      </p:pic>
-    </p:spTree>
-  </p:cSld>
-  <p:clrMapOvr>
-    <a:masterClrMapping/>
-  </p:clrMapOvr>
-  <p:timing>
-    <p:tnLst>
-      <p:par>
-        <p:cTn id="1" dur="indefinite" restart="never" nodeType="tmRoot"/>
-      </p:par>
-    </p:tnLst>
-  </p:timing>
-</p:sld>
-</file>
-
-<file path=ppt/slides/slide26.xml><?xml version="1.0" encoding="utf-8"?>
 <p:sld xmlns:a="http://schemas.openxmlformats.org/drawingml/2006/main" xmlns:r="http://schemas.openxmlformats.org/officeDocument/2006/relationships" xmlns:p="http://schemas.openxmlformats.org/presentationml/2006/main">
   <p:cSld>
     <p:bg>

--- a/쇼핑몰-프로젝트.pptx
+++ b/쇼핑몰-프로젝트.pptx
@@ -1,36 +1,37 @@
 
 <file path=ppt/presentation.xml><?xml version="1.0" encoding="utf-8"?>
-<p:presentation xmlns:r="http://schemas.openxmlformats.org/officeDocument/2006/relationships" xmlns:c="http://schemas.openxmlformats.org/drawingml/2006/chart" xmlns:a="http://schemas.openxmlformats.org/drawingml/2006/main" xmlns:dgm="http://schemas.openxmlformats.org/drawingml/2006/diagram" xmlns:dsp="http://schemas.microsoft.com/office/drawing/2008/diagram" xmlns:p="http://schemas.openxmlformats.org/presentationml/2006/main">
+<p:presentation xmlns:a="http://schemas.openxmlformats.org/drawingml/2006/main" xmlns:r="http://schemas.openxmlformats.org/officeDocument/2006/relationships" xmlns:p="http://schemas.openxmlformats.org/presentationml/2006/main">
   <p:sldMasterIdLst>
     <p:sldMasterId id="2147483679" r:id="rId1"/>
   </p:sldMasterIdLst>
   <p:notesMasterIdLst>
-    <p:notesMasterId r:id="rId2"/>
+    <p:notesMasterId r:id="rId28"/>
   </p:notesMasterIdLst>
   <p:sldIdLst>
-    <p:sldId id="256" r:id="rId3"/>
-    <p:sldId id="257" r:id="rId4"/>
-    <p:sldId id="258" r:id="rId5"/>
-    <p:sldId id="259" r:id="rId6"/>
-    <p:sldId id="260" r:id="rId7"/>
-    <p:sldId id="261" r:id="rId8"/>
-    <p:sldId id="262" r:id="rId9"/>
-    <p:sldId id="263" r:id="rId10"/>
-    <p:sldId id="264" r:id="rId11"/>
-    <p:sldId id="265" r:id="rId12"/>
-    <p:sldId id="266" r:id="rId13"/>
-    <p:sldId id="267" r:id="rId14"/>
-    <p:sldId id="268" r:id="rId15"/>
-    <p:sldId id="269" r:id="rId16"/>
-    <p:sldId id="270" r:id="rId17"/>
-    <p:sldId id="271" r:id="rId18"/>
-    <p:sldId id="272" r:id="rId19"/>
-    <p:sldId id="273" r:id="rId20"/>
-    <p:sldId id="274" r:id="rId21"/>
-    <p:sldId id="275" r:id="rId22"/>
-    <p:sldId id="276" r:id="rId23"/>
-    <p:sldId id="277" r:id="rId24"/>
-    <p:sldId id="278" r:id="rId25"/>
+    <p:sldId id="256" r:id="rId2"/>
+    <p:sldId id="257" r:id="rId3"/>
+    <p:sldId id="258" r:id="rId4"/>
+    <p:sldId id="259" r:id="rId5"/>
+    <p:sldId id="260" r:id="rId6"/>
+    <p:sldId id="261" r:id="rId7"/>
+    <p:sldId id="262" r:id="rId8"/>
+    <p:sldId id="263" r:id="rId9"/>
+    <p:sldId id="264" r:id="rId10"/>
+    <p:sldId id="265" r:id="rId11"/>
+    <p:sldId id="266" r:id="rId12"/>
+    <p:sldId id="267" r:id="rId13"/>
+    <p:sldId id="268" r:id="rId14"/>
+    <p:sldId id="269" r:id="rId15"/>
+    <p:sldId id="270" r:id="rId16"/>
+    <p:sldId id="271" r:id="rId17"/>
+    <p:sldId id="272" r:id="rId18"/>
+    <p:sldId id="273" r:id="rId19"/>
+    <p:sldId id="274" r:id="rId20"/>
+    <p:sldId id="275" r:id="rId21"/>
+    <p:sldId id="276" r:id="rId22"/>
+    <p:sldId id="277" r:id="rId23"/>
+    <p:sldId id="278" r:id="rId24"/>
+    <p:sldId id="281" r:id="rId25"/>
     <p:sldId id="279" r:id="rId26"/>
     <p:sldId id="280" r:id="rId27"/>
   </p:sldIdLst>
@@ -131,11 +132,30 @@
       </a:defRPr>
     </a:lvl9pPr>
   </p:defaultTextStyle>
+  <p:extLst>
+    <p:ext uri="{EFAFB233-063F-42B5-8137-9DF3F51BA10A}">
+      <p15:sldGuideLst xmlns:p15="http://schemas.microsoft.com/office/powerpoint/2012/main">
+        <p15:guide id="1" orient="horz" pos="2159">
+          <p15:clr>
+            <a:srgbClr val="A4A3A4"/>
+          </p15:clr>
+        </p15:guide>
+        <p15:guide id="2" pos="2880">
+          <p15:clr>
+            <a:srgbClr val="A4A3A4"/>
+          </p15:clr>
+        </p15:guide>
+      </p15:sldGuideLst>
+    </p:ext>
+    <p:ext uri="{2D200454-40CA-4A62-9FC3-DE9A4176ACB9}">
+      <p15:notesGuideLst xmlns:p15="http://schemas.microsoft.com/office/powerpoint/2012/main"/>
+    </p:ext>
+  </p:extLst>
 </p:presentation>
 </file>
 
 <file path=ppt/notesMasters/notesMaster1.xml><?xml version="1.0" encoding="utf-8"?>
-<p:notesMaster xmlns:r="http://schemas.openxmlformats.org/officeDocument/2006/relationships" xmlns:c="http://schemas.openxmlformats.org/drawingml/2006/chart" xmlns:a="http://schemas.openxmlformats.org/drawingml/2006/main" xmlns:dgm="http://schemas.openxmlformats.org/drawingml/2006/diagram" xmlns:dsp="http://schemas.microsoft.com/office/drawing/2008/diagram" xmlns:p="http://schemas.openxmlformats.org/presentationml/2006/main">
+<p:notesMaster xmlns:a="http://schemas.openxmlformats.org/drawingml/2006/main" xmlns:r="http://schemas.openxmlformats.org/officeDocument/2006/relationships" xmlns:p="http://schemas.openxmlformats.org/presentationml/2006/main">
   <p:cSld>
     <p:bg>
       <p:bgRef idx="1001">
@@ -163,7 +183,7 @@
             <a:spLocks noGrp="1"/>
           </p:cNvSpPr>
           <p:nvPr>
-            <p:ph type="hdr" sz="quarter" idx="0"/>
+            <p:ph type="hdr" sz="quarter"/>
           </p:nvPr>
         </p:nvSpPr>
         <p:spPr>
@@ -186,10 +206,6 @@
             <a:pPr lvl="0">
               <a:defRPr/>
             </a:pPr>
-            <a:r>
-              <a:rPr lang="ko-KR" altLang="en-US"/>
-              <a:t/>
-            </a:r>
             <a:endParaRPr lang="ko-KR" altLang="en-US"/>
           </a:p>
         </p:txBody>
@@ -229,7 +245,7 @@
               <a:pPr lvl="0">
                 <a:defRPr/>
               </a:pPr>
-              <a:t>2024-06-27</a:t>
+              <a:t>2024-06-28</a:t>
             </a:fld>
             <a:endParaRPr lang="ko-KR" altLang="en-US"/>
           </a:p>
@@ -301,7 +317,6 @@
               <a:rPr lang="ko-KR" altLang="en-US"/>
               <a:t>마스터 텍스트 스타일 편집</a:t>
             </a:r>
-            <a:endParaRPr lang="ko-KR" altLang="en-US"/>
           </a:p>
           <a:p>
             <a:pPr lvl="1">
@@ -311,7 +326,6 @@
               <a:rPr lang="ko-KR" altLang="en-US"/>
               <a:t>둘째 수준</a:t>
             </a:r>
-            <a:endParaRPr lang="ko-KR" altLang="en-US"/>
           </a:p>
           <a:p>
             <a:pPr lvl="2">
@@ -321,7 +335,6 @@
               <a:rPr lang="ko-KR" altLang="en-US"/>
               <a:t>셋째 수준</a:t>
             </a:r>
-            <a:endParaRPr lang="ko-KR" altLang="en-US"/>
           </a:p>
           <a:p>
             <a:pPr lvl="3">
@@ -331,7 +344,6 @@
               <a:rPr lang="ko-KR" altLang="en-US"/>
               <a:t>넷째 수준</a:t>
             </a:r>
-            <a:endParaRPr lang="ko-KR" altLang="en-US"/>
           </a:p>
           <a:p>
             <a:pPr lvl="4">
@@ -341,7 +353,6 @@
               <a:rPr lang="ko-KR" altLang="en-US"/>
               <a:t>다섯째 수준</a:t>
             </a:r>
-            <a:endParaRPr lang="ko-KR" altLang="en-US"/>
           </a:p>
         </p:txBody>
       </p:sp>
@@ -375,10 +386,6 @@
             <a:pPr lvl="0">
               <a:defRPr/>
             </a:pPr>
-            <a:r>
-              <a:rPr lang="ko-KR" altLang="en-US"/>
-              <a:t/>
-            </a:r>
             <a:endParaRPr lang="ko-KR" altLang="en-US"/>
           </a:p>
         </p:txBody>
@@ -524,7 +531,7 @@
 </file>
 
 <file path=ppt/notesSlides/notesSlide1.xml><?xml version="1.0" encoding="utf-8"?>
-<p:notes xmlns:r="http://schemas.openxmlformats.org/officeDocument/2006/relationships" xmlns:c="http://schemas.openxmlformats.org/drawingml/2006/chart" xmlns:a="http://schemas.openxmlformats.org/drawingml/2006/main" xmlns:dgm="http://schemas.openxmlformats.org/drawingml/2006/diagram" xmlns:dsp="http://schemas.microsoft.com/office/drawing/2008/diagram" xmlns:p="http://schemas.openxmlformats.org/presentationml/2006/main">
+<p:notes xmlns:a="http://schemas.openxmlformats.org/drawingml/2006/main" xmlns:r="http://schemas.openxmlformats.org/officeDocument/2006/relationships" xmlns:p="http://schemas.openxmlformats.org/presentationml/2006/main">
   <p:cSld>
     <p:spTree>
       <p:nvGrpSpPr>
@@ -547,7 +554,7 @@
             <a:spLocks noGrp="1" noRot="1" noChangeAspect="1" noTextEdit="1"/>
           </p:cNvSpPr>
           <p:nvPr>
-            <p:ph type="sldImg" idx="0"/>
+            <p:ph type="sldImg"/>
           </p:nvPr>
         </p:nvSpPr>
         <p:spPr/>
@@ -570,10 +577,6 @@
             <a:pPr lvl="0">
               <a:defRPr/>
             </a:pPr>
-            <a:r>
-              <a:rPr lang="ko-KR" altLang="en-US"/>
-              <a:t/>
-            </a:r>
             <a:endParaRPr lang="ko-KR" altLang="en-US"/>
           </a:p>
         </p:txBody>
@@ -797,7 +800,7 @@
             <a:fld id="{1D8BD707-D9CF-40AE-B4C6-C98DA3205C09}" type="datetimeFigureOut">
               <a:rPr lang="en-US" smtClean="0"/>
               <a:pPr/>
-              <a:t>6/27/2024</a:t>
+              <a:t>6/28/2024</a:t>
             </a:fld>
             <a:endParaRPr lang="en-US"/>
           </a:p>
@@ -964,7 +967,7 @@
             <a:fld id="{1D8BD707-D9CF-40AE-B4C6-C98DA3205C09}" type="datetimeFigureOut">
               <a:rPr lang="en-US" smtClean="0"/>
               <a:pPr/>
-              <a:t>6/27/2024</a:t>
+              <a:t>6/28/2024</a:t>
             </a:fld>
             <a:endParaRPr lang="en-US"/>
           </a:p>
@@ -1141,7 +1144,7 @@
             <a:fld id="{1D8BD707-D9CF-40AE-B4C6-C98DA3205C09}" type="datetimeFigureOut">
               <a:rPr lang="en-US" smtClean="0"/>
               <a:pPr/>
-              <a:t>6/27/2024</a:t>
+              <a:t>6/28/2024</a:t>
             </a:fld>
             <a:endParaRPr lang="en-US"/>
           </a:p>
@@ -1308,7 +1311,7 @@
             <a:fld id="{1D8BD707-D9CF-40AE-B4C6-C98DA3205C09}" type="datetimeFigureOut">
               <a:rPr lang="en-US" smtClean="0"/>
               <a:pPr/>
-              <a:t>6/27/2024</a:t>
+              <a:t>6/28/2024</a:t>
             </a:fld>
             <a:endParaRPr lang="en-US"/>
           </a:p>
@@ -1551,7 +1554,7 @@
             <a:fld id="{1D8BD707-D9CF-40AE-B4C6-C98DA3205C09}" type="datetimeFigureOut">
               <a:rPr lang="en-US" smtClean="0"/>
               <a:pPr/>
-              <a:t>6/27/2024</a:t>
+              <a:t>6/28/2024</a:t>
             </a:fld>
             <a:endParaRPr lang="en-US"/>
           </a:p>
@@ -1836,7 +1839,7 @@
             <a:fld id="{1D8BD707-D9CF-40AE-B4C6-C98DA3205C09}" type="datetimeFigureOut">
               <a:rPr lang="en-US" smtClean="0"/>
               <a:pPr/>
-              <a:t>6/27/2024</a:t>
+              <a:t>6/28/2024</a:t>
             </a:fld>
             <a:endParaRPr lang="en-US"/>
           </a:p>
@@ -2255,7 +2258,7 @@
             <a:fld id="{1D8BD707-D9CF-40AE-B4C6-C98DA3205C09}" type="datetimeFigureOut">
               <a:rPr lang="en-US" smtClean="0"/>
               <a:pPr/>
-              <a:t>6/27/2024</a:t>
+              <a:t>6/28/2024</a:t>
             </a:fld>
             <a:endParaRPr lang="en-US"/>
           </a:p>
@@ -2370,7 +2373,7 @@
             <a:fld id="{1D8BD707-D9CF-40AE-B4C6-C98DA3205C09}" type="datetimeFigureOut">
               <a:rPr lang="en-US" smtClean="0"/>
               <a:pPr/>
-              <a:t>6/27/2024</a:t>
+              <a:t>6/28/2024</a:t>
             </a:fld>
             <a:endParaRPr lang="en-US"/>
           </a:p>
@@ -2462,7 +2465,7 @@
             <a:fld id="{1D8BD707-D9CF-40AE-B4C6-C98DA3205C09}" type="datetimeFigureOut">
               <a:rPr lang="en-US" smtClean="0"/>
               <a:pPr/>
-              <a:t>6/27/2024</a:t>
+              <a:t>6/28/2024</a:t>
             </a:fld>
             <a:endParaRPr lang="en-US"/>
           </a:p>
@@ -2736,7 +2739,7 @@
             <a:fld id="{1D8BD707-D9CF-40AE-B4C6-C98DA3205C09}" type="datetimeFigureOut">
               <a:rPr lang="en-US" smtClean="0"/>
               <a:pPr/>
-              <a:t>6/27/2024</a:t>
+              <a:t>6/28/2024</a:t>
             </a:fld>
             <a:endParaRPr lang="en-US"/>
           </a:p>
@@ -2986,7 +2989,7 @@
             <a:fld id="{1D8BD707-D9CF-40AE-B4C6-C98DA3205C09}" type="datetimeFigureOut">
               <a:rPr lang="en-US" smtClean="0"/>
               <a:pPr/>
-              <a:t>6/27/2024</a:t>
+              <a:t>6/28/2024</a:t>
             </a:fld>
             <a:endParaRPr lang="en-US"/>
           </a:p>
@@ -3196,7 +3199,7 @@
             <a:fld id="{1D8BD707-D9CF-40AE-B4C6-C98DA3205C09}" type="datetimeFigureOut">
               <a:rPr lang="en-US" smtClean="0"/>
               <a:pPr/>
-              <a:t>6/27/2024</a:t>
+              <a:t>6/28/2024</a:t>
             </a:fld>
             <a:endParaRPr lang="en-US"/>
           </a:p>
@@ -4544,9 +4547,180 @@
   <p:timing>
     <p:tnLst>
       <p:par>
-        <p:cTn id="1" dur="indefinite" restart="never" nodeType="tmRoot"/>
+        <p:cTn id="1" dur="indefinite" restart="never" nodeType="tmRoot">
+          <p:childTnLst>
+            <p:seq concurrent="1" nextAc="seek">
+              <p:cTn id="2" dur="indefinite" nodeType="mainSeq">
+                <p:childTnLst>
+                  <p:par>
+                    <p:cTn id="3" fill="hold">
+                      <p:stCondLst>
+                        <p:cond delay="indefinite"/>
+                      </p:stCondLst>
+                      <p:childTnLst>
+                        <p:par>
+                          <p:cTn id="4" fill="hold">
+                            <p:stCondLst>
+                              <p:cond delay="0"/>
+                            </p:stCondLst>
+                            <p:childTnLst>
+                              <p:par>
+                                <p:cTn id="5" presetID="1" presetClass="entr" presetSubtype="0" fill="hold" grpId="0" nodeType="clickEffect">
+                                  <p:stCondLst>
+                                    <p:cond delay="0"/>
+                                  </p:stCondLst>
+                                  <p:childTnLst>
+                                    <p:set>
+                                      <p:cBhvr>
+                                        <p:cTn id="6" dur="1" fill="hold">
+                                          <p:stCondLst>
+                                            <p:cond delay="0"/>
+                                          </p:stCondLst>
+                                        </p:cTn>
+                                        <p:tgtEl>
+                                          <p:spTgt spid="34"/>
+                                        </p:tgtEl>
+                                        <p:attrNameLst>
+                                          <p:attrName>style.visibility</p:attrName>
+                                        </p:attrNameLst>
+                                      </p:cBhvr>
+                                      <p:to>
+                                        <p:strVal val="visible"/>
+                                      </p:to>
+                                    </p:set>
+                                  </p:childTnLst>
+                                </p:cTn>
+                              </p:par>
+                              <p:par>
+                                <p:cTn id="7" presetID="1" presetClass="entr" presetSubtype="0" fill="hold" nodeType="withEffect">
+                                  <p:stCondLst>
+                                    <p:cond delay="0"/>
+                                  </p:stCondLst>
+                                  <p:childTnLst>
+                                    <p:set>
+                                      <p:cBhvr>
+                                        <p:cTn id="8" dur="1" fill="hold">
+                                          <p:stCondLst>
+                                            <p:cond delay="0"/>
+                                          </p:stCondLst>
+                                        </p:cTn>
+                                        <p:tgtEl>
+                                          <p:spTgt spid="20"/>
+                                        </p:tgtEl>
+                                        <p:attrNameLst>
+                                          <p:attrName>style.visibility</p:attrName>
+                                        </p:attrNameLst>
+                                      </p:cBhvr>
+                                      <p:to>
+                                        <p:strVal val="visible"/>
+                                      </p:to>
+                                    </p:set>
+                                  </p:childTnLst>
+                                </p:cTn>
+                              </p:par>
+                            </p:childTnLst>
+                          </p:cTn>
+                        </p:par>
+                      </p:childTnLst>
+                    </p:cTn>
+                  </p:par>
+                  <p:par>
+                    <p:cTn id="9" fill="hold">
+                      <p:stCondLst>
+                        <p:cond delay="indefinite"/>
+                      </p:stCondLst>
+                      <p:childTnLst>
+                        <p:par>
+                          <p:cTn id="10" fill="hold">
+                            <p:stCondLst>
+                              <p:cond delay="0"/>
+                            </p:stCondLst>
+                            <p:childTnLst>
+                              <p:par>
+                                <p:cTn id="11" presetID="1" presetClass="entr" presetSubtype="0" fill="hold" grpId="0" nodeType="clickEffect">
+                                  <p:stCondLst>
+                                    <p:cond delay="0"/>
+                                  </p:stCondLst>
+                                  <p:childTnLst>
+                                    <p:set>
+                                      <p:cBhvr>
+                                        <p:cTn id="12" dur="1" fill="hold">
+                                          <p:stCondLst>
+                                            <p:cond delay="0"/>
+                                          </p:stCondLst>
+                                        </p:cTn>
+                                        <p:tgtEl>
+                                          <p:spTgt spid="38"/>
+                                        </p:tgtEl>
+                                        <p:attrNameLst>
+                                          <p:attrName>style.visibility</p:attrName>
+                                        </p:attrNameLst>
+                                      </p:cBhvr>
+                                      <p:to>
+                                        <p:strVal val="visible"/>
+                                      </p:to>
+                                    </p:set>
+                                  </p:childTnLst>
+                                </p:cTn>
+                              </p:par>
+                              <p:par>
+                                <p:cTn id="13" presetID="1" presetClass="entr" presetSubtype="0" fill="hold" nodeType="withEffect">
+                                  <p:stCondLst>
+                                    <p:cond delay="0"/>
+                                  </p:stCondLst>
+                                  <p:childTnLst>
+                                    <p:set>
+                                      <p:cBhvr>
+                                        <p:cTn id="14" dur="1" fill="hold">
+                                          <p:stCondLst>
+                                            <p:cond delay="0"/>
+                                          </p:stCondLst>
+                                        </p:cTn>
+                                        <p:tgtEl>
+                                          <p:spTgt spid="35"/>
+                                        </p:tgtEl>
+                                        <p:attrNameLst>
+                                          <p:attrName>style.visibility</p:attrName>
+                                        </p:attrNameLst>
+                                      </p:cBhvr>
+                                      <p:to>
+                                        <p:strVal val="visible"/>
+                                      </p:to>
+                                    </p:set>
+                                  </p:childTnLst>
+                                </p:cTn>
+                              </p:par>
+                            </p:childTnLst>
+                          </p:cTn>
+                        </p:par>
+                      </p:childTnLst>
+                    </p:cTn>
+                  </p:par>
+                </p:childTnLst>
+              </p:cTn>
+              <p:prevCondLst>
+                <p:cond evt="onPrev" delay="0">
+                  <p:tgtEl>
+                    <p:sldTgt/>
+                  </p:tgtEl>
+                </p:cond>
+              </p:prevCondLst>
+              <p:nextCondLst>
+                <p:cond evt="onNext" delay="0">
+                  <p:tgtEl>
+                    <p:sldTgt/>
+                  </p:tgtEl>
+                </p:cond>
+              </p:nextCondLst>
+            </p:seq>
+          </p:childTnLst>
+        </p:cTn>
       </p:par>
     </p:tnLst>
+    <p:bldLst>
+      <p:bldP spid="34" grpId="0"/>
+      <p:bldP spid="38" grpId="0"/>
+    </p:bldLst>
   </p:timing>
 </p:sld>
 </file>
@@ -5547,9 +5721,618 @@
   <p:timing>
     <p:tnLst>
       <p:par>
-        <p:cTn id="1" dur="indefinite" restart="never" nodeType="tmRoot"/>
+        <p:cTn id="1" dur="indefinite" restart="never" nodeType="tmRoot">
+          <p:childTnLst>
+            <p:seq concurrent="1" nextAc="seek">
+              <p:cTn id="2" dur="indefinite" nodeType="mainSeq">
+                <p:childTnLst>
+                  <p:par>
+                    <p:cTn id="3" fill="hold">
+                      <p:stCondLst>
+                        <p:cond delay="indefinite"/>
+                      </p:stCondLst>
+                      <p:childTnLst>
+                        <p:par>
+                          <p:cTn id="4" fill="hold">
+                            <p:stCondLst>
+                              <p:cond delay="0"/>
+                            </p:stCondLst>
+                            <p:childTnLst>
+                              <p:par>
+                                <p:cTn id="5" presetID="1" presetClass="entr" presetSubtype="0" fill="hold" grpId="0" nodeType="clickEffect">
+                                  <p:stCondLst>
+                                    <p:cond delay="0"/>
+                                  </p:stCondLst>
+                                  <p:childTnLst>
+                                    <p:set>
+                                      <p:cBhvr>
+                                        <p:cTn id="6" dur="1" fill="hold">
+                                          <p:stCondLst>
+                                            <p:cond delay="0"/>
+                                          </p:stCondLst>
+                                        </p:cTn>
+                                        <p:tgtEl>
+                                          <p:spTgt spid="44"/>
+                                        </p:tgtEl>
+                                        <p:attrNameLst>
+                                          <p:attrName>style.visibility</p:attrName>
+                                        </p:attrNameLst>
+                                      </p:cBhvr>
+                                      <p:to>
+                                        <p:strVal val="visible"/>
+                                      </p:to>
+                                    </p:set>
+                                  </p:childTnLst>
+                                </p:cTn>
+                              </p:par>
+                              <p:par>
+                                <p:cTn id="7" presetID="1" presetClass="entr" presetSubtype="0" fill="hold" nodeType="withEffect">
+                                  <p:stCondLst>
+                                    <p:cond delay="0"/>
+                                  </p:stCondLst>
+                                  <p:childTnLst>
+                                    <p:set>
+                                      <p:cBhvr>
+                                        <p:cTn id="8" dur="1" fill="hold">
+                                          <p:stCondLst>
+                                            <p:cond delay="0"/>
+                                          </p:stCondLst>
+                                        </p:cTn>
+                                        <p:tgtEl>
+                                          <p:spTgt spid="18"/>
+                                        </p:tgtEl>
+                                        <p:attrNameLst>
+                                          <p:attrName>style.visibility</p:attrName>
+                                        </p:attrNameLst>
+                                      </p:cBhvr>
+                                      <p:to>
+                                        <p:strVal val="visible"/>
+                                      </p:to>
+                                    </p:set>
+                                  </p:childTnLst>
+                                </p:cTn>
+                              </p:par>
+                            </p:childTnLst>
+                          </p:cTn>
+                        </p:par>
+                      </p:childTnLst>
+                    </p:cTn>
+                  </p:par>
+                  <p:par>
+                    <p:cTn id="9" fill="hold">
+                      <p:stCondLst>
+                        <p:cond delay="indefinite"/>
+                      </p:stCondLst>
+                      <p:childTnLst>
+                        <p:par>
+                          <p:cTn id="10" fill="hold">
+                            <p:stCondLst>
+                              <p:cond delay="0"/>
+                            </p:stCondLst>
+                            <p:childTnLst>
+                              <p:par>
+                                <p:cTn id="11" presetID="1" presetClass="entr" presetSubtype="0" fill="hold" grpId="0" nodeType="clickEffect">
+                                  <p:stCondLst>
+                                    <p:cond delay="0"/>
+                                  </p:stCondLst>
+                                  <p:childTnLst>
+                                    <p:set>
+                                      <p:cBhvr>
+                                        <p:cTn id="12" dur="1" fill="hold">
+                                          <p:stCondLst>
+                                            <p:cond delay="0"/>
+                                          </p:stCondLst>
+                                        </p:cTn>
+                                        <p:tgtEl>
+                                          <p:spTgt spid="45"/>
+                                        </p:tgtEl>
+                                        <p:attrNameLst>
+                                          <p:attrName>style.visibility</p:attrName>
+                                        </p:attrNameLst>
+                                      </p:cBhvr>
+                                      <p:to>
+                                        <p:strVal val="visible"/>
+                                      </p:to>
+                                    </p:set>
+                                  </p:childTnLst>
+                                </p:cTn>
+                              </p:par>
+                              <p:par>
+                                <p:cTn id="13" presetID="1" presetClass="entr" presetSubtype="0" fill="hold" nodeType="withEffect">
+                                  <p:stCondLst>
+                                    <p:cond delay="0"/>
+                                  </p:stCondLst>
+                                  <p:childTnLst>
+                                    <p:set>
+                                      <p:cBhvr>
+                                        <p:cTn id="14" dur="1" fill="hold">
+                                          <p:stCondLst>
+                                            <p:cond delay="0"/>
+                                          </p:stCondLst>
+                                        </p:cTn>
+                                        <p:tgtEl>
+                                          <p:spTgt spid="19"/>
+                                        </p:tgtEl>
+                                        <p:attrNameLst>
+                                          <p:attrName>style.visibility</p:attrName>
+                                        </p:attrNameLst>
+                                      </p:cBhvr>
+                                      <p:to>
+                                        <p:strVal val="visible"/>
+                                      </p:to>
+                                    </p:set>
+                                  </p:childTnLst>
+                                </p:cTn>
+                              </p:par>
+                            </p:childTnLst>
+                          </p:cTn>
+                        </p:par>
+                      </p:childTnLst>
+                    </p:cTn>
+                  </p:par>
+                  <p:par>
+                    <p:cTn id="15" fill="hold">
+                      <p:stCondLst>
+                        <p:cond delay="indefinite"/>
+                      </p:stCondLst>
+                      <p:childTnLst>
+                        <p:par>
+                          <p:cTn id="16" fill="hold">
+                            <p:stCondLst>
+                              <p:cond delay="0"/>
+                            </p:stCondLst>
+                            <p:childTnLst>
+                              <p:par>
+                                <p:cTn id="17" presetID="1" presetClass="entr" presetSubtype="0" fill="hold" nodeType="clickEffect">
+                                  <p:stCondLst>
+                                    <p:cond delay="0"/>
+                                  </p:stCondLst>
+                                  <p:childTnLst>
+                                    <p:set>
+                                      <p:cBhvr>
+                                        <p:cTn id="18" dur="1" fill="hold">
+                                          <p:stCondLst>
+                                            <p:cond delay="0"/>
+                                          </p:stCondLst>
+                                        </p:cTn>
+                                        <p:tgtEl>
+                                          <p:spTgt spid="29"/>
+                                        </p:tgtEl>
+                                        <p:attrNameLst>
+                                          <p:attrName>style.visibility</p:attrName>
+                                        </p:attrNameLst>
+                                      </p:cBhvr>
+                                      <p:to>
+                                        <p:strVal val="visible"/>
+                                      </p:to>
+                                    </p:set>
+                                  </p:childTnLst>
+                                </p:cTn>
+                              </p:par>
+                              <p:par>
+                                <p:cTn id="19" presetID="1" presetClass="entr" presetSubtype="0" fill="hold" grpId="0" nodeType="withEffect">
+                                  <p:stCondLst>
+                                    <p:cond delay="0"/>
+                                  </p:stCondLst>
+                                  <p:childTnLst>
+                                    <p:set>
+                                      <p:cBhvr>
+                                        <p:cTn id="20" dur="1" fill="hold">
+                                          <p:stCondLst>
+                                            <p:cond delay="0"/>
+                                          </p:stCondLst>
+                                        </p:cTn>
+                                        <p:tgtEl>
+                                          <p:spTgt spid="46"/>
+                                        </p:tgtEl>
+                                        <p:attrNameLst>
+                                          <p:attrName>style.visibility</p:attrName>
+                                        </p:attrNameLst>
+                                      </p:cBhvr>
+                                      <p:to>
+                                        <p:strVal val="visible"/>
+                                      </p:to>
+                                    </p:set>
+                                  </p:childTnLst>
+                                </p:cTn>
+                              </p:par>
+                            </p:childTnLst>
+                          </p:cTn>
+                        </p:par>
+                      </p:childTnLst>
+                    </p:cTn>
+                  </p:par>
+                  <p:par>
+                    <p:cTn id="21" fill="hold">
+                      <p:stCondLst>
+                        <p:cond delay="indefinite"/>
+                      </p:stCondLst>
+                      <p:childTnLst>
+                        <p:par>
+                          <p:cTn id="22" fill="hold">
+                            <p:stCondLst>
+                              <p:cond delay="0"/>
+                            </p:stCondLst>
+                            <p:childTnLst>
+                              <p:par>
+                                <p:cTn id="23" presetID="1" presetClass="entr" presetSubtype="0" fill="hold" nodeType="clickEffect">
+                                  <p:stCondLst>
+                                    <p:cond delay="0"/>
+                                  </p:stCondLst>
+                                  <p:childTnLst>
+                                    <p:set>
+                                      <p:cBhvr>
+                                        <p:cTn id="24" dur="1" fill="hold">
+                                          <p:stCondLst>
+                                            <p:cond delay="0"/>
+                                          </p:stCondLst>
+                                        </p:cTn>
+                                        <p:tgtEl>
+                                          <p:spTgt spid="20"/>
+                                        </p:tgtEl>
+                                        <p:attrNameLst>
+                                          <p:attrName>style.visibility</p:attrName>
+                                        </p:attrNameLst>
+                                      </p:cBhvr>
+                                      <p:to>
+                                        <p:strVal val="visible"/>
+                                      </p:to>
+                                    </p:set>
+                                  </p:childTnLst>
+                                </p:cTn>
+                              </p:par>
+                              <p:par>
+                                <p:cTn id="25" presetID="1" presetClass="entr" presetSubtype="0" fill="hold" grpId="0" nodeType="withEffect">
+                                  <p:stCondLst>
+                                    <p:cond delay="0"/>
+                                  </p:stCondLst>
+                                  <p:childTnLst>
+                                    <p:set>
+                                      <p:cBhvr>
+                                        <p:cTn id="26" dur="1" fill="hold">
+                                          <p:stCondLst>
+                                            <p:cond delay="0"/>
+                                          </p:stCondLst>
+                                        </p:cTn>
+                                        <p:tgtEl>
+                                          <p:spTgt spid="47"/>
+                                        </p:tgtEl>
+                                        <p:attrNameLst>
+                                          <p:attrName>style.visibility</p:attrName>
+                                        </p:attrNameLst>
+                                      </p:cBhvr>
+                                      <p:to>
+                                        <p:strVal val="visible"/>
+                                      </p:to>
+                                    </p:set>
+                                  </p:childTnLst>
+                                </p:cTn>
+                              </p:par>
+                            </p:childTnLst>
+                          </p:cTn>
+                        </p:par>
+                      </p:childTnLst>
+                    </p:cTn>
+                  </p:par>
+                  <p:par>
+                    <p:cTn id="27" fill="hold">
+                      <p:stCondLst>
+                        <p:cond delay="indefinite"/>
+                      </p:stCondLst>
+                      <p:childTnLst>
+                        <p:par>
+                          <p:cTn id="28" fill="hold">
+                            <p:stCondLst>
+                              <p:cond delay="0"/>
+                            </p:stCondLst>
+                            <p:childTnLst>
+                              <p:par>
+                                <p:cTn id="29" presetID="1" presetClass="entr" presetSubtype="0" fill="hold" grpId="0" nodeType="clickEffect">
+                                  <p:stCondLst>
+                                    <p:cond delay="0"/>
+                                  </p:stCondLst>
+                                  <p:childTnLst>
+                                    <p:set>
+                                      <p:cBhvr>
+                                        <p:cTn id="30" dur="1" fill="hold">
+                                          <p:stCondLst>
+                                            <p:cond delay="0"/>
+                                          </p:stCondLst>
+                                        </p:cTn>
+                                        <p:tgtEl>
+                                          <p:spTgt spid="48"/>
+                                        </p:tgtEl>
+                                        <p:attrNameLst>
+                                          <p:attrName>style.visibility</p:attrName>
+                                        </p:attrNameLst>
+                                      </p:cBhvr>
+                                      <p:to>
+                                        <p:strVal val="visible"/>
+                                      </p:to>
+                                    </p:set>
+                                  </p:childTnLst>
+                                </p:cTn>
+                              </p:par>
+                              <p:par>
+                                <p:cTn id="31" presetID="1" presetClass="entr" presetSubtype="0" fill="hold" nodeType="withEffect">
+                                  <p:stCondLst>
+                                    <p:cond delay="0"/>
+                                  </p:stCondLst>
+                                  <p:childTnLst>
+                                    <p:set>
+                                      <p:cBhvr>
+                                        <p:cTn id="32" dur="1" fill="hold">
+                                          <p:stCondLst>
+                                            <p:cond delay="0"/>
+                                          </p:stCondLst>
+                                        </p:cTn>
+                                        <p:tgtEl>
+                                          <p:spTgt spid="21"/>
+                                        </p:tgtEl>
+                                        <p:attrNameLst>
+                                          <p:attrName>style.visibility</p:attrName>
+                                        </p:attrNameLst>
+                                      </p:cBhvr>
+                                      <p:to>
+                                        <p:strVal val="visible"/>
+                                      </p:to>
+                                    </p:set>
+                                  </p:childTnLst>
+                                </p:cTn>
+                              </p:par>
+                            </p:childTnLst>
+                          </p:cTn>
+                        </p:par>
+                      </p:childTnLst>
+                    </p:cTn>
+                  </p:par>
+                  <p:par>
+                    <p:cTn id="33" fill="hold">
+                      <p:stCondLst>
+                        <p:cond delay="indefinite"/>
+                      </p:stCondLst>
+                      <p:childTnLst>
+                        <p:par>
+                          <p:cTn id="34" fill="hold">
+                            <p:stCondLst>
+                              <p:cond delay="0"/>
+                            </p:stCondLst>
+                            <p:childTnLst>
+                              <p:par>
+                                <p:cTn id="35" presetID="1" presetClass="entr" presetSubtype="0" fill="hold" grpId="0" nodeType="clickEffect">
+                                  <p:stCondLst>
+                                    <p:cond delay="0"/>
+                                  </p:stCondLst>
+                                  <p:childTnLst>
+                                    <p:set>
+                                      <p:cBhvr>
+                                        <p:cTn id="36" dur="1" fill="hold">
+                                          <p:stCondLst>
+                                            <p:cond delay="0"/>
+                                          </p:stCondLst>
+                                        </p:cTn>
+                                        <p:tgtEl>
+                                          <p:spTgt spid="49"/>
+                                        </p:tgtEl>
+                                        <p:attrNameLst>
+                                          <p:attrName>style.visibility</p:attrName>
+                                        </p:attrNameLst>
+                                      </p:cBhvr>
+                                      <p:to>
+                                        <p:strVal val="visible"/>
+                                      </p:to>
+                                    </p:set>
+                                  </p:childTnLst>
+                                </p:cTn>
+                              </p:par>
+                              <p:par>
+                                <p:cTn id="37" presetID="1" presetClass="entr" presetSubtype="0" fill="hold" nodeType="withEffect">
+                                  <p:stCondLst>
+                                    <p:cond delay="0"/>
+                                  </p:stCondLst>
+                                  <p:childTnLst>
+                                    <p:set>
+                                      <p:cBhvr>
+                                        <p:cTn id="38" dur="1" fill="hold">
+                                          <p:stCondLst>
+                                            <p:cond delay="0"/>
+                                          </p:stCondLst>
+                                        </p:cTn>
+                                        <p:tgtEl>
+                                          <p:spTgt spid="22"/>
+                                        </p:tgtEl>
+                                        <p:attrNameLst>
+                                          <p:attrName>style.visibility</p:attrName>
+                                        </p:attrNameLst>
+                                      </p:cBhvr>
+                                      <p:to>
+                                        <p:strVal val="visible"/>
+                                      </p:to>
+                                    </p:set>
+                                  </p:childTnLst>
+                                </p:cTn>
+                              </p:par>
+                            </p:childTnLst>
+                          </p:cTn>
+                        </p:par>
+                      </p:childTnLst>
+                    </p:cTn>
+                  </p:par>
+                  <p:par>
+                    <p:cTn id="39" fill="hold">
+                      <p:stCondLst>
+                        <p:cond delay="indefinite"/>
+                      </p:stCondLst>
+                      <p:childTnLst>
+                        <p:par>
+                          <p:cTn id="40" fill="hold">
+                            <p:stCondLst>
+                              <p:cond delay="0"/>
+                            </p:stCondLst>
+                            <p:childTnLst>
+                              <p:par>
+                                <p:cTn id="41" presetID="1" presetClass="entr" presetSubtype="0" fill="hold" grpId="0" nodeType="clickEffect">
+                                  <p:stCondLst>
+                                    <p:cond delay="0"/>
+                                  </p:stCondLst>
+                                  <p:childTnLst>
+                                    <p:set>
+                                      <p:cBhvr>
+                                        <p:cTn id="42" dur="1" fill="hold">
+                                          <p:stCondLst>
+                                            <p:cond delay="0"/>
+                                          </p:stCondLst>
+                                        </p:cTn>
+                                        <p:tgtEl>
+                                          <p:spTgt spid="50"/>
+                                        </p:tgtEl>
+                                        <p:attrNameLst>
+                                          <p:attrName>style.visibility</p:attrName>
+                                        </p:attrNameLst>
+                                      </p:cBhvr>
+                                      <p:to>
+                                        <p:strVal val="visible"/>
+                                      </p:to>
+                                    </p:set>
+                                  </p:childTnLst>
+                                </p:cTn>
+                              </p:par>
+                              <p:par>
+                                <p:cTn id="43" presetID="1" presetClass="entr" presetSubtype="0" fill="hold" nodeType="withEffect">
+                                  <p:stCondLst>
+                                    <p:cond delay="0"/>
+                                  </p:stCondLst>
+                                  <p:childTnLst>
+                                    <p:set>
+                                      <p:cBhvr>
+                                        <p:cTn id="44" dur="1" fill="hold">
+                                          <p:stCondLst>
+                                            <p:cond delay="0"/>
+                                          </p:stCondLst>
+                                        </p:cTn>
+                                        <p:tgtEl>
+                                          <p:spTgt spid="43"/>
+                                        </p:tgtEl>
+                                        <p:attrNameLst>
+                                          <p:attrName>style.visibility</p:attrName>
+                                        </p:attrNameLst>
+                                      </p:cBhvr>
+                                      <p:to>
+                                        <p:strVal val="visible"/>
+                                      </p:to>
+                                    </p:set>
+                                  </p:childTnLst>
+                                </p:cTn>
+                              </p:par>
+                            </p:childTnLst>
+                          </p:cTn>
+                        </p:par>
+                      </p:childTnLst>
+                    </p:cTn>
+                  </p:par>
+                  <p:par>
+                    <p:cTn id="45" fill="hold">
+                      <p:stCondLst>
+                        <p:cond delay="indefinite"/>
+                      </p:stCondLst>
+                      <p:childTnLst>
+                        <p:par>
+                          <p:cTn id="46" fill="hold">
+                            <p:stCondLst>
+                              <p:cond delay="0"/>
+                            </p:stCondLst>
+                            <p:childTnLst>
+                              <p:par>
+                                <p:cTn id="47" presetID="1" presetClass="entr" presetSubtype="0" fill="hold" nodeType="clickEffect">
+                                  <p:stCondLst>
+                                    <p:cond delay="0"/>
+                                  </p:stCondLst>
+                                  <p:childTnLst>
+                                    <p:set>
+                                      <p:cBhvr>
+                                        <p:cTn id="48" dur="1" fill="hold">
+                                          <p:stCondLst>
+                                            <p:cond delay="0"/>
+                                          </p:stCondLst>
+                                        </p:cTn>
+                                        <p:tgtEl>
+                                          <p:spTgt spid="23"/>
+                                        </p:tgtEl>
+                                        <p:attrNameLst>
+                                          <p:attrName>style.visibility</p:attrName>
+                                        </p:attrNameLst>
+                                      </p:cBhvr>
+                                      <p:to>
+                                        <p:strVal val="visible"/>
+                                      </p:to>
+                                    </p:set>
+                                  </p:childTnLst>
+                                </p:cTn>
+                              </p:par>
+                              <p:par>
+                                <p:cTn id="49" presetID="1" presetClass="entr" presetSubtype="0" fill="hold" grpId="0" nodeType="withEffect">
+                                  <p:stCondLst>
+                                    <p:cond delay="0"/>
+                                  </p:stCondLst>
+                                  <p:childTnLst>
+                                    <p:set>
+                                      <p:cBhvr>
+                                        <p:cTn id="50" dur="1" fill="hold">
+                                          <p:stCondLst>
+                                            <p:cond delay="0"/>
+                                          </p:stCondLst>
+                                        </p:cTn>
+                                        <p:tgtEl>
+                                          <p:spTgt spid="51"/>
+                                        </p:tgtEl>
+                                        <p:attrNameLst>
+                                          <p:attrName>style.visibility</p:attrName>
+                                        </p:attrNameLst>
+                                      </p:cBhvr>
+                                      <p:to>
+                                        <p:strVal val="visible"/>
+                                      </p:to>
+                                    </p:set>
+                                  </p:childTnLst>
+                                </p:cTn>
+                              </p:par>
+                            </p:childTnLst>
+                          </p:cTn>
+                        </p:par>
+                      </p:childTnLst>
+                    </p:cTn>
+                  </p:par>
+                </p:childTnLst>
+              </p:cTn>
+              <p:prevCondLst>
+                <p:cond evt="onPrev" delay="0">
+                  <p:tgtEl>
+                    <p:sldTgt/>
+                  </p:tgtEl>
+                </p:cond>
+              </p:prevCondLst>
+              <p:nextCondLst>
+                <p:cond evt="onNext" delay="0">
+                  <p:tgtEl>
+                    <p:sldTgt/>
+                  </p:tgtEl>
+                </p:cond>
+              </p:nextCondLst>
+            </p:seq>
+          </p:childTnLst>
+        </p:cTn>
       </p:par>
     </p:tnLst>
+    <p:bldLst>
+      <p:bldP spid="44" grpId="0"/>
+      <p:bldP spid="45" grpId="0"/>
+      <p:bldP spid="46" grpId="0"/>
+      <p:bldP spid="47" grpId="0"/>
+      <p:bldP spid="48" grpId="0"/>
+      <p:bldP spid="49" grpId="0"/>
+      <p:bldP spid="50" grpId="0"/>
+      <p:bldP spid="51" grpId="0"/>
+    </p:bldLst>
   </p:timing>
 </p:sld>
 </file>
@@ -6849,7 +7632,7 @@
         <p:spPr>
           <a:xfrm>
             <a:off x="393700" y="139700"/>
-            <a:ext cx="7150100" cy="1028700"/>
+            <a:ext cx="7569200" cy="1028700"/>
           </a:xfrm>
           <a:prstGeom prst="rect">
             <a:avLst/>
@@ -6876,8 +7659,8 @@
           </a:lstStyle>
           <a:p>
             <a:r>
-              <a:rPr lang="en-US" dirty="0"/>
-              <a:t>5. </a:t>
+              <a:rPr lang="en-US" dirty="0" smtClean="0"/>
+              <a:t>5-1. </a:t>
             </a:r>
             <a:r>
               <a:rPr lang="ko-KR" dirty="0"/>
@@ -7917,13 +8700,14 @@
 </file>
 
 <file path=ppt/slides/slide15.xml><?xml version="1.0" encoding="utf-8"?>
-<p:sld xmlns:r="http://schemas.openxmlformats.org/officeDocument/2006/relationships" xmlns:c="http://schemas.openxmlformats.org/drawingml/2006/chart" xmlns:a="http://schemas.openxmlformats.org/drawingml/2006/main" xmlns:dgm="http://schemas.openxmlformats.org/drawingml/2006/diagram" xmlns:dsp="http://schemas.microsoft.com/office/drawing/2008/diagram" xmlns:p="http://schemas.openxmlformats.org/presentationml/2006/main">
+<p:sld xmlns:a="http://schemas.openxmlformats.org/drawingml/2006/main" xmlns:r="http://schemas.openxmlformats.org/officeDocument/2006/relationships" xmlns:p="http://schemas.openxmlformats.org/presentationml/2006/main">
   <p:cSld>
     <p:bg>
-      <p:bgPr shadeToTitle="0">
+      <p:bgPr>
         <a:solidFill>
-          <a:srgbClr val="ffffff"/>
+          <a:srgbClr val="FFFFFF"/>
         </a:solidFill>
+        <a:effectLst/>
       </p:bgPr>
     </p:bg>
     <p:spTree>
@@ -7949,7 +8733,7 @@
         <p:spPr>
           <a:xfrm>
             <a:off x="393700" y="139700"/>
-            <a:ext cx="7150100" cy="1028700"/>
+            <a:ext cx="7531100" cy="1028700"/>
           </a:xfrm>
           <a:prstGeom prst="rect">
             <a:avLst/>
@@ -7979,40 +8763,40 @@
               <a:defRPr/>
             </a:pPr>
             <a:r>
-              <a:rPr lang="en-US"/>
-              <a:t>5. </a:t>
-            </a:r>
-            <a:r>
-              <a:rPr lang="ko-KR"/>
+              <a:rPr lang="en-US" dirty="0" smtClean="0"/>
+              <a:t>5-2. </a:t>
+            </a:r>
+            <a:r>
+              <a:rPr lang="ko-KR" dirty="0"/>
               <a:t>오류</a:t>
             </a:r>
             <a:r>
-              <a:rPr lang="en-US"/>
+              <a:rPr lang="en-US" dirty="0"/>
               <a:t> </a:t>
             </a:r>
             <a:r>
-              <a:rPr lang="ko-KR"/>
+              <a:rPr lang="ko-KR" dirty="0"/>
               <a:t>및</a:t>
             </a:r>
             <a:r>
-              <a:rPr lang="en-US"/>
+              <a:rPr lang="en-US" dirty="0"/>
               <a:t> </a:t>
             </a:r>
             <a:r>
-              <a:rPr lang="ko-KR"/>
+              <a:rPr lang="ko-KR" dirty="0"/>
               <a:t>해결과정</a:t>
             </a:r>
             <a:r>
-              <a:rPr lang="en-US" altLang="ko-KR"/>
+              <a:rPr lang="en-US" altLang="ko-KR" dirty="0"/>
               <a:t>(radio)</a:t>
             </a:r>
-            <a:endParaRPr lang="ko-KR"/>
+            <a:endParaRPr lang="ko-KR" dirty="0"/>
           </a:p>
         </p:txBody>
       </p:sp>
       <p:pic>
         <p:nvPicPr>
-          <p:cNvPr id="7" name=""/>
+          <p:cNvPr id="7" name="그림 6"/>
           <p:cNvPicPr>
             <a:picLocks noChangeAspect="1"/>
           </p:cNvPicPr>
@@ -8036,7 +8820,7 @@
       </p:pic>
       <p:pic>
         <p:nvPicPr>
-          <p:cNvPr id="8" name=""/>
+          <p:cNvPr id="8" name="그림 7"/>
           <p:cNvPicPr>
             <a:picLocks noChangeAspect="1"/>
           </p:cNvPicPr>
@@ -8061,7 +8845,7 @@
       </p:pic>
       <p:sp>
         <p:nvSpPr>
-          <p:cNvPr id="10" name=""/>
+          <p:cNvPr id="10" name="타원 9"/>
           <p:cNvSpPr/>
           <p:nvPr/>
         </p:nvSpPr>
@@ -8076,7 +8860,7 @@
           <a:noFill/>
           <a:ln w="76200">
             <a:solidFill>
-              <a:srgbClr val="ff0000"/>
+              <a:srgbClr val="FF0000"/>
             </a:solidFill>
           </a:ln>
         </p:spPr>
@@ -8098,6 +8882,7 @@
         </p:style>
         <p:txBody>
           <a:bodyPr anchor="ctr"/>
+          <a:lstStyle/>
           <a:p>
             <a:pPr algn="ctr">
               <a:defRPr/>
@@ -8108,7 +8893,7 @@
       </p:sp>
       <p:sp>
         <p:nvSpPr>
-          <p:cNvPr id="11" name=""/>
+          <p:cNvPr id="11" name="타원 10"/>
           <p:cNvSpPr/>
           <p:nvPr/>
         </p:nvSpPr>
@@ -8123,7 +8908,7 @@
           <a:noFill/>
           <a:ln w="76200">
             <a:solidFill>
-              <a:srgbClr val="ff0000"/>
+              <a:srgbClr val="FF0000"/>
             </a:solidFill>
           </a:ln>
         </p:spPr>
@@ -8145,6 +8930,7 @@
         </p:style>
         <p:txBody>
           <a:bodyPr anchor="ctr"/>
+          <a:lstStyle/>
           <a:p>
             <a:pPr algn="ctr">
               <a:defRPr/>
@@ -8153,30 +8939,205 @@
           </a:p>
         </p:txBody>
       </p:sp>
+      <p:pic>
+        <p:nvPicPr>
+          <p:cNvPr id="3" name="그림 2"/>
+          <p:cNvPicPr>
+            <a:picLocks noChangeAspect="1"/>
+          </p:cNvPicPr>
+          <p:nvPr/>
+        </p:nvPicPr>
+        <p:blipFill>
+          <a:blip r:embed="rId4"/>
+          <a:stretch>
+            <a:fillRect/>
+          </a:stretch>
+        </p:blipFill>
+        <p:spPr>
+          <a:xfrm>
+            <a:off x="2362984" y="7810499"/>
+            <a:ext cx="13031593" cy="1069756"/>
+          </a:xfrm>
+          <a:prstGeom prst="rect">
+            <a:avLst/>
+          </a:prstGeom>
+        </p:spPr>
+      </p:pic>
     </p:spTree>
   </p:cSld>
   <p:clrMapOvr>
     <a:masterClrMapping/>
   </p:clrMapOvr>
-  <mc:AlternateContent xmlns:mc="http://schemas.openxmlformats.org/markup-compatibility/2006">
-    <mc:Choice xmlns:p14="http://schemas.microsoft.com/office/powerpoint/2010/main" Requires="p14">
-      <p:transition xmlns:mc="http://schemas.openxmlformats.org/markup-compatibility/2006" xmlns:p14="http://schemas.microsoft.com/office/powerpoint/2010/main" mc:Ignorable="p14" p14:dur="500"/>
+  <mc:AlternateContent xmlns:mc="http://schemas.openxmlformats.org/markup-compatibility/2006" xmlns:p14="http://schemas.microsoft.com/office/powerpoint/2010/main">
+    <mc:Choice Requires="p14">
+      <p:transition/>
     </mc:Choice>
-    <mc:Fallback>
+    <mc:Fallback xmlns:dsp="http://schemas.microsoft.com/office/drawing/2008/diagram" xmlns:dgm="http://schemas.openxmlformats.org/drawingml/2006/diagram" xmlns:c="http://schemas.openxmlformats.org/drawingml/2006/chart" xmlns="">
       <p:transition/>
     </mc:Fallback>
   </mc:AlternateContent>
+  <p:timing>
+    <p:tnLst>
+      <p:par>
+        <p:cTn id="1" dur="indefinite" restart="never" nodeType="tmRoot">
+          <p:childTnLst>
+            <p:seq concurrent="1" nextAc="seek">
+              <p:cTn id="2" dur="indefinite" nodeType="mainSeq">
+                <p:childTnLst>
+                  <p:par>
+                    <p:cTn id="3" fill="hold">
+                      <p:stCondLst>
+                        <p:cond delay="indefinite"/>
+                      </p:stCondLst>
+                      <p:childTnLst>
+                        <p:par>
+                          <p:cTn id="4" fill="hold">
+                            <p:stCondLst>
+                              <p:cond delay="0"/>
+                            </p:stCondLst>
+                            <p:childTnLst>
+                              <p:par>
+                                <p:cTn id="5" presetID="1" presetClass="entr" presetSubtype="0" fill="hold" grpId="0" nodeType="clickEffect">
+                                  <p:stCondLst>
+                                    <p:cond delay="0"/>
+                                  </p:stCondLst>
+                                  <p:childTnLst>
+                                    <p:set>
+                                      <p:cBhvr>
+                                        <p:cTn id="6" dur="1" fill="hold">
+                                          <p:stCondLst>
+                                            <p:cond delay="0"/>
+                                          </p:stCondLst>
+                                        </p:cTn>
+                                        <p:tgtEl>
+                                          <p:spTgt spid="10"/>
+                                        </p:tgtEl>
+                                        <p:attrNameLst>
+                                          <p:attrName>style.visibility</p:attrName>
+                                        </p:attrNameLst>
+                                      </p:cBhvr>
+                                      <p:to>
+                                        <p:strVal val="visible"/>
+                                      </p:to>
+                                    </p:set>
+                                  </p:childTnLst>
+                                </p:cTn>
+                              </p:par>
+                              <p:par>
+                                <p:cTn id="7" presetID="1" presetClass="entr" presetSubtype="0" fill="hold" nodeType="withEffect">
+                                  <p:stCondLst>
+                                    <p:cond delay="0"/>
+                                  </p:stCondLst>
+                                  <p:childTnLst>
+                                    <p:set>
+                                      <p:cBhvr>
+                                        <p:cTn id="8" dur="1" fill="hold">
+                                          <p:stCondLst>
+                                            <p:cond delay="0"/>
+                                          </p:stCondLst>
+                                        </p:cTn>
+                                        <p:tgtEl>
+                                          <p:spTgt spid="8"/>
+                                        </p:tgtEl>
+                                        <p:attrNameLst>
+                                          <p:attrName>style.visibility</p:attrName>
+                                        </p:attrNameLst>
+                                      </p:cBhvr>
+                                      <p:to>
+                                        <p:strVal val="visible"/>
+                                      </p:to>
+                                    </p:set>
+                                  </p:childTnLst>
+                                </p:cTn>
+                              </p:par>
+                            </p:childTnLst>
+                          </p:cTn>
+                        </p:par>
+                      </p:childTnLst>
+                    </p:cTn>
+                  </p:par>
+                  <p:par>
+                    <p:cTn id="9" fill="hold">
+                      <p:stCondLst>
+                        <p:cond delay="indefinite"/>
+                      </p:stCondLst>
+                      <p:childTnLst>
+                        <p:par>
+                          <p:cTn id="10" fill="hold">
+                            <p:stCondLst>
+                              <p:cond delay="0"/>
+                            </p:stCondLst>
+                            <p:childTnLst>
+                              <p:par>
+                                <p:cTn id="11" presetID="1" presetClass="entr" presetSubtype="0" fill="hold" nodeType="clickEffect">
+                                  <p:stCondLst>
+                                    <p:cond delay="0"/>
+                                  </p:stCondLst>
+                                  <p:childTnLst>
+                                    <p:set>
+                                      <p:cBhvr>
+                                        <p:cTn id="12" dur="1" fill="hold">
+                                          <p:stCondLst>
+                                            <p:cond delay="0"/>
+                                          </p:stCondLst>
+                                        </p:cTn>
+                                        <p:tgtEl>
+                                          <p:spTgt spid="3"/>
+                                        </p:tgtEl>
+                                        <p:attrNameLst>
+                                          <p:attrName>style.visibility</p:attrName>
+                                        </p:attrNameLst>
+                                      </p:cBhvr>
+                                      <p:to>
+                                        <p:strVal val="visible"/>
+                                      </p:to>
+                                    </p:set>
+                                  </p:childTnLst>
+                                </p:cTn>
+                              </p:par>
+                            </p:childTnLst>
+                          </p:cTn>
+                        </p:par>
+                      </p:childTnLst>
+                    </p:cTn>
+                  </p:par>
+                </p:childTnLst>
+              </p:cTn>
+              <p:prevCondLst>
+                <p:cond evt="onPrev" delay="0">
+                  <p:tgtEl>
+                    <p:sldTgt/>
+                  </p:tgtEl>
+                </p:cond>
+              </p:prevCondLst>
+              <p:nextCondLst>
+                <p:cond evt="onNext" delay="0">
+                  <p:tgtEl>
+                    <p:sldTgt/>
+                  </p:tgtEl>
+                </p:cond>
+              </p:nextCondLst>
+            </p:seq>
+          </p:childTnLst>
+        </p:cTn>
+      </p:par>
+    </p:tnLst>
+    <p:bldLst>
+      <p:bldP spid="10" grpId="0" animBg="1"/>
+    </p:bldLst>
+  </p:timing>
 </p:sld>
 </file>
 
 <file path=ppt/slides/slide16.xml><?xml version="1.0" encoding="utf-8"?>
-<p:sld xmlns:r="http://schemas.openxmlformats.org/officeDocument/2006/relationships" xmlns:c="http://schemas.openxmlformats.org/drawingml/2006/chart" xmlns:a="http://schemas.openxmlformats.org/drawingml/2006/main" xmlns:dgm="http://schemas.openxmlformats.org/drawingml/2006/diagram" xmlns:dsp="http://schemas.microsoft.com/office/drawing/2008/diagram" xmlns:p="http://schemas.openxmlformats.org/presentationml/2006/main">
+<p:sld xmlns:a="http://schemas.openxmlformats.org/drawingml/2006/main" xmlns:r="http://schemas.openxmlformats.org/officeDocument/2006/relationships" xmlns:p="http://schemas.openxmlformats.org/presentationml/2006/main">
   <p:cSld>
     <p:bg>
-      <p:bgPr shadeToTitle="0">
+      <p:bgPr>
         <a:solidFill>
-          <a:srgbClr val="ffffff"/>
+          <a:srgbClr val="FFFFFF"/>
         </a:solidFill>
+        <a:effectLst/>
       </p:bgPr>
     </p:bg>
     <p:spTree>
@@ -8201,8 +9162,8 @@
         </p:nvSpPr>
         <p:spPr>
           <a:xfrm>
-            <a:off x="393700" y="139700"/>
-            <a:ext cx="8216900" cy="1028700"/>
+            <a:off x="393699" y="139700"/>
+            <a:ext cx="8521701" cy="1028700"/>
           </a:xfrm>
           <a:prstGeom prst="rect">
             <a:avLst/>
@@ -8232,40 +9193,40 @@
               <a:defRPr/>
             </a:pPr>
             <a:r>
-              <a:rPr lang="en-US"/>
-              <a:t>5. </a:t>
-            </a:r>
-            <a:r>
-              <a:rPr lang="ko-KR"/>
+              <a:rPr lang="en-US" dirty="0" smtClean="0"/>
+              <a:t>5-3. </a:t>
+            </a:r>
+            <a:r>
+              <a:rPr lang="ko-KR" dirty="0"/>
               <a:t>오류</a:t>
             </a:r>
             <a:r>
-              <a:rPr lang="en-US"/>
+              <a:rPr lang="en-US" dirty="0"/>
               <a:t> </a:t>
             </a:r>
             <a:r>
-              <a:rPr lang="ko-KR"/>
+              <a:rPr lang="ko-KR" dirty="0"/>
               <a:t>및</a:t>
             </a:r>
             <a:r>
-              <a:rPr lang="en-US"/>
+              <a:rPr lang="en-US" dirty="0"/>
               <a:t> </a:t>
             </a:r>
             <a:r>
-              <a:rPr lang="ko-KR"/>
+              <a:rPr lang="ko-KR" dirty="0"/>
               <a:t>해결과정</a:t>
             </a:r>
             <a:r>
-              <a:rPr lang="en-US" altLang="ko-KR"/>
+              <a:rPr lang="en-US" altLang="ko-KR" dirty="0"/>
               <a:t>(Min-Max)</a:t>
             </a:r>
-            <a:endParaRPr lang="ko-KR"/>
+            <a:endParaRPr lang="ko-KR" dirty="0"/>
           </a:p>
         </p:txBody>
       </p:sp>
       <p:pic>
         <p:nvPicPr>
-          <p:cNvPr id="5" name=""/>
+          <p:cNvPr id="5" name="그림 4"/>
           <p:cNvPicPr>
             <a:picLocks noChangeAspect="1"/>
           </p:cNvPicPr>
@@ -8290,12 +9251,12 @@
       </p:pic>
       <p:grpSp>
         <p:nvGrpSpPr>
-          <p:cNvPr id="9" name=""/>
+          <p:cNvPr id="9" name="그룹 8"/>
           <p:cNvGrpSpPr/>
           <p:nvPr/>
         </p:nvGrpSpPr>
         <p:grpSpPr>
-          <a:xfrm rot="0">
+          <a:xfrm>
             <a:off x="609089" y="1409700"/>
             <a:ext cx="3734310" cy="4324874"/>
             <a:chOff x="2742689" y="1542526"/>
@@ -8304,7 +9265,7 @@
         </p:grpSpPr>
         <p:pic>
           <p:nvPicPr>
-            <p:cNvPr id="6" name=""/>
+            <p:cNvPr id="6" name="그림 5"/>
             <p:cNvPicPr>
               <a:picLocks noChangeAspect="1"/>
             </p:cNvPicPr>
@@ -8328,7 +9289,7 @@
         </p:pic>
         <p:sp>
           <p:nvSpPr>
-            <p:cNvPr id="7" name=""/>
+            <p:cNvPr id="7" name="타원 6"/>
             <p:cNvSpPr/>
             <p:nvPr/>
           </p:nvSpPr>
@@ -8343,7 +9304,7 @@
             <a:noFill/>
             <a:ln w="76200" cap="flat" cmpd="sng" algn="ctr">
               <a:solidFill>
-                <a:srgbClr val="ff0000">
+                <a:srgbClr val="FF0000">
                   <a:alpha val="100000"/>
                 </a:srgbClr>
               </a:solidFill>
@@ -8352,6 +9313,7 @@
           </p:spPr>
           <p:txBody>
             <a:bodyPr anchor="ctr"/>
+            <a:lstStyle/>
             <a:p>
               <a:pPr marL="0" indent="0" algn="ctr" defTabSz="914400" rtl="0" eaLnBrk="1" latinLnBrk="0" hangingPunct="1">
                 <a:lnSpc>
@@ -8366,9 +9328,9 @@
                 <a:buNone/>
                 <a:defRPr/>
               </a:pPr>
-              <a:endParaRPr xmlns:mc="http://schemas.openxmlformats.org/markup-compatibility/2006" xmlns:hp="http://schemas.haansoft.com/office/presentation/8.0" kumimoji="0" lang="ko-KR" altLang="en-US" sz="1800" b="0" i="0" u="none" strike="noStrike" kern="1200" cap="none" spc="0" normalizeH="0" baseline="0" mc:Ignorable="hp" hp:hslEmbossed="0">
+              <a:endParaRPr kumimoji="0" lang="ko-KR" altLang="en-US" sz="1800" b="0" i="0" u="none" strike="noStrike" kern="1200" cap="none" spc="0" normalizeH="0" baseline="0">
                 <a:solidFill>
-                  <a:srgbClr val="ffffff"/>
+                  <a:srgbClr val="FFFFFF"/>
                 </a:solidFill>
                 <a:latin typeface="Calibri"/>
                 <a:ea typeface="맑은 고딕"/>
@@ -8380,7 +9342,7 @@
       </p:grpSp>
       <p:pic>
         <p:nvPicPr>
-          <p:cNvPr id="8" name=""/>
+          <p:cNvPr id="8" name="그림 7"/>
           <p:cNvPicPr>
             <a:picLocks noChangeAspect="1"/>
           </p:cNvPicPr>
@@ -8404,7 +9366,7 @@
       </p:pic>
       <p:pic>
         <p:nvPicPr>
-          <p:cNvPr id="10" name=""/>
+          <p:cNvPr id="10" name="그림 9"/>
           <p:cNvPicPr>
             <a:picLocks noChangeAspect="1"/>
           </p:cNvPicPr>
@@ -8428,21 +9390,21 @@
       </p:pic>
       <p:grpSp>
         <p:nvGrpSpPr>
-          <p:cNvPr id="14" name=""/>
+          <p:cNvPr id="14" name="그룹 13"/>
           <p:cNvGrpSpPr/>
           <p:nvPr/>
         </p:nvGrpSpPr>
         <p:grpSpPr>
-          <a:xfrm rot="0">
-            <a:off x="762000" y="7200900"/>
-            <a:ext cx="13639800" cy="2743200"/>
-            <a:chOff x="152400" y="7467600"/>
-            <a:chExt cx="13639800" cy="2743200"/>
+          <a:xfrm>
+            <a:off x="762000" y="7200930"/>
+            <a:ext cx="13639799" cy="2743170"/>
+            <a:chOff x="152400" y="7467630"/>
+            <a:chExt cx="13639799" cy="2743170"/>
           </a:xfrm>
         </p:grpSpPr>
         <p:pic>
           <p:nvPicPr>
-            <p:cNvPr id="12" name=""/>
+            <p:cNvPr id="12" name="그림 11"/>
             <p:cNvPicPr>
               <a:picLocks noChangeAspect="1"/>
             </p:cNvPicPr>
@@ -8467,14 +9429,14 @@
         </p:pic>
         <p:pic>
           <p:nvPicPr>
-            <p:cNvPr id="13" name=""/>
+            <p:cNvPr id="13" name="그림 12"/>
             <p:cNvPicPr>
               <a:picLocks noChangeAspect="1"/>
             </p:cNvPicPr>
             <p:nvPr/>
           </p:nvPicPr>
           <p:blipFill rotWithShape="1">
-            <a:blip r:embed="rId7"/>
+            <a:blip r:embed="rId6"/>
             <a:srcRect l="30370" r="47650"/>
             <a:stretch>
               <a:fillRect/>
@@ -8492,14 +9454,14 @@
         </p:pic>
         <p:pic>
           <p:nvPicPr>
-            <p:cNvPr id="11" name=""/>
+            <p:cNvPr id="11" name="그림 10"/>
             <p:cNvPicPr>
               <a:picLocks noChangeAspect="1"/>
             </p:cNvPicPr>
             <p:nvPr/>
           </p:nvPicPr>
           <p:blipFill rotWithShape="1">
-            <a:blip r:embed="rId8"/>
+            <a:blip r:embed="rId6"/>
             <a:srcRect r="69630"/>
             <a:stretch>
               <a:fillRect/>
@@ -8507,7 +9469,7 @@
           </p:blipFill>
           <p:spPr>
             <a:xfrm>
-              <a:off x="163823" y="7467600"/>
+              <a:off x="152400" y="7467630"/>
               <a:ext cx="11266177" cy="1066800"/>
             </a:xfrm>
             <a:prstGeom prst="rect">
@@ -8521,25 +9483,101 @@
   <p:clrMapOvr>
     <a:masterClrMapping/>
   </p:clrMapOvr>
-  <mc:AlternateContent xmlns:mc="http://schemas.openxmlformats.org/markup-compatibility/2006">
-    <mc:Choice xmlns:p14="http://schemas.microsoft.com/office/powerpoint/2010/main" Requires="p14">
-      <p:transition xmlns:mc="http://schemas.openxmlformats.org/markup-compatibility/2006" xmlns:p14="http://schemas.microsoft.com/office/powerpoint/2010/main" mc:Ignorable="p14" p14:dur="500"/>
+  <mc:AlternateContent xmlns:mc="http://schemas.openxmlformats.org/markup-compatibility/2006" xmlns:p14="http://schemas.microsoft.com/office/powerpoint/2010/main">
+    <mc:Choice Requires="p14">
+      <p:transition/>
     </mc:Choice>
-    <mc:Fallback>
+    <mc:Fallback xmlns:dsp="http://schemas.microsoft.com/office/drawing/2008/diagram" xmlns:dgm="http://schemas.openxmlformats.org/drawingml/2006/diagram" xmlns:c="http://schemas.openxmlformats.org/drawingml/2006/chart" xmlns="">
       <p:transition/>
     </mc:Fallback>
   </mc:AlternateContent>
+  <p:timing>
+    <p:tnLst>
+      <p:par>
+        <p:cTn id="1" dur="indefinite" restart="never" nodeType="tmRoot">
+          <p:childTnLst>
+            <p:seq concurrent="1" nextAc="seek">
+              <p:cTn id="2" dur="indefinite" nodeType="mainSeq">
+                <p:childTnLst>
+                  <p:par>
+                    <p:cTn id="3" fill="hold">
+                      <p:stCondLst>
+                        <p:cond delay="indefinite"/>
+                      </p:stCondLst>
+                      <p:childTnLst>
+                        <p:par>
+                          <p:cTn id="4" fill="hold">
+                            <p:stCondLst>
+                              <p:cond delay="0"/>
+                            </p:stCondLst>
+                            <p:childTnLst>
+                              <p:par>
+                                <p:cTn id="5" presetID="1" presetClass="entr" presetSubtype="0" fill="hold" nodeType="clickEffect">
+                                  <p:stCondLst>
+                                    <p:cond delay="0"/>
+                                  </p:stCondLst>
+                                  <p:childTnLst>
+                                    <p:set>
+                                      <p:cBhvr>
+                                        <p:cTn id="6" dur="1" fill="hold">
+                                          <p:stCondLst>
+                                            <p:cond delay="0"/>
+                                          </p:stCondLst>
+                                        </p:cTn>
+                                        <p:tgtEl>
+                                          <p:spTgt spid="14"/>
+                                        </p:tgtEl>
+                                        <p:attrNameLst>
+                                          <p:attrName>style.visibility</p:attrName>
+                                        </p:attrNameLst>
+                                      </p:cBhvr>
+                                      <p:to>
+                                        <p:strVal val="visible"/>
+                                      </p:to>
+                                    </p:set>
+                                  </p:childTnLst>
+                                </p:cTn>
+                              </p:par>
+                            </p:childTnLst>
+                          </p:cTn>
+                        </p:par>
+                      </p:childTnLst>
+                    </p:cTn>
+                  </p:par>
+                </p:childTnLst>
+              </p:cTn>
+              <p:prevCondLst>
+                <p:cond evt="onPrev" delay="0">
+                  <p:tgtEl>
+                    <p:sldTgt/>
+                  </p:tgtEl>
+                </p:cond>
+              </p:prevCondLst>
+              <p:nextCondLst>
+                <p:cond evt="onNext" delay="0">
+                  <p:tgtEl>
+                    <p:sldTgt/>
+                  </p:tgtEl>
+                </p:cond>
+              </p:nextCondLst>
+            </p:seq>
+          </p:childTnLst>
+        </p:cTn>
+      </p:par>
+    </p:tnLst>
+  </p:timing>
 </p:sld>
 </file>
 
 <file path=ppt/slides/slide17.xml><?xml version="1.0" encoding="utf-8"?>
-<p:sld xmlns:r="http://schemas.openxmlformats.org/officeDocument/2006/relationships" xmlns:c="http://schemas.openxmlformats.org/drawingml/2006/chart" xmlns:a="http://schemas.openxmlformats.org/drawingml/2006/main" xmlns:dgm="http://schemas.openxmlformats.org/drawingml/2006/diagram" xmlns:dsp="http://schemas.microsoft.com/office/drawing/2008/diagram" xmlns:p="http://schemas.openxmlformats.org/presentationml/2006/main">
+<p:sld xmlns:a="http://schemas.openxmlformats.org/drawingml/2006/main" xmlns:r="http://schemas.openxmlformats.org/officeDocument/2006/relationships" xmlns:p="http://schemas.openxmlformats.org/presentationml/2006/main">
   <p:cSld>
     <p:bg>
-      <p:bgPr shadeToTitle="0">
+      <p:bgPr>
         <a:solidFill>
-          <a:srgbClr val="ffffff"/>
+          <a:srgbClr val="FFFFFF"/>
         </a:solidFill>
+        <a:effectLst/>
       </p:bgPr>
     </p:bg>
     <p:spTree>
@@ -8595,40 +9633,40 @@
               <a:defRPr/>
             </a:pPr>
             <a:r>
-              <a:rPr lang="en-US"/>
-              <a:t>5. </a:t>
-            </a:r>
-            <a:r>
-              <a:rPr lang="ko-KR"/>
+              <a:rPr lang="en-US" dirty="0" smtClean="0"/>
+              <a:t>5-4. </a:t>
+            </a:r>
+            <a:r>
+              <a:rPr lang="ko-KR" dirty="0"/>
               <a:t>오류</a:t>
             </a:r>
             <a:r>
-              <a:rPr lang="en-US"/>
+              <a:rPr lang="en-US" dirty="0"/>
               <a:t> </a:t>
             </a:r>
             <a:r>
-              <a:rPr lang="ko-KR"/>
+              <a:rPr lang="ko-KR" dirty="0"/>
               <a:t>및</a:t>
             </a:r>
             <a:r>
-              <a:rPr lang="en-US"/>
+              <a:rPr lang="en-US" dirty="0"/>
               <a:t> </a:t>
             </a:r>
             <a:r>
-              <a:rPr lang="ko-KR"/>
+              <a:rPr lang="ko-KR" dirty="0"/>
               <a:t>해결과정</a:t>
             </a:r>
             <a:r>
-              <a:rPr lang="en-US" altLang="ko-KR"/>
+              <a:rPr lang="en-US" altLang="ko-KR" dirty="0"/>
               <a:t>(SSR)</a:t>
             </a:r>
-            <a:endParaRPr lang="ko-KR"/>
+            <a:endParaRPr lang="ko-KR" dirty="0"/>
           </a:p>
         </p:txBody>
       </p:sp>
       <p:pic>
         <p:nvPicPr>
-          <p:cNvPr id="5" name=""/>
+          <p:cNvPr id="5" name="그림 4"/>
           <p:cNvPicPr>
             <a:picLocks noChangeAspect="1"/>
           </p:cNvPicPr>
@@ -8652,7 +9690,7 @@
       </p:pic>
       <p:pic>
         <p:nvPicPr>
-          <p:cNvPr id="6" name=""/>
+          <p:cNvPr id="6" name="그림 5"/>
           <p:cNvPicPr>
             <a:picLocks noChangeAspect="1"/>
           </p:cNvPicPr>
@@ -8677,7 +9715,7 @@
       </p:pic>
       <p:pic>
         <p:nvPicPr>
-          <p:cNvPr id="7" name=""/>
+          <p:cNvPr id="7" name="그림 6"/>
           <p:cNvPicPr>
             <a:picLocks noChangeAspect="1"/>
           </p:cNvPicPr>
@@ -8705,18 +9743,86 @@
   <p:clrMapOvr>
     <a:masterClrMapping/>
   </p:clrMapOvr>
-  <mc:AlternateContent xmlns:mc="http://schemas.openxmlformats.org/markup-compatibility/2006">
-    <mc:Choice xmlns:p14="http://schemas.microsoft.com/office/powerpoint/2010/main" Requires="p14">
-      <p:transition xmlns:mc="http://schemas.openxmlformats.org/markup-compatibility/2006" xmlns:p14="http://schemas.microsoft.com/office/powerpoint/2010/main" mc:Ignorable="p14" p14:dur="500"/>
+  <mc:AlternateContent xmlns:mc="http://schemas.openxmlformats.org/markup-compatibility/2006" xmlns:p14="http://schemas.microsoft.com/office/powerpoint/2010/main">
+    <mc:Choice Requires="p14">
+      <p:transition/>
     </mc:Choice>
-    <mc:Fallback>
+    <mc:Fallback xmlns:dsp="http://schemas.microsoft.com/office/drawing/2008/diagram" xmlns:dgm="http://schemas.openxmlformats.org/drawingml/2006/diagram" xmlns:c="http://schemas.openxmlformats.org/drawingml/2006/chart" xmlns="">
       <p:transition/>
     </mc:Fallback>
   </mc:AlternateContent>
   <p:timing>
     <p:tnLst>
       <p:par>
-        <p:cTn id="1" dur="indefinite" restart="never" nodeType="tmRoot"/>
+        <p:cTn id="1" dur="indefinite" restart="never" nodeType="tmRoot">
+          <p:childTnLst>
+            <p:seq concurrent="1" nextAc="seek">
+              <p:cTn id="2" dur="indefinite" nodeType="mainSeq">
+                <p:childTnLst>
+                  <p:par>
+                    <p:cTn id="3" fill="hold">
+                      <p:stCondLst>
+                        <p:cond delay="indefinite"/>
+                      </p:stCondLst>
+                      <p:childTnLst>
+                        <p:par>
+                          <p:cTn id="4" fill="hold">
+                            <p:stCondLst>
+                              <p:cond delay="0"/>
+                            </p:stCondLst>
+                            <p:childTnLst>
+                              <p:par>
+                                <p:cTn id="5" presetID="1" presetClass="entr" presetSubtype="0" fill="hold" nodeType="clickEffect">
+                                  <p:stCondLst>
+                                    <p:cond delay="0"/>
+                                  </p:stCondLst>
+                                  <p:childTnLst>
+                                    <p:set>
+                                      <p:cBhvr>
+                                        <p:cTn id="6" dur="1" fill="hold">
+                                          <p:stCondLst>
+                                            <p:cond delay="0"/>
+                                          </p:stCondLst>
+                                        </p:cTn>
+                                        <p:tgtEl>
+                                          <p:spTgt spid="7"/>
+                                        </p:tgtEl>
+                                        <p:attrNameLst>
+                                          <p:attrName>style.visibility</p:attrName>
+                                        </p:attrNameLst>
+                                      </p:cBhvr>
+                                      <p:to>
+                                        <p:strVal val="visible"/>
+                                      </p:to>
+                                    </p:set>
+                                  </p:childTnLst>
+                                </p:cTn>
+                              </p:par>
+                            </p:childTnLst>
+                          </p:cTn>
+                        </p:par>
+                      </p:childTnLst>
+                    </p:cTn>
+                  </p:par>
+                </p:childTnLst>
+              </p:cTn>
+              <p:prevCondLst>
+                <p:cond evt="onPrev" delay="0">
+                  <p:tgtEl>
+                    <p:sldTgt/>
+                  </p:tgtEl>
+                </p:cond>
+              </p:prevCondLst>
+              <p:nextCondLst>
+                <p:cond evt="onNext" delay="0">
+                  <p:tgtEl>
+                    <p:sldTgt/>
+                  </p:tgtEl>
+                </p:cond>
+              </p:nextCondLst>
+            </p:seq>
+          </p:childTnLst>
+        </p:cTn>
       </p:par>
     </p:tnLst>
   </p:timing>
@@ -8724,13 +9830,14 @@
 </file>
 
 <file path=ppt/slides/slide18.xml><?xml version="1.0" encoding="utf-8"?>
-<p:sld xmlns:r="http://schemas.openxmlformats.org/officeDocument/2006/relationships" xmlns:c="http://schemas.openxmlformats.org/drawingml/2006/chart" xmlns:a="http://schemas.openxmlformats.org/drawingml/2006/main" xmlns:dgm="http://schemas.openxmlformats.org/drawingml/2006/diagram" xmlns:dsp="http://schemas.microsoft.com/office/drawing/2008/diagram" xmlns:p="http://schemas.openxmlformats.org/presentationml/2006/main">
+<p:sld xmlns:a="http://schemas.openxmlformats.org/drawingml/2006/main" xmlns:r="http://schemas.openxmlformats.org/officeDocument/2006/relationships" xmlns:p="http://schemas.openxmlformats.org/presentationml/2006/main">
   <p:cSld>
     <p:bg>
-      <p:bgPr shadeToTitle="0">
+      <p:bgPr>
         <a:solidFill>
-          <a:srgbClr val="ffffff"/>
+          <a:srgbClr val="FFFFFF"/>
         </a:solidFill>
+        <a:effectLst/>
       </p:bgPr>
     </p:bg>
     <p:spTree>
@@ -8793,7 +9900,6 @@
               <a:rPr lang="ko-KR"/>
               <a:t>공유</a:t>
             </a:r>
-            <a:endParaRPr lang="ko-KR"/>
           </a:p>
         </p:txBody>
       </p:sp>
@@ -8805,8 +9911,8 @@
         </p:nvSpPr>
         <p:spPr>
           <a:xfrm>
-            <a:off x="1600200" y="2857500"/>
-            <a:ext cx="7899400" cy="5232400"/>
+            <a:off x="1600200" y="1866900"/>
+            <a:ext cx="7899400" cy="6299200"/>
           </a:xfrm>
           <a:prstGeom prst="rect">
             <a:avLst/>
@@ -8840,7 +9946,7 @@
               <a:defRPr/>
             </a:pPr>
             <a:r>
-              <a:rPr lang="ko-KR">
+              <a:rPr lang="ko-KR" dirty="0">
                 <a:latin typeface="THE슈가슈크림M"/>
                 <a:ea typeface="THE슈가슈크림M"/>
                 <a:cs typeface="+mn-cs"/>
@@ -8848,7 +9954,7 @@
               <a:t>이미지</a:t>
             </a:r>
             <a:r>
-              <a:rPr lang="en-US">
+              <a:rPr lang="en-US" dirty="0">
                 <a:latin typeface="THE슈가슈크림M"/>
                 <a:ea typeface="THE슈가슈크림M"/>
                 <a:cs typeface="+mn-cs"/>
@@ -8856,14 +9962,22 @@
               <a:t> </a:t>
             </a:r>
             <a:r>
-              <a:rPr lang="ko-KR">
+              <a:rPr lang="ko-KR" altLang="en-US" dirty="0" smtClean="0">
                 <a:latin typeface="THE슈가슈크림M"/>
                 <a:ea typeface="THE슈가슈크림M"/>
                 <a:cs typeface="+mn-cs"/>
               </a:rPr>
+              <a:t>임시 </a:t>
+            </a:r>
+            <a:r>
+              <a:rPr lang="ko-KR" dirty="0" smtClean="0">
+                <a:latin typeface="THE슈가슈크림M"/>
+                <a:ea typeface="THE슈가슈크림M"/>
+                <a:cs typeface="+mn-cs"/>
+              </a:rPr>
               <a:t>처리</a:t>
             </a:r>
-            <a:endParaRPr lang="ko-KR">
+            <a:endParaRPr lang="ko-KR" dirty="0">
               <a:latin typeface="THE슈가슈크림M"/>
               <a:ea typeface="THE슈가슈크림M"/>
               <a:cs typeface="+mn-cs"/>
@@ -8874,14 +9988,14 @@
               <a:defRPr/>
             </a:pPr>
             <a:r>
-              <a:rPr lang="ko-KR">
+              <a:rPr lang="ko-KR" dirty="0" err="1">
                 <a:latin typeface="THE슈가슈크림M"/>
                 <a:ea typeface="THE슈가슈크림M"/>
                 <a:cs typeface="+mn-cs"/>
               </a:rPr>
               <a:t>멀티키</a:t>
             </a:r>
-            <a:endParaRPr lang="ko-KR">
+            <a:endParaRPr lang="ko-KR" dirty="0">
               <a:latin typeface="THE슈가슈크림M"/>
               <a:ea typeface="THE슈가슈크림M"/>
               <a:cs typeface="+mn-cs"/>
@@ -8892,14 +10006,14 @@
               <a:defRPr/>
             </a:pPr>
             <a:r>
-              <a:rPr lang="ko-KR">
+              <a:rPr lang="ko-KR" dirty="0" err="1">
                 <a:latin typeface="THE슈가슈크림M"/>
                 <a:ea typeface="THE슈가슈크림M"/>
                 <a:cs typeface="+mn-cs"/>
               </a:rPr>
               <a:t>스케쥴러</a:t>
             </a:r>
-            <a:endParaRPr lang="ko-KR">
+            <a:endParaRPr lang="ko-KR" dirty="0">
               <a:latin typeface="THE슈가슈크림M"/>
               <a:ea typeface="THE슈가슈크림M"/>
               <a:cs typeface="+mn-cs"/>
@@ -8910,14 +10024,22 @@
               <a:defRPr/>
             </a:pPr>
             <a:r>
-              <a:rPr lang="en-US">
+              <a:rPr lang="en-US" dirty="0">
                 <a:latin typeface="THE슈가슈크림M"/>
                 <a:ea typeface="THE슈가슈크림M"/>
                 <a:cs typeface="+mn-cs"/>
               </a:rPr>
-              <a:t>switch-enum</a:t>
-            </a:r>
-            <a:endParaRPr lang="en-US">
+              <a:t>switch-</a:t>
+            </a:r>
+            <a:r>
+              <a:rPr lang="en-US" dirty="0" err="1">
+                <a:latin typeface="THE슈가슈크림M"/>
+                <a:ea typeface="THE슈가슈크림M"/>
+                <a:cs typeface="+mn-cs"/>
+              </a:rPr>
+              <a:t>enum</a:t>
+            </a:r>
+            <a:endParaRPr lang="en-US" dirty="0">
               <a:latin typeface="THE슈가슈크림M"/>
               <a:ea typeface="THE슈가슈크림M"/>
               <a:cs typeface="+mn-cs"/>
@@ -8930,11 +10052,11 @@
   <p:clrMapOvr>
     <a:masterClrMapping/>
   </p:clrMapOvr>
-  <mc:AlternateContent xmlns:mc="http://schemas.openxmlformats.org/markup-compatibility/2006">
-    <mc:Choice xmlns:p14="http://schemas.microsoft.com/office/powerpoint/2010/main" Requires="p14">
-      <p:transition xmlns:mc="http://schemas.openxmlformats.org/markup-compatibility/2006" xmlns:p14="http://schemas.microsoft.com/office/powerpoint/2010/main" mc:Ignorable="p14" p14:dur="500"/>
+  <mc:AlternateContent xmlns:mc="http://schemas.openxmlformats.org/markup-compatibility/2006" xmlns:p14="http://schemas.microsoft.com/office/powerpoint/2010/main">
+    <mc:Choice Requires="p14">
+      <p:transition/>
     </mc:Choice>
-    <mc:Fallback>
+    <mc:Fallback xmlns:dsp="http://schemas.microsoft.com/office/drawing/2008/diagram" xmlns:dgm="http://schemas.openxmlformats.org/drawingml/2006/diagram" xmlns:c="http://schemas.openxmlformats.org/drawingml/2006/chart" xmlns="">
       <p:transition/>
     </mc:Fallback>
   </mc:AlternateContent>
@@ -8949,13 +10071,14 @@
 </file>
 
 <file path=ppt/slides/slide19.xml><?xml version="1.0" encoding="utf-8"?>
-<p:sld xmlns:r="http://schemas.openxmlformats.org/officeDocument/2006/relationships" xmlns:c="http://schemas.openxmlformats.org/drawingml/2006/chart" xmlns:a="http://schemas.openxmlformats.org/drawingml/2006/main" xmlns:dgm="http://schemas.openxmlformats.org/drawingml/2006/diagram" xmlns:dsp="http://schemas.microsoft.com/office/drawing/2008/diagram" xmlns:p="http://schemas.openxmlformats.org/presentationml/2006/main">
+<p:sld xmlns:a="http://schemas.openxmlformats.org/drawingml/2006/main" xmlns:r="http://schemas.openxmlformats.org/officeDocument/2006/relationships" xmlns:p="http://schemas.openxmlformats.org/presentationml/2006/main">
   <p:cSld>
     <p:bg>
-      <p:bgPr shadeToTitle="0">
+      <p:bgPr>
         <a:solidFill>
-          <a:srgbClr val="ffffff"/>
+          <a:srgbClr val="FFFFFF"/>
         </a:solidFill>
+        <a:effectLst/>
       </p:bgPr>
     </p:bg>
     <p:spTree>
@@ -8981,7 +10104,7 @@
         <p:spPr>
           <a:xfrm>
             <a:off x="393700" y="139700"/>
-            <a:ext cx="8382000" cy="1028700"/>
+            <a:ext cx="9969500" cy="1028700"/>
           </a:xfrm>
           <a:prstGeom prst="rect">
             <a:avLst/>
@@ -9011,34 +10134,49 @@
               <a:defRPr/>
             </a:pPr>
             <a:r>
-              <a:rPr lang="en-US"/>
-              <a:t>6. KnowHow </a:t>
-            </a:r>
-            <a:r>
-              <a:rPr lang="ko-KR"/>
+              <a:rPr lang="en-US" dirty="0" smtClean="0"/>
+              <a:t>6-1. </a:t>
+            </a:r>
+            <a:r>
+              <a:rPr lang="en-US" dirty="0" err="1"/>
+              <a:t>KnowHow</a:t>
+            </a:r>
+            <a:r>
+              <a:rPr lang="en-US" dirty="0"/>
+              <a:t> </a:t>
+            </a:r>
+            <a:r>
+              <a:rPr lang="ko-KR" dirty="0"/>
               <a:t>공유</a:t>
             </a:r>
             <a:r>
-              <a:rPr lang="en-US"/>
+              <a:rPr lang="en-US" dirty="0"/>
               <a:t>(</a:t>
             </a:r>
             <a:r>
-              <a:rPr lang="ko-KR"/>
+              <a:rPr lang="ko-KR" dirty="0" smtClean="0"/>
               <a:t>이미지</a:t>
             </a:r>
             <a:r>
-              <a:rPr lang="en-US"/>
+              <a:rPr lang="en-US" altLang="ko-KR" dirty="0" smtClean="0"/>
               <a:t> </a:t>
             </a:r>
             <a:r>
-              <a:rPr lang="ko-KR"/>
+              <a:rPr lang="ko-KR" altLang="en-US" dirty="0" smtClean="0"/>
+              <a:t>임시</a:t>
+            </a:r>
+            <a:r>
+              <a:rPr lang="en-US" dirty="0" smtClean="0"/>
+              <a:t> </a:t>
+            </a:r>
+            <a:r>
+              <a:rPr lang="ko-KR" dirty="0"/>
               <a:t>처리</a:t>
             </a:r>
             <a:r>
-              <a:rPr lang="en-US"/>
+              <a:rPr lang="en-US" dirty="0"/>
               <a:t>)</a:t>
             </a:r>
-            <a:endParaRPr lang="en-US"/>
           </a:p>
         </p:txBody>
       </p:sp>
@@ -9399,11 +10537,6 @@
               </a:rPr>
               <a:t>임시저장</a:t>
             </a:r>
-            <a:endParaRPr lang="ko-KR" altLang="en-US" sz="4000">
-              <a:latin typeface="THE슈가슈크림M"/>
-              <a:ea typeface="THE슈가슈크림M"/>
-              <a:cs typeface="+mn-cs"/>
-            </a:endParaRPr>
           </a:p>
         </p:txBody>
       </p:sp>
@@ -9440,11 +10573,6 @@
               </a:rPr>
               <a:t>데이터 저장시</a:t>
             </a:r>
-            <a:endParaRPr lang="ko-KR" altLang="en-US" sz="4000">
-              <a:latin typeface="THE슈가슈크림M"/>
-              <a:ea typeface="THE슈가슈크림M"/>
-              <a:cs typeface="+mn-cs"/>
-            </a:endParaRPr>
           </a:p>
         </p:txBody>
       </p:sp>
@@ -9481,11 +10609,6 @@
               </a:rPr>
               <a:t>파일 제어</a:t>
             </a:r>
-            <a:endParaRPr lang="ko-KR" altLang="en-US" sz="4000">
-              <a:latin typeface="THE슈가슈크림M"/>
-              <a:ea typeface="THE슈가슈크림M"/>
-              <a:cs typeface="+mn-cs"/>
-            </a:endParaRPr>
           </a:p>
         </p:txBody>
       </p:sp>
@@ -9508,13 +10631,26 @@
                 <a:tableStyleId>{5C22544A-7EE6-4342-B048-85BDC9FD1C3A}</a:tableStyleId>
               </a:tblPr>
               <a:tblGrid>
-                <a:gridCol w="1854200"/>
-                <a:gridCol w="1854200"/>
+                <a:gridCol w="1854200">
+                  <a:extLst>
+                    <a:ext uri="{9D8B030D-6E8A-4147-A177-3AD203B41FA5}">
+                      <a16:colId xmlns:a16="http://schemas.microsoft.com/office/drawing/2014/main" val="20000"/>
+                    </a:ext>
+                  </a:extLst>
+                </a:gridCol>
+                <a:gridCol w="1854200">
+                  <a:extLst>
+                    <a:ext uri="{9D8B030D-6E8A-4147-A177-3AD203B41FA5}">
+                      <a16:colId xmlns:a16="http://schemas.microsoft.com/office/drawing/2014/main" val="20001"/>
+                    </a:ext>
+                  </a:extLst>
+                </a:gridCol>
               </a:tblGrid>
               <a:tr h="370840">
                 <a:tc>
                   <a:txBody>
-                    <a:bodyPr vert="horz" lIns="91440" tIns="45720" rIns="91440" bIns="45720" anchor="t" anchorCtr="0"/>
+                    <a:bodyPr/>
+                    <a:lstStyle/>
                     <a:p>
                       <a:pPr latinLnBrk="1">
                         <a:defRPr/>
@@ -9526,11 +10662,12 @@
                       <a:endParaRPr lang="ko-KR" altLang="en-US"/>
                     </a:p>
                   </a:txBody>
-                  <a:tcPr marL="91440" marR="91440"/>
+                  <a:tcPr/>
                 </a:tc>
                 <a:tc>
                   <a:txBody>
-                    <a:bodyPr vert="horz" lIns="91440" tIns="45720" rIns="91440" bIns="45720" anchor="t" anchorCtr="0"/>
+                    <a:bodyPr/>
+                    <a:lstStyle/>
                     <a:p>
                       <a:pPr latinLnBrk="1">
                         <a:defRPr/>
@@ -9542,13 +10679,19 @@
                       <a:endParaRPr lang="ko-KR" altLang="en-US"/>
                     </a:p>
                   </a:txBody>
-                  <a:tcPr marL="91440" marR="91440"/>
+                  <a:tcPr/>
                 </a:tc>
+                <a:extLst>
+                  <a:ext uri="{0D108BD9-81ED-4DB2-BD59-A6C34878D82A}">
+                    <a16:rowId xmlns:a16="http://schemas.microsoft.com/office/drawing/2014/main" val="10000"/>
+                  </a:ext>
+                </a:extLst>
               </a:tr>
               <a:tr h="370840">
                 <a:tc>
                   <a:txBody>
-                    <a:bodyPr vert="horz" lIns="91440" tIns="45720" rIns="91440" bIns="45720" anchor="t" anchorCtr="0"/>
+                    <a:bodyPr/>
+                    <a:lstStyle/>
                     <a:p>
                       <a:pPr latinLnBrk="1">
                         <a:defRPr/>
@@ -9557,14 +10700,14 @@
                         <a:rPr lang="ko-KR" altLang="en-US"/>
                         <a:t>키 값</a:t>
                       </a:r>
-                      <a:endParaRPr lang="ko-KR" altLang="en-US"/>
                     </a:p>
                   </a:txBody>
-                  <a:tcPr marL="91440" marR="91440"/>
+                  <a:tcPr/>
                 </a:tc>
                 <a:tc>
                   <a:txBody>
-                    <a:bodyPr vert="horz" lIns="91440" tIns="45720" rIns="91440" bIns="45720" anchor="t" anchorCtr="0"/>
+                    <a:bodyPr/>
+                    <a:lstStyle/>
                     <a:p>
                       <a:pPr latinLnBrk="1">
                         <a:defRPr/>
@@ -9580,8 +10723,13 @@
                       <a:endParaRPr lang="ko-KR" altLang="en-US"/>
                     </a:p>
                   </a:txBody>
-                  <a:tcPr marL="91440" marR="91440"/>
+                  <a:tcPr/>
                 </a:tc>
+                <a:extLst>
+                  <a:ext uri="{0D108BD9-81ED-4DB2-BD59-A6C34878D82A}">
+                    <a16:rowId xmlns:a16="http://schemas.microsoft.com/office/drawing/2014/main" val="10001"/>
+                  </a:ext>
+                </a:extLst>
               </a:tr>
             </a:tbl>
           </a:graphicData>
@@ -9589,7 +10737,7 @@
       </p:graphicFrame>
       <p:pic>
         <p:nvPicPr>
-          <p:cNvPr id="26" name=""/>
+          <p:cNvPr id="26" name="그림 25"/>
           <p:cNvPicPr>
             <a:picLocks noChangeAspect="1"/>
           </p:cNvPicPr>
@@ -9613,7 +10761,7 @@
       </p:pic>
       <p:pic>
         <p:nvPicPr>
-          <p:cNvPr id="27" name=""/>
+          <p:cNvPr id="27" name="그림 26"/>
           <p:cNvPicPr>
             <a:picLocks noChangeAspect="1"/>
           </p:cNvPicPr>
@@ -9640,11 +10788,11 @@
   <p:clrMapOvr>
     <a:masterClrMapping/>
   </p:clrMapOvr>
-  <mc:AlternateContent xmlns:mc="http://schemas.openxmlformats.org/markup-compatibility/2006">
-    <mc:Choice xmlns:p14="http://schemas.microsoft.com/office/powerpoint/2010/main" Requires="p14">
-      <p:transition xmlns:mc="http://schemas.openxmlformats.org/markup-compatibility/2006" xmlns:p14="http://schemas.microsoft.com/office/powerpoint/2010/main" mc:Ignorable="p14" p14:dur="500"/>
+  <mc:AlternateContent xmlns:mc="http://schemas.openxmlformats.org/markup-compatibility/2006" xmlns:p14="http://schemas.microsoft.com/office/powerpoint/2010/main">
+    <mc:Choice Requires="p14">
+      <p:transition/>
     </mc:Choice>
-    <mc:Fallback>
+    <mc:Fallback xmlns:dsp="http://schemas.microsoft.com/office/drawing/2008/diagram" xmlns:dgm="http://schemas.openxmlformats.org/drawingml/2006/diagram" xmlns:c="http://schemas.openxmlformats.org/drawingml/2006/chart" xmlns="">
       <p:transition/>
     </mc:Fallback>
   </mc:AlternateContent>
@@ -9740,6 +10888,33 @@
                                   </p:childTnLst>
                                 </p:cTn>
                               </p:par>
+                              <p:par>
+                                <p:cTn id="11" presetID="1" presetClass="exit" presetSubtype="0" fill="hold" nodeType="withEffect">
+                                  <p:stCondLst>
+                                    <p:cond delay="0"/>
+                                  </p:stCondLst>
+                                  <p:childTnLst>
+                                    <p:set>
+                                      <p:cBhvr>
+                                        <p:cTn id="12" dur="1" fill="hold">
+                                          <p:stCondLst>
+                                            <p:cond delay="0"/>
+                                          </p:stCondLst>
+                                        </p:cTn>
+                                        <p:tgtEl>
+                                          <p:spTgt spid="26"/>
+                                        </p:tgtEl>
+                                        <p:attrNameLst>
+                                          <p:attrName>style.visibility</p:attrName>
+                                        </p:attrNameLst>
+                                      </p:cBhvr>
+                                      <p:to>
+                                        <p:strVal val="hidden"/>
+                                      </p:to>
+                                    </p:set>
+                                  </p:childTnLst>
+                                </p:cTn>
+                              </p:par>
                             </p:childTnLst>
                           </p:cTn>
                         </p:par>
@@ -10487,14 +11662,14 @@
           <p:nvPr>
             <p:extLst>
               <p:ext uri="{D42A27DB-BD31-4B8C-83A1-F6EECF244321}">
-                <p14:modId xmlns:p14="http://schemas.microsoft.com/office/powerpoint/2010/main" val="83211181"/>
+                <p14:modId xmlns:p14="http://schemas.microsoft.com/office/powerpoint/2010/main" val="571868594"/>
               </p:ext>
             </p:extLst>
           </p:nvPr>
         </p:nvGraphicFramePr>
         <p:xfrm>
           <a:off x="12420600" y="2933700"/>
-          <a:ext cx="3708400" cy="2595880"/>
+          <a:ext cx="4419600" cy="2595880"/>
         </p:xfrm>
         <a:graphic>
           <a:graphicData uri="http://schemas.openxmlformats.org/drawingml/2006/table">
@@ -10503,14 +11678,14 @@
                 <a:tableStyleId>{5C22544A-7EE6-4342-B048-85BDC9FD1C3A}</a:tableStyleId>
               </a:tblPr>
               <a:tblGrid>
-                <a:gridCol w="1854200">
+                <a:gridCol w="1143000">
                   <a:extLst>
                     <a:ext uri="{9D8B030D-6E8A-4147-A177-3AD203B41FA5}">
                       <a16:colId xmlns:a16="http://schemas.microsoft.com/office/drawing/2014/main" val="330472678"/>
                     </a:ext>
                   </a:extLst>
                 </a:gridCol>
-                <a:gridCol w="1854200">
+                <a:gridCol w="3276600">
                   <a:extLst>
                     <a:ext uri="{9D8B030D-6E8A-4147-A177-3AD203B41FA5}">
                       <a16:colId xmlns:a16="http://schemas.microsoft.com/office/drawing/2014/main" val="1898120467"/>
@@ -10563,12 +11738,394 @@
                     <a:p>
                       <a:pPr latinLnBrk="1"/>
                       <a:r>
-                        <a:rPr lang="ko-KR" altLang="en-US" smtClean="0"/>
+                        <a:rPr lang="en-US" altLang="ko-KR" dirty="0" smtClean="0"/>
+                        <a:t>Image1_1</a:t>
+                      </a:r>
+                      <a:endParaRPr lang="ko-KR" altLang="en-US" dirty="0"/>
+                    </a:p>
+                  </a:txBody>
+                  <a:tcPr/>
+                </a:tc>
+                <a:tc>
+                  <a:txBody>
+                    <a:bodyPr/>
+                    <a:lstStyle/>
+                    <a:p>
+                      <a:pPr marL="0" marR="0" lvl="0" indent="0" algn="l" defTabSz="914400" rtl="0" eaLnBrk="1" fontAlgn="auto" latinLnBrk="1" hangingPunct="1">
+                        <a:lnSpc>
+                          <a:spcPct val="100000"/>
+                        </a:lnSpc>
+                        <a:spcBef>
+                          <a:spcPts val="0"/>
+                        </a:spcBef>
+                        <a:spcAft>
+                          <a:spcPts val="0"/>
+                        </a:spcAft>
+                        <a:buClrTx/>
+                        <a:buSzTx/>
+                        <a:buFontTx/>
+                        <a:buNone/>
+                        <a:tabLst/>
+                        <a:defRPr/>
+                      </a:pPr>
+                      <a:r>
+                        <a:rPr kumimoji="0" lang="ko-KR" altLang="en-US" sz="1800" b="0" i="0" u="none" strike="noStrike" kern="1200" cap="none" spc="0" normalizeH="0" baseline="0" noProof="0" smtClean="0">
+                          <a:ln>
+                            <a:noFill/>
+                          </a:ln>
+                          <a:solidFill>
+                            <a:prstClr val="black"/>
+                          </a:solidFill>
+                          <a:effectLst/>
+                          <a:uLnTx/>
+                          <a:uFillTx/>
+                          <a:latin typeface="Calibri"/>
+                          <a:ea typeface="맑은 고딕" panose="020B0503020000020004" pitchFamily="50" charset="-127"/>
+                          <a:cs typeface="+mn-cs"/>
+                        </a:rPr>
                         <a:t>이미지</a:t>
                       </a:r>
                       <a:r>
-                        <a:rPr lang="en-US" altLang="ko-KR" smtClean="0"/>
+                        <a:rPr kumimoji="0" lang="en-US" altLang="ko-KR" sz="1800" b="0" i="0" u="none" strike="noStrike" kern="1200" cap="none" spc="0" normalizeH="0" baseline="0" noProof="0" smtClean="0">
+                          <a:ln>
+                            <a:noFill/>
+                          </a:ln>
+                          <a:solidFill>
+                            <a:prstClr val="black"/>
+                          </a:solidFill>
+                          <a:effectLst/>
+                          <a:uLnTx/>
+                          <a:uFillTx/>
+                          <a:latin typeface="Calibri"/>
+                          <a:ea typeface="맑은 고딕" panose="020B0503020000020004" pitchFamily="50" charset="-127"/>
+                          <a:cs typeface="+mn-cs"/>
+                        </a:rPr>
                         <a:t>1</a:t>
+                      </a:r>
+                      <a:r>
+                        <a:rPr kumimoji="0" lang="ko-KR" altLang="en-US" sz="1800" b="0" i="0" u="none" strike="noStrike" kern="1200" cap="none" spc="0" normalizeH="0" baseline="0" noProof="0" smtClean="0">
+                          <a:ln>
+                            <a:noFill/>
+                          </a:ln>
+                          <a:solidFill>
+                            <a:prstClr val="black"/>
+                          </a:solidFill>
+                          <a:effectLst/>
+                          <a:uLnTx/>
+                          <a:uFillTx/>
+                          <a:latin typeface="Calibri"/>
+                          <a:ea typeface="맑은 고딕" panose="020B0503020000020004" pitchFamily="50" charset="-127"/>
+                          <a:cs typeface="+mn-cs"/>
+                        </a:rPr>
+                        <a:t>의 </a:t>
+                      </a:r>
+                      <a:r>
+                        <a:rPr kumimoji="0" lang="en-US" altLang="ko-KR" sz="1800" b="0" i="0" u="none" strike="noStrike" kern="1200" cap="none" spc="0" normalizeH="0" baseline="0" noProof="0" smtClean="0">
+                          <a:ln>
+                            <a:noFill/>
+                          </a:ln>
+                          <a:solidFill>
+                            <a:prstClr val="black"/>
+                          </a:solidFill>
+                          <a:effectLst/>
+                          <a:uLnTx/>
+                          <a:uFillTx/>
+                          <a:latin typeface="Calibri"/>
+                          <a:ea typeface="맑은 고딕" panose="020B0503020000020004" pitchFamily="50" charset="-127"/>
+                          <a:cs typeface="+mn-cs"/>
+                        </a:rPr>
+                        <a:t>1</a:t>
+                      </a:r>
+                      <a:r>
+                        <a:rPr kumimoji="0" lang="ko-KR" altLang="en-US" sz="1800" b="0" i="0" u="none" strike="noStrike" kern="1200" cap="none" spc="0" normalizeH="0" baseline="0" noProof="0" smtClean="0">
+                          <a:ln>
+                            <a:noFill/>
+                          </a:ln>
+                          <a:solidFill>
+                            <a:prstClr val="black"/>
+                          </a:solidFill>
+                          <a:effectLst/>
+                          <a:uLnTx/>
+                          <a:uFillTx/>
+                          <a:latin typeface="Calibri"/>
+                          <a:ea typeface="맑은 고딕" panose="020B0503020000020004" pitchFamily="50" charset="-127"/>
+                          <a:cs typeface="+mn-cs"/>
+                        </a:rPr>
+                        <a:t>번째 이미지 </a:t>
+                      </a:r>
+                      <a:r>
+                        <a:rPr kumimoji="0" lang="en-US" altLang="ko-KR" sz="1800" b="0" i="0" u="none" strike="noStrike" kern="1200" cap="none" spc="0" normalizeH="0" baseline="0" noProof="0" smtClean="0">
+                          <a:ln>
+                            <a:noFill/>
+                          </a:ln>
+                          <a:solidFill>
+                            <a:prstClr val="black"/>
+                          </a:solidFill>
+                          <a:effectLst/>
+                          <a:uLnTx/>
+                          <a:uFillTx/>
+                          <a:latin typeface="Calibri"/>
+                          <a:ea typeface="맑은 고딕" panose="020B0503020000020004" pitchFamily="50" charset="-127"/>
+                          <a:cs typeface="+mn-cs"/>
+                        </a:rPr>
+                        <a:t>URL</a:t>
+                      </a:r>
+                      <a:endParaRPr kumimoji="0" lang="ko-KR" altLang="en-US" sz="1800" b="0" i="0" u="none" strike="noStrike" kern="1200" cap="none" spc="0" normalizeH="0" baseline="0" noProof="0" dirty="0">
+                        <a:ln>
+                          <a:noFill/>
+                        </a:ln>
+                        <a:solidFill>
+                          <a:prstClr val="black"/>
+                        </a:solidFill>
+                        <a:effectLst/>
+                        <a:uLnTx/>
+                        <a:uFillTx/>
+                        <a:latin typeface="Calibri"/>
+                        <a:ea typeface="맑은 고딕" panose="020B0503020000020004" pitchFamily="50" charset="-127"/>
+                        <a:cs typeface="+mn-cs"/>
+                      </a:endParaRPr>
+                    </a:p>
+                  </a:txBody>
+                  <a:tcPr/>
+                </a:tc>
+                <a:extLst>
+                  <a:ext uri="{0D108BD9-81ED-4DB2-BD59-A6C34878D82A}">
+                    <a16:rowId xmlns:a16="http://schemas.microsoft.com/office/drawing/2014/main" val="4257715316"/>
+                  </a:ext>
+                </a:extLst>
+              </a:tr>
+              <a:tr h="370840">
+                <a:tc>
+                  <a:txBody>
+                    <a:bodyPr/>
+                    <a:lstStyle/>
+                    <a:p>
+                      <a:pPr marL="0" marR="0" indent="0" algn="l" defTabSz="914400" rtl="0" eaLnBrk="1" fontAlgn="auto" latinLnBrk="1" hangingPunct="1">
+                        <a:lnSpc>
+                          <a:spcPct val="100000"/>
+                        </a:lnSpc>
+                        <a:spcBef>
+                          <a:spcPts val="0"/>
+                        </a:spcBef>
+                        <a:spcAft>
+                          <a:spcPts val="0"/>
+                        </a:spcAft>
+                        <a:buClrTx/>
+                        <a:buSzTx/>
+                        <a:buFontTx/>
+                        <a:buNone/>
+                        <a:tabLst/>
+                        <a:defRPr/>
+                      </a:pPr>
+                      <a:r>
+                        <a:rPr kumimoji="0" lang="en-US" altLang="ko-KR" sz="1800" b="0" i="0" u="none" strike="noStrike" kern="1200" cap="none" spc="0" normalizeH="0" baseline="0" noProof="0" dirty="0" smtClean="0">
+                          <a:ln>
+                            <a:noFill/>
+                          </a:ln>
+                          <a:solidFill>
+                            <a:prstClr val="black"/>
+                          </a:solidFill>
+                          <a:effectLst/>
+                          <a:uLnTx/>
+                          <a:uFillTx/>
+                          <a:latin typeface="Calibri"/>
+                          <a:ea typeface="맑은 고딕" panose="020B0503020000020004" pitchFamily="50" charset="-127"/>
+                          <a:cs typeface="+mn-cs"/>
+                        </a:rPr>
+                        <a:t>Image1_2</a:t>
+                      </a:r>
+                      <a:endParaRPr lang="ko-KR" altLang="en-US" dirty="0" smtClean="0"/>
+                    </a:p>
+                  </a:txBody>
+                  <a:tcPr/>
+                </a:tc>
+                <a:tc>
+                  <a:txBody>
+                    <a:bodyPr/>
+                    <a:lstStyle/>
+                    <a:p>
+                      <a:pPr marL="0" marR="0" lvl="0" indent="0" algn="l" defTabSz="914400" rtl="0" eaLnBrk="1" fontAlgn="auto" latinLnBrk="1" hangingPunct="1">
+                        <a:lnSpc>
+                          <a:spcPct val="100000"/>
+                        </a:lnSpc>
+                        <a:spcBef>
+                          <a:spcPts val="0"/>
+                        </a:spcBef>
+                        <a:spcAft>
+                          <a:spcPts val="0"/>
+                        </a:spcAft>
+                        <a:buClrTx/>
+                        <a:buSzTx/>
+                        <a:buFontTx/>
+                        <a:buNone/>
+                        <a:tabLst/>
+                        <a:defRPr/>
+                      </a:pPr>
+                      <a:r>
+                        <a:rPr kumimoji="0" lang="ko-KR" altLang="en-US" sz="1800" b="0" i="0" u="none" strike="noStrike" kern="1200" cap="none" spc="0" normalizeH="0" baseline="0" noProof="0" dirty="0" smtClean="0">
+                          <a:ln>
+                            <a:noFill/>
+                          </a:ln>
+                          <a:solidFill>
+                            <a:prstClr val="black"/>
+                          </a:solidFill>
+                          <a:effectLst/>
+                          <a:uLnTx/>
+                          <a:uFillTx/>
+                          <a:latin typeface="Calibri"/>
+                          <a:ea typeface="맑은 고딕" panose="020B0503020000020004" pitchFamily="50" charset="-127"/>
+                          <a:cs typeface="+mn-cs"/>
+                        </a:rPr>
+                        <a:t>이미지</a:t>
+                      </a:r>
+                      <a:r>
+                        <a:rPr kumimoji="0" lang="en-US" altLang="ko-KR" sz="1800" b="0" i="0" u="none" strike="noStrike" kern="1200" cap="none" spc="0" normalizeH="0" baseline="0" noProof="0" dirty="0" smtClean="0">
+                          <a:ln>
+                            <a:noFill/>
+                          </a:ln>
+                          <a:solidFill>
+                            <a:prstClr val="black"/>
+                          </a:solidFill>
+                          <a:effectLst/>
+                          <a:uLnTx/>
+                          <a:uFillTx/>
+                          <a:latin typeface="Calibri"/>
+                          <a:ea typeface="맑은 고딕" panose="020B0503020000020004" pitchFamily="50" charset="-127"/>
+                          <a:cs typeface="+mn-cs"/>
+                        </a:rPr>
+                        <a:t>1</a:t>
+                      </a:r>
+                      <a:r>
+                        <a:rPr kumimoji="0" lang="ko-KR" altLang="en-US" sz="1800" b="0" i="0" u="none" strike="noStrike" kern="1200" cap="none" spc="0" normalizeH="0" baseline="0" noProof="0" dirty="0" smtClean="0">
+                          <a:ln>
+                            <a:noFill/>
+                          </a:ln>
+                          <a:solidFill>
+                            <a:prstClr val="black"/>
+                          </a:solidFill>
+                          <a:effectLst/>
+                          <a:uLnTx/>
+                          <a:uFillTx/>
+                          <a:latin typeface="Calibri"/>
+                          <a:ea typeface="맑은 고딕" panose="020B0503020000020004" pitchFamily="50" charset="-127"/>
+                          <a:cs typeface="+mn-cs"/>
+                        </a:rPr>
+                        <a:t>의 </a:t>
+                      </a:r>
+                      <a:r>
+                        <a:rPr kumimoji="0" lang="en-US" altLang="ko-KR" sz="1800" b="0" i="0" u="none" strike="noStrike" kern="1200" cap="none" spc="0" normalizeH="0" baseline="0" noProof="0" dirty="0" smtClean="0">
+                          <a:ln>
+                            <a:noFill/>
+                          </a:ln>
+                          <a:solidFill>
+                            <a:prstClr val="black"/>
+                          </a:solidFill>
+                          <a:effectLst/>
+                          <a:uLnTx/>
+                          <a:uFillTx/>
+                          <a:latin typeface="Calibri"/>
+                          <a:ea typeface="맑은 고딕" panose="020B0503020000020004" pitchFamily="50" charset="-127"/>
+                          <a:cs typeface="+mn-cs"/>
+                        </a:rPr>
+                        <a:t>2</a:t>
+                      </a:r>
+                      <a:r>
+                        <a:rPr kumimoji="0" lang="ko-KR" altLang="en-US" sz="1800" b="0" i="0" u="none" strike="noStrike" kern="1200" cap="none" spc="0" normalizeH="0" baseline="0" noProof="0" dirty="0" smtClean="0">
+                          <a:ln>
+                            <a:noFill/>
+                          </a:ln>
+                          <a:solidFill>
+                            <a:prstClr val="black"/>
+                          </a:solidFill>
+                          <a:effectLst/>
+                          <a:uLnTx/>
+                          <a:uFillTx/>
+                          <a:latin typeface="Calibri"/>
+                          <a:ea typeface="맑은 고딕" panose="020B0503020000020004" pitchFamily="50" charset="-127"/>
+                          <a:cs typeface="+mn-cs"/>
+                        </a:rPr>
+                        <a:t>번째 이미지 </a:t>
+                      </a:r>
+                      <a:r>
+                        <a:rPr kumimoji="0" lang="en-US" altLang="ko-KR" sz="1800" b="0" i="0" u="none" strike="noStrike" kern="1200" cap="none" spc="0" normalizeH="0" baseline="0" noProof="0" dirty="0" smtClean="0">
+                          <a:ln>
+                            <a:noFill/>
+                          </a:ln>
+                          <a:solidFill>
+                            <a:prstClr val="black"/>
+                          </a:solidFill>
+                          <a:effectLst/>
+                          <a:uLnTx/>
+                          <a:uFillTx/>
+                          <a:latin typeface="Calibri"/>
+                          <a:ea typeface="맑은 고딕" panose="020B0503020000020004" pitchFamily="50" charset="-127"/>
+                          <a:cs typeface="+mn-cs"/>
+                        </a:rPr>
+                        <a:t>URL</a:t>
+                      </a:r>
+                      <a:endParaRPr kumimoji="0" lang="ko-KR" altLang="en-US" sz="1800" b="0" i="0" u="none" strike="noStrike" kern="1200" cap="none" spc="0" normalizeH="0" baseline="0" noProof="0" dirty="0">
+                        <a:ln>
+                          <a:noFill/>
+                        </a:ln>
+                        <a:solidFill>
+                          <a:prstClr val="black"/>
+                        </a:solidFill>
+                        <a:effectLst/>
+                        <a:uLnTx/>
+                        <a:uFillTx/>
+                        <a:latin typeface="Calibri"/>
+                        <a:ea typeface="맑은 고딕" panose="020B0503020000020004" pitchFamily="50" charset="-127"/>
+                        <a:cs typeface="+mn-cs"/>
+                      </a:endParaRPr>
+                    </a:p>
+                  </a:txBody>
+                  <a:tcPr/>
+                </a:tc>
+                <a:extLst>
+                  <a:ext uri="{0D108BD9-81ED-4DB2-BD59-A6C34878D82A}">
+                    <a16:rowId xmlns:a16="http://schemas.microsoft.com/office/drawing/2014/main" val="1935101435"/>
+                  </a:ext>
+                </a:extLst>
+              </a:tr>
+              <a:tr h="370840">
+                <a:tc>
+                  <a:txBody>
+                    <a:bodyPr/>
+                    <a:lstStyle/>
+                    <a:p>
+                      <a:pPr marL="0" marR="0" indent="0" algn="l" defTabSz="914400" rtl="0" eaLnBrk="1" fontAlgn="auto" latinLnBrk="1" hangingPunct="1">
+                        <a:lnSpc>
+                          <a:spcPct val="100000"/>
+                        </a:lnSpc>
+                        <a:spcBef>
+                          <a:spcPts val="0"/>
+                        </a:spcBef>
+                        <a:spcAft>
+                          <a:spcPts val="0"/>
+                        </a:spcAft>
+                        <a:buClrTx/>
+                        <a:buSzTx/>
+                        <a:buFontTx/>
+                        <a:buNone/>
+                        <a:tabLst/>
+                        <a:defRPr/>
+                      </a:pPr>
+                      <a:r>
+                        <a:rPr kumimoji="0" lang="en-US" altLang="ko-KR" sz="1800" b="0" i="0" u="none" strike="noStrike" kern="1200" cap="none" spc="0" normalizeH="0" baseline="0" noProof="0" dirty="0" smtClean="0">
+                          <a:ln>
+                            <a:noFill/>
+                          </a:ln>
+                          <a:solidFill>
+                            <a:prstClr val="black"/>
+                          </a:solidFill>
+                          <a:effectLst/>
+                          <a:uLnTx/>
+                          <a:uFillTx/>
+                          <a:latin typeface="Calibri"/>
+                          <a:ea typeface="맑은 고딕" panose="020B0503020000020004" pitchFamily="50" charset="-127"/>
+                          <a:cs typeface="+mn-cs"/>
+                        </a:rPr>
+                        <a:t>Image1_3</a:t>
                       </a:r>
                       <a:endParaRPr lang="ko-KR" altLang="en-US" dirty="0"/>
                     </a:p>
@@ -10646,7 +12203,41 @@
                           <a:ea typeface="맑은 고딕" panose="020B0503020000020004" pitchFamily="50" charset="-127"/>
                           <a:cs typeface="+mn-cs"/>
                         </a:rPr>
-                        <a:t> </a:t>
+                        <a:t>의 </a:t>
+                      </a:r>
+                      <a:r>
+                        <a:rPr kumimoji="0" lang="en-US" altLang="ko-KR" sz="1800" b="0" i="0" u="none" strike="noStrike" kern="1200" cap="none" spc="0" normalizeH="0" baseline="0" noProof="0" dirty="0" smtClean="0">
+                          <a:ln>
+                            <a:noFill/>
+                          </a:ln>
+                          <a:solidFill>
+                            <a:prstClr val="black"/>
+                          </a:solidFill>
+                          <a:effectLst/>
+                          <a:uLnTx/>
+                          <a:uFillTx/>
+                          <a:latin typeface="Calibri"/>
+                          <a:ea typeface="맑은 고딕" panose="020B0503020000020004" pitchFamily="50" charset="-127"/>
+                          <a:cs typeface="+mn-cs"/>
+                        </a:rPr>
+                        <a:t>3</a:t>
+                      </a:r>
+                      <a:r>
+                        <a:rPr kumimoji="0" lang="ko-KR" altLang="en-US" sz="1800" b="0" i="0" u="none" strike="noStrike" kern="1200" cap="none" spc="0" normalizeH="0" baseline="0" noProof="0" dirty="0" smtClean="0">
+                          <a:ln>
+                            <a:noFill/>
+                          </a:ln>
+                          <a:solidFill>
+                            <a:prstClr val="black"/>
+                          </a:solidFill>
+                          <a:effectLst/>
+                          <a:uLnTx/>
+                          <a:uFillTx/>
+                          <a:latin typeface="Calibri"/>
+                          <a:ea typeface="맑은 고딕" panose="020B0503020000020004" pitchFamily="50" charset="-127"/>
+                          <a:cs typeface="+mn-cs"/>
+                        </a:rPr>
+                        <a:t>번째 이미지 </a:t>
                       </a:r>
                       <a:r>
                         <a:rPr kumimoji="0" lang="en-US" altLang="ko-KR" sz="1800" b="0" i="0" u="none" strike="noStrike" kern="1200" cap="none" spc="0" normalizeH="0" baseline="0" noProof="0" dirty="0" smtClean="0">
@@ -10685,7 +12276,7 @@
                 </a:tc>
                 <a:extLst>
                   <a:ext uri="{0D108BD9-81ED-4DB2-BD59-A6C34878D82A}">
-                    <a16:rowId xmlns:a16="http://schemas.microsoft.com/office/drawing/2014/main" val="4257715316"/>
+                    <a16:rowId xmlns:a16="http://schemas.microsoft.com/office/drawing/2014/main" val="3667243035"/>
                   </a:ext>
                 </a:extLst>
               </a:tr>
@@ -10695,75 +12286,7 @@
                     <a:bodyPr/>
                     <a:lstStyle/>
                     <a:p>
-                      <a:pPr marL="0" marR="0" indent="0" algn="l" defTabSz="914400" rtl="0" eaLnBrk="1" fontAlgn="auto" latinLnBrk="1" hangingPunct="1">
-                        <a:lnSpc>
-                          <a:spcPct val="100000"/>
-                        </a:lnSpc>
-                        <a:spcBef>
-                          <a:spcPts val="0"/>
-                        </a:spcBef>
-                        <a:spcAft>
-                          <a:spcPts val="0"/>
-                        </a:spcAft>
-                        <a:buClrTx/>
-                        <a:buSzTx/>
-                        <a:buFontTx/>
-                        <a:buNone/>
-                        <a:tabLst/>
-                        <a:defRPr/>
-                      </a:pPr>
-                      <a:r>
-                        <a:rPr lang="ko-KR" altLang="en-US" smtClean="0"/>
-                        <a:t>이미지</a:t>
-                      </a:r>
-                      <a:r>
-                        <a:rPr lang="en-US" altLang="ko-KR" smtClean="0"/>
-                        <a:t>2</a:t>
-                      </a:r>
-                      <a:endParaRPr lang="ko-KR" altLang="en-US" dirty="0" smtClean="0"/>
-                    </a:p>
-                  </a:txBody>
-                  <a:tcPr/>
-                </a:tc>
-                <a:tc>
-                  <a:txBody>
-                    <a:bodyPr/>
-                    <a:lstStyle/>
-                    <a:p>
-                      <a:pPr marL="0" marR="0" lvl="0" indent="0" algn="l" defTabSz="914400" rtl="0" eaLnBrk="1" fontAlgn="auto" latinLnBrk="1" hangingPunct="1">
-                        <a:lnSpc>
-                          <a:spcPct val="100000"/>
-                        </a:lnSpc>
-                        <a:spcBef>
-                          <a:spcPts val="0"/>
-                        </a:spcBef>
-                        <a:spcAft>
-                          <a:spcPts val="0"/>
-                        </a:spcAft>
-                        <a:buClrTx/>
-                        <a:buSzTx/>
-                        <a:buFontTx/>
-                        <a:buNone/>
-                        <a:tabLst/>
-                        <a:defRPr/>
-                      </a:pPr>
-                      <a:r>
-                        <a:rPr kumimoji="0" lang="ko-KR" altLang="en-US" sz="1800" b="0" i="0" u="none" strike="noStrike" kern="1200" cap="none" spc="0" normalizeH="0" baseline="0" noProof="0" dirty="0" smtClean="0">
-                          <a:ln>
-                            <a:noFill/>
-                          </a:ln>
-                          <a:solidFill>
-                            <a:prstClr val="black"/>
-                          </a:solidFill>
-                          <a:effectLst/>
-                          <a:uLnTx/>
-                          <a:uFillTx/>
-                          <a:latin typeface="Calibri"/>
-                          <a:ea typeface="맑은 고딕" panose="020B0503020000020004" pitchFamily="50" charset="-127"/>
-                          <a:cs typeface="+mn-cs"/>
-                        </a:rPr>
-                        <a:t>이미지</a:t>
-                      </a:r>
+                      <a:pPr latinLnBrk="1"/>
                       <a:r>
                         <a:rPr kumimoji="0" lang="en-US" altLang="ko-KR" sz="1800" b="0" i="0" u="none" strike="noStrike" kern="1200" cap="none" spc="0" normalizeH="0" baseline="0" noProof="0" dirty="0" smtClean="0">
                           <a:ln>
@@ -10779,122 +12302,7 @@
                           <a:ea typeface="맑은 고딕" panose="020B0503020000020004" pitchFamily="50" charset="-127"/>
                           <a:cs typeface="+mn-cs"/>
                         </a:rPr>
-                        <a:t>2</a:t>
-                      </a:r>
-                      <a:r>
-                        <a:rPr kumimoji="0" lang="ko-KR" altLang="en-US" sz="1800" b="0" i="0" u="none" strike="noStrike" kern="1200" cap="none" spc="0" normalizeH="0" baseline="0" noProof="0" dirty="0" smtClean="0">
-                          <a:ln>
-                            <a:noFill/>
-                          </a:ln>
-                          <a:solidFill>
-                            <a:prstClr val="black"/>
-                          </a:solidFill>
-                          <a:effectLst/>
-                          <a:uLnTx/>
-                          <a:uFillTx/>
-                          <a:latin typeface="Calibri"/>
-                          <a:ea typeface="맑은 고딕" panose="020B0503020000020004" pitchFamily="50" charset="-127"/>
-                          <a:cs typeface="+mn-cs"/>
-                        </a:rPr>
-                        <a:t> </a:t>
-                      </a:r>
-                      <a:r>
-                        <a:rPr kumimoji="0" lang="en-US" altLang="ko-KR" sz="1800" b="0" i="0" u="none" strike="noStrike" kern="1200" cap="none" spc="0" normalizeH="0" baseline="0" noProof="0" dirty="0" smtClean="0">
-                          <a:ln>
-                            <a:noFill/>
-                          </a:ln>
-                          <a:solidFill>
-                            <a:prstClr val="black"/>
-                          </a:solidFill>
-                          <a:effectLst/>
-                          <a:uLnTx/>
-                          <a:uFillTx/>
-                          <a:latin typeface="Calibri"/>
-                          <a:ea typeface="맑은 고딕" panose="020B0503020000020004" pitchFamily="50" charset="-127"/>
-                          <a:cs typeface="+mn-cs"/>
-                        </a:rPr>
-                        <a:t>URL</a:t>
-                      </a:r>
-                      <a:endParaRPr kumimoji="0" lang="ko-KR" altLang="en-US" sz="1800" b="0" i="0" u="none" strike="noStrike" kern="1200" cap="none" spc="0" normalizeH="0" baseline="0" noProof="0" dirty="0">
-                        <a:ln>
-                          <a:noFill/>
-                        </a:ln>
-                        <a:solidFill>
-                          <a:prstClr val="black"/>
-                        </a:solidFill>
-                        <a:effectLst/>
-                        <a:uLnTx/>
-                        <a:uFillTx/>
-                        <a:latin typeface="Calibri"/>
-                        <a:ea typeface="맑은 고딕" panose="020B0503020000020004" pitchFamily="50" charset="-127"/>
-                        <a:cs typeface="+mn-cs"/>
-                      </a:endParaRPr>
-                    </a:p>
-                  </a:txBody>
-                  <a:tcPr/>
-                </a:tc>
-                <a:extLst>
-                  <a:ext uri="{0D108BD9-81ED-4DB2-BD59-A6C34878D82A}">
-                    <a16:rowId xmlns:a16="http://schemas.microsoft.com/office/drawing/2014/main" val="1935101435"/>
-                  </a:ext>
-                </a:extLst>
-              </a:tr>
-              <a:tr h="370840">
-                <a:tc>
-                  <a:txBody>
-                    <a:bodyPr/>
-                    <a:lstStyle/>
-                    <a:p>
-                      <a:pPr marL="0" marR="0" indent="0" algn="l" defTabSz="914400" rtl="0" eaLnBrk="1" fontAlgn="auto" latinLnBrk="1" hangingPunct="1">
-                        <a:lnSpc>
-                          <a:spcPct val="100000"/>
-                        </a:lnSpc>
-                        <a:spcBef>
-                          <a:spcPts val="0"/>
-                        </a:spcBef>
-                        <a:spcAft>
-                          <a:spcPts val="0"/>
-                        </a:spcAft>
-                        <a:buClrTx/>
-                        <a:buSzTx/>
-                        <a:buFontTx/>
-                        <a:buNone/>
-                        <a:tabLst/>
-                        <a:defRPr/>
-                      </a:pPr>
-                      <a:r>
-                        <a:rPr kumimoji="0" lang="ko-KR" altLang="en-US" sz="1800" b="0" i="0" u="none" strike="noStrike" kern="1200" cap="none" spc="0" normalizeH="0" baseline="0" noProof="0" dirty="0" smtClean="0">
-                          <a:ln>
-                            <a:noFill/>
-                          </a:ln>
-                          <a:solidFill>
-                            <a:prstClr val="black"/>
-                          </a:solidFill>
-                          <a:effectLst/>
-                          <a:uLnTx/>
-                          <a:uFillTx/>
-                          <a:latin typeface="Calibri"/>
-                          <a:ea typeface="맑은 고딕" panose="020B0503020000020004" pitchFamily="50" charset="-127"/>
-                          <a:cs typeface="+mn-cs"/>
-                        </a:rPr>
-                        <a:t>이미지</a:t>
-                      </a:r>
-                      <a:r>
-                        <a:rPr kumimoji="0" lang="en-US" altLang="ko-KR" sz="1800" b="0" i="0" u="none" strike="noStrike" kern="1200" cap="none" spc="0" normalizeH="0" baseline="0" noProof="0" dirty="0" smtClean="0">
-                          <a:ln>
-                            <a:noFill/>
-                          </a:ln>
-                          <a:solidFill>
-                            <a:prstClr val="black"/>
-                          </a:solidFill>
-                          <a:effectLst/>
-                          <a:uLnTx/>
-                          <a:uFillTx/>
-                          <a:latin typeface="Calibri"/>
-                          <a:ea typeface="맑은 고딕" panose="020B0503020000020004" pitchFamily="50" charset="-127"/>
-                          <a:cs typeface="+mn-cs"/>
-                        </a:rPr>
-                        <a:t>3</a:t>
+                        <a:t>Image1_4</a:t>
                       </a:r>
                       <a:endParaRPr lang="ko-KR" altLang="en-US" dirty="0"/>
                     </a:p>
@@ -10955,7 +12363,7 @@
                           <a:ea typeface="맑은 고딕" panose="020B0503020000020004" pitchFamily="50" charset="-127"/>
                           <a:cs typeface="+mn-cs"/>
                         </a:rPr>
-                        <a:t>3</a:t>
+                        <a:t>1</a:t>
                       </a:r>
                       <a:r>
                         <a:rPr kumimoji="0" lang="ko-KR" altLang="en-US" sz="1800" b="0" i="0" u="none" strike="noStrike" kern="1200" cap="none" spc="0" normalizeH="0" baseline="0" noProof="0" dirty="0" smtClean="0">
@@ -10972,7 +12380,41 @@
                           <a:ea typeface="맑은 고딕" panose="020B0503020000020004" pitchFamily="50" charset="-127"/>
                           <a:cs typeface="+mn-cs"/>
                         </a:rPr>
-                        <a:t> </a:t>
+                        <a:t>의 </a:t>
+                      </a:r>
+                      <a:r>
+                        <a:rPr kumimoji="0" lang="en-US" altLang="ko-KR" sz="1800" b="0" i="0" u="none" strike="noStrike" kern="1200" cap="none" spc="0" normalizeH="0" baseline="0" noProof="0" dirty="0" smtClean="0">
+                          <a:ln>
+                            <a:noFill/>
+                          </a:ln>
+                          <a:solidFill>
+                            <a:prstClr val="black"/>
+                          </a:solidFill>
+                          <a:effectLst/>
+                          <a:uLnTx/>
+                          <a:uFillTx/>
+                          <a:latin typeface="Calibri"/>
+                          <a:ea typeface="맑은 고딕" panose="020B0503020000020004" pitchFamily="50" charset="-127"/>
+                          <a:cs typeface="+mn-cs"/>
+                        </a:rPr>
+                        <a:t>4</a:t>
+                      </a:r>
+                      <a:r>
+                        <a:rPr kumimoji="0" lang="ko-KR" altLang="en-US" sz="1800" b="0" i="0" u="none" strike="noStrike" kern="1200" cap="none" spc="0" normalizeH="0" baseline="0" noProof="0" dirty="0" smtClean="0">
+                          <a:ln>
+                            <a:noFill/>
+                          </a:ln>
+                          <a:solidFill>
+                            <a:prstClr val="black"/>
+                          </a:solidFill>
+                          <a:effectLst/>
+                          <a:uLnTx/>
+                          <a:uFillTx/>
+                          <a:latin typeface="Calibri"/>
+                          <a:ea typeface="맑은 고딕" panose="020B0503020000020004" pitchFamily="50" charset="-127"/>
+                          <a:cs typeface="+mn-cs"/>
+                        </a:rPr>
+                        <a:t>번째 이미지 </a:t>
                       </a:r>
                       <a:r>
                         <a:rPr kumimoji="0" lang="en-US" altLang="ko-KR" sz="1800" b="0" i="0" u="none" strike="noStrike" kern="1200" cap="none" spc="0" normalizeH="0" baseline="0" noProof="0" dirty="0" smtClean="0">
@@ -11011,7 +12453,7 @@
                 </a:tc>
                 <a:extLst>
                   <a:ext uri="{0D108BD9-81ED-4DB2-BD59-A6C34878D82A}">
-                    <a16:rowId xmlns:a16="http://schemas.microsoft.com/office/drawing/2014/main" val="3667243035"/>
+                    <a16:rowId xmlns:a16="http://schemas.microsoft.com/office/drawing/2014/main" val="1294326716"/>
                   </a:ext>
                 </a:extLst>
               </a:tr>
@@ -11022,23 +12464,6 @@
                     <a:lstStyle/>
                     <a:p>
                       <a:pPr latinLnBrk="1"/>
-                      <a:r>
-                        <a:rPr kumimoji="0" lang="ko-KR" altLang="en-US" sz="1800" b="0" i="0" u="none" strike="noStrike" kern="1200" cap="none" spc="0" normalizeH="0" baseline="0" noProof="0" dirty="0" smtClean="0">
-                          <a:ln>
-                            <a:noFill/>
-                          </a:ln>
-                          <a:solidFill>
-                            <a:prstClr val="black"/>
-                          </a:solidFill>
-                          <a:effectLst/>
-                          <a:uLnTx/>
-                          <a:uFillTx/>
-                          <a:latin typeface="Calibri"/>
-                          <a:ea typeface="맑은 고딕" panose="020B0503020000020004" pitchFamily="50" charset="-127"/>
-                          <a:cs typeface="+mn-cs"/>
-                        </a:rPr>
-                        <a:t>이미지</a:t>
-                      </a:r>
                       <a:r>
                         <a:rPr kumimoji="0" lang="en-US" altLang="ko-KR" sz="1800" b="0" i="0" u="none" strike="noStrike" kern="1200" cap="none" spc="0" normalizeH="0" baseline="0" noProof="0" dirty="0" smtClean="0">
                           <a:ln>
@@ -11054,7 +12479,7 @@
                           <a:ea typeface="맑은 고딕" panose="020B0503020000020004" pitchFamily="50" charset="-127"/>
                           <a:cs typeface="+mn-cs"/>
                         </a:rPr>
-                        <a:t>4</a:t>
+                        <a:t>Image1_5</a:t>
                       </a:r>
                       <a:endParaRPr lang="ko-KR" altLang="en-US" dirty="0"/>
                     </a:p>
@@ -11115,7 +12540,7 @@
                           <a:ea typeface="맑은 고딕" panose="020B0503020000020004" pitchFamily="50" charset="-127"/>
                           <a:cs typeface="+mn-cs"/>
                         </a:rPr>
-                        <a:t>4</a:t>
+                        <a:t>1</a:t>
                       </a:r>
                       <a:r>
                         <a:rPr kumimoji="0" lang="ko-KR" altLang="en-US" sz="1800" b="0" i="0" u="none" strike="noStrike" kern="1200" cap="none" spc="0" normalizeH="0" baseline="0" noProof="0" dirty="0" smtClean="0">
@@ -11132,7 +12557,41 @@
                           <a:ea typeface="맑은 고딕" panose="020B0503020000020004" pitchFamily="50" charset="-127"/>
                           <a:cs typeface="+mn-cs"/>
                         </a:rPr>
-                        <a:t> </a:t>
+                        <a:t>의 </a:t>
+                      </a:r>
+                      <a:r>
+                        <a:rPr kumimoji="0" lang="en-US" altLang="ko-KR" sz="1800" b="0" i="0" u="none" strike="noStrike" kern="1200" cap="none" spc="0" normalizeH="0" baseline="0" noProof="0" dirty="0" smtClean="0">
+                          <a:ln>
+                            <a:noFill/>
+                          </a:ln>
+                          <a:solidFill>
+                            <a:prstClr val="black"/>
+                          </a:solidFill>
+                          <a:effectLst/>
+                          <a:uLnTx/>
+                          <a:uFillTx/>
+                          <a:latin typeface="Calibri"/>
+                          <a:ea typeface="맑은 고딕" panose="020B0503020000020004" pitchFamily="50" charset="-127"/>
+                          <a:cs typeface="+mn-cs"/>
+                        </a:rPr>
+                        <a:t>5</a:t>
+                      </a:r>
+                      <a:r>
+                        <a:rPr kumimoji="0" lang="ko-KR" altLang="en-US" sz="1800" b="0" i="0" u="none" strike="noStrike" kern="1200" cap="none" spc="0" normalizeH="0" baseline="0" noProof="0" dirty="0" smtClean="0">
+                          <a:ln>
+                            <a:noFill/>
+                          </a:ln>
+                          <a:solidFill>
+                            <a:prstClr val="black"/>
+                          </a:solidFill>
+                          <a:effectLst/>
+                          <a:uLnTx/>
+                          <a:uFillTx/>
+                          <a:latin typeface="Calibri"/>
+                          <a:ea typeface="맑은 고딕" panose="020B0503020000020004" pitchFamily="50" charset="-127"/>
+                          <a:cs typeface="+mn-cs"/>
+                        </a:rPr>
+                        <a:t>번째 이미지 </a:t>
                       </a:r>
                       <a:r>
                         <a:rPr kumimoji="0" lang="en-US" altLang="ko-KR" sz="1800" b="0" i="0" u="none" strike="noStrike" kern="1200" cap="none" spc="0" normalizeH="0" baseline="0" noProof="0" dirty="0" smtClean="0">
@@ -11171,7 +12630,7 @@
                 </a:tc>
                 <a:extLst>
                   <a:ext uri="{0D108BD9-81ED-4DB2-BD59-A6C34878D82A}">
-                    <a16:rowId xmlns:a16="http://schemas.microsoft.com/office/drawing/2014/main" val="1294326716"/>
+                    <a16:rowId xmlns:a16="http://schemas.microsoft.com/office/drawing/2014/main" val="3012735406"/>
                   </a:ext>
                 </a:extLst>
               </a:tr>
@@ -11182,23 +12641,6 @@
                     <a:lstStyle/>
                     <a:p>
                       <a:pPr latinLnBrk="1"/>
-                      <a:r>
-                        <a:rPr kumimoji="0" lang="ko-KR" altLang="en-US" sz="1800" b="0" i="0" u="none" strike="noStrike" kern="1200" cap="none" spc="0" normalizeH="0" baseline="0" noProof="0" dirty="0" smtClean="0">
-                          <a:ln>
-                            <a:noFill/>
-                          </a:ln>
-                          <a:solidFill>
-                            <a:prstClr val="black"/>
-                          </a:solidFill>
-                          <a:effectLst/>
-                          <a:uLnTx/>
-                          <a:uFillTx/>
-                          <a:latin typeface="Calibri"/>
-                          <a:ea typeface="맑은 고딕" panose="020B0503020000020004" pitchFamily="50" charset="-127"/>
-                          <a:cs typeface="+mn-cs"/>
-                        </a:rPr>
-                        <a:t>이미지</a:t>
-                      </a:r>
                       <a:r>
                         <a:rPr kumimoji="0" lang="en-US" altLang="ko-KR" sz="1800" b="0" i="0" u="none" strike="noStrike" kern="1200" cap="none" spc="0" normalizeH="0" baseline="0" noProof="0" dirty="0" smtClean="0">
                           <a:ln>
@@ -11214,7 +12656,7 @@
                           <a:ea typeface="맑은 고딕" panose="020B0503020000020004" pitchFamily="50" charset="-127"/>
                           <a:cs typeface="+mn-cs"/>
                         </a:rPr>
-                        <a:t>5</a:t>
+                        <a:t>Image1_6</a:t>
                       </a:r>
                       <a:endParaRPr lang="ko-KR" altLang="en-US" dirty="0"/>
                     </a:p>
@@ -11275,7 +12717,7 @@
                           <a:ea typeface="맑은 고딕" panose="020B0503020000020004" pitchFamily="50" charset="-127"/>
                           <a:cs typeface="+mn-cs"/>
                         </a:rPr>
-                        <a:t>5</a:t>
+                        <a:t>1</a:t>
                       </a:r>
                       <a:r>
                         <a:rPr kumimoji="0" lang="ko-KR" altLang="en-US" sz="1800" b="0" i="0" u="none" strike="noStrike" kern="1200" cap="none" spc="0" normalizeH="0" baseline="0" noProof="0" dirty="0" smtClean="0">
@@ -11292,133 +12734,7 @@
                           <a:ea typeface="맑은 고딕" panose="020B0503020000020004" pitchFamily="50" charset="-127"/>
                           <a:cs typeface="+mn-cs"/>
                         </a:rPr>
-                        <a:t> </a:t>
-                      </a:r>
-                      <a:r>
-                        <a:rPr kumimoji="0" lang="en-US" altLang="ko-KR" sz="1800" b="0" i="0" u="none" strike="noStrike" kern="1200" cap="none" spc="0" normalizeH="0" baseline="0" noProof="0" dirty="0" smtClean="0">
-                          <a:ln>
-                            <a:noFill/>
-                          </a:ln>
-                          <a:solidFill>
-                            <a:prstClr val="black"/>
-                          </a:solidFill>
-                          <a:effectLst/>
-                          <a:uLnTx/>
-                          <a:uFillTx/>
-                          <a:latin typeface="Calibri"/>
-                          <a:ea typeface="맑은 고딕" panose="020B0503020000020004" pitchFamily="50" charset="-127"/>
-                          <a:cs typeface="+mn-cs"/>
-                        </a:rPr>
-                        <a:t>URL</a:t>
-                      </a:r>
-                      <a:endParaRPr kumimoji="0" lang="ko-KR" altLang="en-US" sz="1800" b="0" i="0" u="none" strike="noStrike" kern="1200" cap="none" spc="0" normalizeH="0" baseline="0" noProof="0" dirty="0">
-                        <a:ln>
-                          <a:noFill/>
-                        </a:ln>
-                        <a:solidFill>
-                          <a:prstClr val="black"/>
-                        </a:solidFill>
-                        <a:effectLst/>
-                        <a:uLnTx/>
-                        <a:uFillTx/>
-                        <a:latin typeface="Calibri"/>
-                        <a:ea typeface="맑은 고딕" panose="020B0503020000020004" pitchFamily="50" charset="-127"/>
-                        <a:cs typeface="+mn-cs"/>
-                      </a:endParaRPr>
-                    </a:p>
-                  </a:txBody>
-                  <a:tcPr/>
-                </a:tc>
-                <a:extLst>
-                  <a:ext uri="{0D108BD9-81ED-4DB2-BD59-A6C34878D82A}">
-                    <a16:rowId xmlns:a16="http://schemas.microsoft.com/office/drawing/2014/main" val="3012735406"/>
-                  </a:ext>
-                </a:extLst>
-              </a:tr>
-              <a:tr h="370840">
-                <a:tc>
-                  <a:txBody>
-                    <a:bodyPr/>
-                    <a:lstStyle/>
-                    <a:p>
-                      <a:pPr latinLnBrk="1"/>
-                      <a:r>
-                        <a:rPr kumimoji="0" lang="ko-KR" altLang="en-US" sz="1800" b="0" i="0" u="none" strike="noStrike" kern="1200" cap="none" spc="0" normalizeH="0" baseline="0" noProof="0" dirty="0" smtClean="0">
-                          <a:ln>
-                            <a:noFill/>
-                          </a:ln>
-                          <a:solidFill>
-                            <a:prstClr val="black"/>
-                          </a:solidFill>
-                          <a:effectLst/>
-                          <a:uLnTx/>
-                          <a:uFillTx/>
-                          <a:latin typeface="Calibri"/>
-                          <a:ea typeface="맑은 고딕" panose="020B0503020000020004" pitchFamily="50" charset="-127"/>
-                          <a:cs typeface="+mn-cs"/>
-                        </a:rPr>
-                        <a:t>이미지</a:t>
-                      </a:r>
-                      <a:r>
-                        <a:rPr kumimoji="0" lang="en-US" altLang="ko-KR" sz="1800" b="0" i="0" u="none" strike="noStrike" kern="1200" cap="none" spc="0" normalizeH="0" baseline="0" noProof="0" dirty="0" smtClean="0">
-                          <a:ln>
-                            <a:noFill/>
-                          </a:ln>
-                          <a:solidFill>
-                            <a:prstClr val="black"/>
-                          </a:solidFill>
-                          <a:effectLst/>
-                          <a:uLnTx/>
-                          <a:uFillTx/>
-                          <a:latin typeface="Calibri"/>
-                          <a:ea typeface="맑은 고딕" panose="020B0503020000020004" pitchFamily="50" charset="-127"/>
-                          <a:cs typeface="+mn-cs"/>
-                        </a:rPr>
-                        <a:t>6</a:t>
-                      </a:r>
-                      <a:endParaRPr lang="ko-KR" altLang="en-US" dirty="0"/>
-                    </a:p>
-                  </a:txBody>
-                  <a:tcPr/>
-                </a:tc>
-                <a:tc>
-                  <a:txBody>
-                    <a:bodyPr/>
-                    <a:lstStyle/>
-                    <a:p>
-                      <a:pPr marL="0" marR="0" lvl="0" indent="0" algn="l" defTabSz="914400" rtl="0" eaLnBrk="1" fontAlgn="auto" latinLnBrk="1" hangingPunct="1">
-                        <a:lnSpc>
-                          <a:spcPct val="100000"/>
-                        </a:lnSpc>
-                        <a:spcBef>
-                          <a:spcPts val="0"/>
-                        </a:spcBef>
-                        <a:spcAft>
-                          <a:spcPts val="0"/>
-                        </a:spcAft>
-                        <a:buClrTx/>
-                        <a:buSzTx/>
-                        <a:buFontTx/>
-                        <a:buNone/>
-                        <a:tabLst/>
-                        <a:defRPr/>
-                      </a:pPr>
-                      <a:r>
-                        <a:rPr kumimoji="0" lang="ko-KR" altLang="en-US" sz="1800" b="0" i="0" u="none" strike="noStrike" kern="1200" cap="none" spc="0" normalizeH="0" baseline="0" noProof="0" dirty="0" smtClean="0">
-                          <a:ln>
-                            <a:noFill/>
-                          </a:ln>
-                          <a:solidFill>
-                            <a:prstClr val="black"/>
-                          </a:solidFill>
-                          <a:effectLst/>
-                          <a:uLnTx/>
-                          <a:uFillTx/>
-                          <a:latin typeface="Calibri"/>
-                          <a:ea typeface="맑은 고딕" panose="020B0503020000020004" pitchFamily="50" charset="-127"/>
-                          <a:cs typeface="+mn-cs"/>
-                        </a:rPr>
-                        <a:t>이미지</a:t>
+                        <a:t>의 </a:t>
                       </a:r>
                       <a:r>
                         <a:rPr kumimoji="0" lang="en-US" altLang="ko-KR" sz="1800" b="0" i="0" u="none" strike="noStrike" kern="1200" cap="none" spc="0" normalizeH="0" baseline="0" noProof="0" dirty="0" smtClean="0">
@@ -11452,7 +12768,7 @@
                           <a:ea typeface="맑은 고딕" panose="020B0503020000020004" pitchFamily="50" charset="-127"/>
                           <a:cs typeface="+mn-cs"/>
                         </a:rPr>
-                        <a:t> </a:t>
+                        <a:t>번째 이미지 </a:t>
                       </a:r>
                       <a:r>
                         <a:rPr kumimoji="0" lang="en-US" altLang="ko-KR" sz="1800" b="0" i="0" u="none" strike="noStrike" kern="1200" cap="none" spc="0" normalizeH="0" baseline="0" noProof="0" dirty="0" smtClean="0">
@@ -11508,14 +12824,14 @@
           <p:nvPr>
             <p:extLst>
               <p:ext uri="{D42A27DB-BD31-4B8C-83A1-F6EECF244321}">
-                <p14:modId xmlns:p14="http://schemas.microsoft.com/office/powerpoint/2010/main" val="3743155535"/>
+                <p14:modId xmlns:p14="http://schemas.microsoft.com/office/powerpoint/2010/main" val="2047248955"/>
               </p:ext>
             </p:extLst>
           </p:nvPr>
         </p:nvGraphicFramePr>
         <p:xfrm>
-          <a:off x="1447800" y="2933700"/>
-          <a:ext cx="3708400" cy="741680"/>
+          <a:off x="1447800" y="3009900"/>
+          <a:ext cx="5181600" cy="4123690"/>
         </p:xfrm>
         <a:graphic>
           <a:graphicData uri="http://schemas.openxmlformats.org/drawingml/2006/table">
@@ -11524,14 +12840,14 @@
                 <a:tableStyleId>{5C22544A-7EE6-4342-B048-85BDC9FD1C3A}</a:tableStyleId>
               </a:tblPr>
               <a:tblGrid>
-                <a:gridCol w="1854200">
+                <a:gridCol w="1676400">
                   <a:extLst>
                     <a:ext uri="{9D8B030D-6E8A-4147-A177-3AD203B41FA5}">
                       <a16:colId xmlns:a16="http://schemas.microsoft.com/office/drawing/2014/main" val="330472678"/>
                     </a:ext>
                   </a:extLst>
                 </a:gridCol>
-                <a:gridCol w="1854200">
+                <a:gridCol w="3505200">
                   <a:extLst>
                     <a:ext uri="{9D8B030D-6E8A-4147-A177-3AD203B41FA5}">
                       <a16:colId xmlns:a16="http://schemas.microsoft.com/office/drawing/2014/main" val="1898120467"/>
@@ -11539,7 +12855,7 @@
                   </a:extLst>
                 </a:gridCol>
               </a:tblGrid>
-              <a:tr h="370840">
+              <a:tr h="572770">
                 <a:tc>
                   <a:txBody>
                     <a:bodyPr/>
@@ -11547,10 +12863,10 @@
                     <a:p>
                       <a:pPr latinLnBrk="1"/>
                       <a:r>
-                        <a:rPr lang="en-US" altLang="ko-KR" dirty="0" smtClean="0"/>
+                        <a:rPr lang="en-US" altLang="ko-KR" sz="3600" dirty="0" smtClean="0"/>
                         <a:t>K</a:t>
                       </a:r>
-                      <a:endParaRPr lang="ko-KR" altLang="en-US" dirty="0"/>
+                      <a:endParaRPr lang="ko-KR" altLang="en-US" sz="3600" dirty="0"/>
                     </a:p>
                   </a:txBody>
                   <a:tcPr/>
@@ -11562,10 +12878,10 @@
                     <a:p>
                       <a:pPr latinLnBrk="1"/>
                       <a:r>
-                        <a:rPr lang="en-US" altLang="ko-KR" dirty="0" smtClean="0"/>
+                        <a:rPr lang="en-US" altLang="ko-KR" sz="3600" dirty="0" smtClean="0"/>
                         <a:t>VS</a:t>
                       </a:r>
-                      <a:endParaRPr lang="ko-KR" altLang="en-US" dirty="0"/>
+                      <a:endParaRPr lang="ko-KR" altLang="en-US" sz="3600" dirty="0"/>
                     </a:p>
                   </a:txBody>
                   <a:tcPr/>
@@ -11576,7 +12892,7 @@
                   </a:ext>
                 </a:extLst>
               </a:tr>
-              <a:tr h="370840">
+              <a:tr h="648970">
                 <a:tc>
                   <a:txBody>
                     <a:bodyPr/>
@@ -11584,10 +12900,10 @@
                     <a:p>
                       <a:pPr latinLnBrk="1"/>
                       <a:r>
-                        <a:rPr lang="ko-KR" altLang="en-US" dirty="0" smtClean="0"/>
+                        <a:rPr lang="ko-KR" altLang="en-US" sz="3600" dirty="0" smtClean="0"/>
                         <a:t>키 값</a:t>
                       </a:r>
-                      <a:endParaRPr lang="ko-KR" altLang="en-US" dirty="0"/>
+                      <a:endParaRPr lang="ko-KR" altLang="en-US" sz="3600" dirty="0"/>
                     </a:p>
                   </a:txBody>
                   <a:tcPr/>
@@ -11599,22 +12915,10 @@
                     <a:p>
                       <a:pPr latinLnBrk="1"/>
                       <a:r>
-                        <a:rPr lang="en-US" altLang="ko-KR" dirty="0" smtClean="0"/>
-                        <a:t>…</a:t>
+                        <a:rPr lang="ko-KR" altLang="en-US" sz="3600" dirty="0" smtClean="0"/>
+                        <a:t>파일 제어 키들</a:t>
                       </a:r>
-                      <a:r>
-                        <a:rPr lang="ko-KR" altLang="en-US" dirty="0" smtClean="0"/>
-                        <a:t>이미지 </a:t>
-                      </a:r>
-                      <a:r>
-                        <a:rPr lang="en-US" altLang="ko-KR" dirty="0" smtClean="0"/>
-                        <a:t>key</a:t>
-                      </a:r>
-                      <a:r>
-                        <a:rPr lang="ko-KR" altLang="en-US" dirty="0" smtClean="0"/>
-                        <a:t>값들</a:t>
-                      </a:r>
-                      <a:endParaRPr lang="ko-KR" altLang="en-US" dirty="0"/>
+                      <a:endParaRPr lang="ko-KR" altLang="en-US" sz="3600" dirty="0"/>
                     </a:p>
                   </a:txBody>
                   <a:tcPr/>
@@ -11622,6 +12926,43 @@
                 <a:extLst>
                   <a:ext uri="{0D108BD9-81ED-4DB2-BD59-A6C34878D82A}">
                     <a16:rowId xmlns:a16="http://schemas.microsoft.com/office/drawing/2014/main" val="4257715316"/>
+                  </a:ext>
+                </a:extLst>
+              </a:tr>
+              <a:tr h="648970">
+                <a:tc>
+                  <a:txBody>
+                    <a:bodyPr/>
+                    <a:lstStyle/>
+                    <a:p>
+                      <a:pPr latinLnBrk="1"/>
+                      <a:r>
+                        <a:rPr lang="en-US" altLang="ko-KR" sz="3600" dirty="0" smtClean="0"/>
+                        <a:t>Image1</a:t>
+                      </a:r>
+                      <a:endParaRPr lang="ko-KR" altLang="en-US" sz="3600" dirty="0"/>
+                    </a:p>
+                  </a:txBody>
+                  <a:tcPr/>
+                </a:tc>
+                <a:tc>
+                  <a:txBody>
+                    <a:bodyPr/>
+                    <a:lstStyle/>
+                    <a:p>
+                      <a:pPr latinLnBrk="1"/>
+                      <a:r>
+                        <a:rPr lang="en-US" altLang="ko-KR" sz="3600" dirty="0" smtClean="0"/>
+                        <a:t>Image1_1, Image1_2, Image1_3, Image1_4, Image1_5</a:t>
+                      </a:r>
+                      <a:endParaRPr lang="ko-KR" altLang="en-US" sz="3600" dirty="0"/>
+                    </a:p>
+                  </a:txBody>
+                  <a:tcPr/>
+                </a:tc>
+                <a:extLst>
+                  <a:ext uri="{0D108BD9-81ED-4DB2-BD59-A6C34878D82A}">
+                    <a16:rowId xmlns:a16="http://schemas.microsoft.com/office/drawing/2014/main" val="3747889763"/>
                   </a:ext>
                 </a:extLst>
               </a:tr>
@@ -11909,7 +13250,255 @@
   <p:timing>
     <p:tnLst>
       <p:par>
-        <p:cTn id="1" dur="indefinite" restart="never" nodeType="tmRoot"/>
+        <p:cTn id="1" dur="indefinite" restart="never" nodeType="tmRoot">
+          <p:childTnLst>
+            <p:seq concurrent="1" nextAc="seek">
+              <p:cTn id="2" dur="indefinite" nodeType="mainSeq">
+                <p:childTnLst>
+                  <p:par>
+                    <p:cTn id="3" fill="hold">
+                      <p:stCondLst>
+                        <p:cond delay="indefinite"/>
+                      </p:stCondLst>
+                      <p:childTnLst>
+                        <p:par>
+                          <p:cTn id="4" fill="hold">
+                            <p:stCondLst>
+                              <p:cond delay="0"/>
+                            </p:stCondLst>
+                            <p:childTnLst>
+                              <p:par>
+                                <p:cTn id="5" presetID="1" presetClass="entr" presetSubtype="0" fill="hold" nodeType="clickEffect">
+                                  <p:stCondLst>
+                                    <p:cond delay="0"/>
+                                  </p:stCondLst>
+                                  <p:childTnLst>
+                                    <p:set>
+                                      <p:cBhvr>
+                                        <p:cTn id="6" dur="1" fill="hold">
+                                          <p:stCondLst>
+                                            <p:cond delay="0"/>
+                                          </p:stCondLst>
+                                        </p:cTn>
+                                        <p:tgtEl>
+                                          <p:spTgt spid="11"/>
+                                        </p:tgtEl>
+                                        <p:attrNameLst>
+                                          <p:attrName>style.visibility</p:attrName>
+                                        </p:attrNameLst>
+                                      </p:cBhvr>
+                                      <p:to>
+                                        <p:strVal val="visible"/>
+                                      </p:to>
+                                    </p:set>
+                                  </p:childTnLst>
+                                </p:cTn>
+                              </p:par>
+                            </p:childTnLst>
+                          </p:cTn>
+                        </p:par>
+                        <p:par>
+                          <p:cTn id="7" fill="hold">
+                            <p:stCondLst>
+                              <p:cond delay="0"/>
+                            </p:stCondLst>
+                            <p:childTnLst>
+                              <p:par>
+                                <p:cTn id="8" presetID="1" presetClass="entr" presetSubtype="0" fill="hold" nodeType="afterEffect">
+                                  <p:stCondLst>
+                                    <p:cond delay="500"/>
+                                  </p:stCondLst>
+                                  <p:childTnLst>
+                                    <p:set>
+                                      <p:cBhvr>
+                                        <p:cTn id="9" dur="1" fill="hold">
+                                          <p:stCondLst>
+                                            <p:cond delay="0"/>
+                                          </p:stCondLst>
+                                        </p:cTn>
+                                        <p:tgtEl>
+                                          <p:spTgt spid="13"/>
+                                        </p:tgtEl>
+                                        <p:attrNameLst>
+                                          <p:attrName>style.visibility</p:attrName>
+                                        </p:attrNameLst>
+                                      </p:cBhvr>
+                                      <p:to>
+                                        <p:strVal val="visible"/>
+                                      </p:to>
+                                    </p:set>
+                                  </p:childTnLst>
+                                </p:cTn>
+                              </p:par>
+                            </p:childTnLst>
+                          </p:cTn>
+                        </p:par>
+                        <p:par>
+                          <p:cTn id="10" fill="hold">
+                            <p:stCondLst>
+                              <p:cond delay="500"/>
+                            </p:stCondLst>
+                            <p:childTnLst>
+                              <p:par>
+                                <p:cTn id="11" presetID="1" presetClass="entr" presetSubtype="0" fill="hold" nodeType="afterEffect">
+                                  <p:stCondLst>
+                                    <p:cond delay="500"/>
+                                  </p:stCondLst>
+                                  <p:childTnLst>
+                                    <p:set>
+                                      <p:cBhvr>
+                                        <p:cTn id="12" dur="1" fill="hold">
+                                          <p:stCondLst>
+                                            <p:cond delay="0"/>
+                                          </p:stCondLst>
+                                        </p:cTn>
+                                        <p:tgtEl>
+                                          <p:spTgt spid="15"/>
+                                        </p:tgtEl>
+                                        <p:attrNameLst>
+                                          <p:attrName>style.visibility</p:attrName>
+                                        </p:attrNameLst>
+                                      </p:cBhvr>
+                                      <p:to>
+                                        <p:strVal val="visible"/>
+                                      </p:to>
+                                    </p:set>
+                                  </p:childTnLst>
+                                </p:cTn>
+                              </p:par>
+                            </p:childTnLst>
+                          </p:cTn>
+                        </p:par>
+                        <p:par>
+                          <p:cTn id="13" fill="hold">
+                            <p:stCondLst>
+                              <p:cond delay="1000"/>
+                            </p:stCondLst>
+                            <p:childTnLst>
+                              <p:par>
+                                <p:cTn id="14" presetID="1" presetClass="entr" presetSubtype="0" fill="hold" nodeType="afterEffect">
+                                  <p:stCondLst>
+                                    <p:cond delay="500"/>
+                                  </p:stCondLst>
+                                  <p:childTnLst>
+                                    <p:set>
+                                      <p:cBhvr>
+                                        <p:cTn id="15" dur="1" fill="hold">
+                                          <p:stCondLst>
+                                            <p:cond delay="0"/>
+                                          </p:stCondLst>
+                                        </p:cTn>
+                                        <p:tgtEl>
+                                          <p:spTgt spid="17"/>
+                                        </p:tgtEl>
+                                        <p:attrNameLst>
+                                          <p:attrName>style.visibility</p:attrName>
+                                        </p:attrNameLst>
+                                      </p:cBhvr>
+                                      <p:to>
+                                        <p:strVal val="visible"/>
+                                      </p:to>
+                                    </p:set>
+                                  </p:childTnLst>
+                                </p:cTn>
+                              </p:par>
+                            </p:childTnLst>
+                          </p:cTn>
+                        </p:par>
+                        <p:par>
+                          <p:cTn id="16" fill="hold">
+                            <p:stCondLst>
+                              <p:cond delay="1500"/>
+                            </p:stCondLst>
+                            <p:childTnLst>
+                              <p:par>
+                                <p:cTn id="17" presetID="1" presetClass="entr" presetSubtype="0" fill="hold" nodeType="afterEffect">
+                                  <p:stCondLst>
+                                    <p:cond delay="500"/>
+                                  </p:stCondLst>
+                                  <p:childTnLst>
+                                    <p:set>
+                                      <p:cBhvr>
+                                        <p:cTn id="18" dur="1" fill="hold">
+                                          <p:stCondLst>
+                                            <p:cond delay="0"/>
+                                          </p:stCondLst>
+                                        </p:cTn>
+                                        <p:tgtEl>
+                                          <p:spTgt spid="19"/>
+                                        </p:tgtEl>
+                                        <p:attrNameLst>
+                                          <p:attrName>style.visibility</p:attrName>
+                                        </p:attrNameLst>
+                                      </p:cBhvr>
+                                      <p:to>
+                                        <p:strVal val="visible"/>
+                                      </p:to>
+                                    </p:set>
+                                  </p:childTnLst>
+                                </p:cTn>
+                              </p:par>
+                            </p:childTnLst>
+                          </p:cTn>
+                        </p:par>
+                        <p:par>
+                          <p:cTn id="19" fill="hold">
+                            <p:stCondLst>
+                              <p:cond delay="2000"/>
+                            </p:stCondLst>
+                            <p:childTnLst>
+                              <p:par>
+                                <p:cTn id="20" presetID="1" presetClass="entr" presetSubtype="0" fill="hold" nodeType="afterEffect">
+                                  <p:stCondLst>
+                                    <p:cond delay="500"/>
+                                  </p:stCondLst>
+                                  <p:childTnLst>
+                                    <p:set>
+                                      <p:cBhvr>
+                                        <p:cTn id="21" dur="1" fill="hold">
+                                          <p:stCondLst>
+                                            <p:cond delay="0"/>
+                                          </p:stCondLst>
+                                        </p:cTn>
+                                        <p:tgtEl>
+                                          <p:spTgt spid="21"/>
+                                        </p:tgtEl>
+                                        <p:attrNameLst>
+                                          <p:attrName>style.visibility</p:attrName>
+                                        </p:attrNameLst>
+                                      </p:cBhvr>
+                                      <p:to>
+                                        <p:strVal val="visible"/>
+                                      </p:to>
+                                    </p:set>
+                                  </p:childTnLst>
+                                </p:cTn>
+                              </p:par>
+                            </p:childTnLst>
+                          </p:cTn>
+                        </p:par>
+                      </p:childTnLst>
+                    </p:cTn>
+                  </p:par>
+                </p:childTnLst>
+              </p:cTn>
+              <p:prevCondLst>
+                <p:cond evt="onPrev" delay="0">
+                  <p:tgtEl>
+                    <p:sldTgt/>
+                  </p:tgtEl>
+                </p:cond>
+              </p:prevCondLst>
+              <p:nextCondLst>
+                <p:cond evt="onNext" delay="0">
+                  <p:tgtEl>
+                    <p:sldTgt/>
+                  </p:tgtEl>
+                </p:cond>
+              </p:nextCondLst>
+            </p:seq>
+          </p:childTnLst>
+        </p:cTn>
       </p:par>
     </p:tnLst>
   </p:timing>
@@ -11917,13 +13506,14 @@
 </file>
 
 <file path=ppt/slides/slide21.xml><?xml version="1.0" encoding="utf-8"?>
-<p:sld xmlns:r="http://schemas.openxmlformats.org/officeDocument/2006/relationships" xmlns:c="http://schemas.openxmlformats.org/drawingml/2006/chart" xmlns:a="http://schemas.openxmlformats.org/drawingml/2006/main" xmlns:dgm="http://schemas.openxmlformats.org/drawingml/2006/diagram" xmlns:dsp="http://schemas.microsoft.com/office/drawing/2008/diagram" xmlns:p="http://schemas.openxmlformats.org/presentationml/2006/main">
+<p:sld xmlns:a="http://schemas.openxmlformats.org/drawingml/2006/main" xmlns:r="http://schemas.openxmlformats.org/officeDocument/2006/relationships" xmlns:p="http://schemas.openxmlformats.org/presentationml/2006/main">
   <p:cSld>
     <p:bg>
-      <p:bgPr shadeToTitle="0">
+      <p:bgPr>
         <a:solidFill>
-          <a:srgbClr val="ffffff"/>
+          <a:srgbClr val="FFFFFF"/>
         </a:solidFill>
+        <a:effectLst/>
       </p:bgPr>
     </p:bg>
     <p:spTree>
@@ -12010,18 +13600,12 @@
               </a:rPr>
               <a:t>)</a:t>
             </a:r>
-            <a:endParaRPr lang="en-US" sz="5800" b="0" i="0" u="none" strike="noStrike" spc="-100">
-              <a:solidFill>
-                <a:srgbClr val="000000"/>
-              </a:solidFill>
-              <a:latin typeface="THE슈가슈크림M"/>
-            </a:endParaRPr>
           </a:p>
         </p:txBody>
       </p:sp>
       <p:pic>
         <p:nvPicPr>
-          <p:cNvPr id="4" name=""/>
+          <p:cNvPr id="4" name="그림 3"/>
           <p:cNvPicPr>
             <a:picLocks noChangeAspect="1"/>
           </p:cNvPicPr>
@@ -12048,11 +13632,11 @@
   <p:clrMapOvr>
     <a:masterClrMapping/>
   </p:clrMapOvr>
-  <mc:AlternateContent xmlns:mc="http://schemas.openxmlformats.org/markup-compatibility/2006">
-    <mc:Choice xmlns:p14="http://schemas.microsoft.com/office/powerpoint/2010/main" Requires="p14">
-      <p:transition xmlns:mc="http://schemas.openxmlformats.org/markup-compatibility/2006" xmlns:p14="http://schemas.microsoft.com/office/powerpoint/2010/main" mc:Ignorable="p14" p14:dur="500"/>
+  <mc:AlternateContent xmlns:mc="http://schemas.openxmlformats.org/markup-compatibility/2006" xmlns:p14="http://schemas.microsoft.com/office/powerpoint/2010/main">
+    <mc:Choice Requires="p14">
+      <p:transition/>
     </mc:Choice>
-    <mc:Fallback>
+    <mc:Fallback xmlns:dsp="http://schemas.microsoft.com/office/drawing/2008/diagram" xmlns:dgm="http://schemas.openxmlformats.org/drawingml/2006/diagram" xmlns:c="http://schemas.openxmlformats.org/drawingml/2006/chart" xmlns="">
       <p:transition/>
     </mc:Fallback>
   </mc:AlternateContent>
@@ -12067,13 +13651,14 @@
 </file>
 
 <file path=ppt/slides/slide22.xml><?xml version="1.0" encoding="utf-8"?>
-<p:sld xmlns:r="http://schemas.openxmlformats.org/officeDocument/2006/relationships" xmlns:c="http://schemas.openxmlformats.org/drawingml/2006/chart" xmlns:a="http://schemas.openxmlformats.org/drawingml/2006/main" xmlns:dgm="http://schemas.openxmlformats.org/drawingml/2006/diagram" xmlns:dsp="http://schemas.microsoft.com/office/drawing/2008/diagram" xmlns:p="http://schemas.openxmlformats.org/presentationml/2006/main">
+<p:sld xmlns:a="http://schemas.openxmlformats.org/drawingml/2006/main" xmlns:r="http://schemas.openxmlformats.org/officeDocument/2006/relationships" xmlns:p="http://schemas.openxmlformats.org/presentationml/2006/main">
   <p:cSld>
     <p:bg>
-      <p:bgPr shadeToTitle="0">
+      <p:bgPr>
         <a:solidFill>
-          <a:srgbClr val="ffffff"/>
+          <a:srgbClr val="FFFFFF"/>
         </a:solidFill>
+        <a:effectLst/>
       </p:bgPr>
     </p:bg>
     <p:spTree>
@@ -12116,16 +13701,34 @@
               <a:defRPr/>
             </a:pPr>
             <a:r>
-              <a:rPr lang="en-US" sz="5800" b="0" i="0" u="none" strike="noStrike" spc="-100">
+              <a:rPr lang="en-US" sz="5800" b="0" i="0" u="none" strike="noStrike" spc="-100" dirty="0">
                 <a:solidFill>
                   <a:srgbClr val="000000"/>
                 </a:solidFill>
                 <a:latin typeface="THE슈가슈크림M"/>
               </a:rPr>
-              <a:t>6. KnowHow </a:t>
-            </a:r>
-            <a:r>
-              <a:rPr lang="ko-KR" sz="5800" b="0" i="0" u="none" strike="noStrike" spc="-100">
+              <a:t>6. </a:t>
+            </a:r>
+            <a:r>
+              <a:rPr lang="en-US" sz="5800" b="0" i="0" u="none" strike="noStrike" spc="-100" dirty="0" err="1">
+                <a:solidFill>
+                  <a:srgbClr val="000000"/>
+                </a:solidFill>
+                <a:latin typeface="THE슈가슈크림M"/>
+              </a:rPr>
+              <a:t>KnowHow</a:t>
+            </a:r>
+            <a:r>
+              <a:rPr lang="en-US" sz="5800" b="0" i="0" u="none" strike="noStrike" spc="-100" dirty="0">
+                <a:solidFill>
+                  <a:srgbClr val="000000"/>
+                </a:solidFill>
+                <a:latin typeface="THE슈가슈크림M"/>
+              </a:rPr>
+              <a:t> </a:t>
+            </a:r>
+            <a:r>
+              <a:rPr lang="ko-KR" sz="5800" b="0" i="0" u="none" strike="noStrike" spc="-100" dirty="0">
                 <a:solidFill>
                   <a:srgbClr val="000000"/>
                 </a:solidFill>
@@ -12134,26 +13737,38 @@
               <a:t>공유</a:t>
             </a:r>
             <a:r>
-              <a:rPr lang="en-US" sz="5800" b="0" i="0" u="none" strike="noStrike" spc="-100">
+              <a:rPr lang="en-US" sz="5800" b="0" i="0" u="none" strike="noStrike" spc="-100" dirty="0">
                 <a:solidFill>
                   <a:srgbClr val="000000"/>
                 </a:solidFill>
                 <a:latin typeface="THE슈가슈크림M"/>
               </a:rPr>
-              <a:t>(enum)</a:t>
-            </a:r>
-            <a:endParaRPr lang="en-US" sz="5800" b="0" i="0" u="none" strike="noStrike" spc="-100">
-              <a:solidFill>
-                <a:srgbClr val="000000"/>
-              </a:solidFill>
-              <a:latin typeface="THE슈가슈크림M"/>
-            </a:endParaRPr>
+              <a:t>(</a:t>
+            </a:r>
+            <a:r>
+              <a:rPr lang="en-US" sz="5800" b="0" i="0" u="none" strike="noStrike" spc="-100" dirty="0" err="1">
+                <a:solidFill>
+                  <a:srgbClr val="000000"/>
+                </a:solidFill>
+                <a:latin typeface="THE슈가슈크림M"/>
+              </a:rPr>
+              <a:t>enum</a:t>
+            </a:r>
+            <a:r>
+              <a:rPr lang="en-US" sz="5800" b="0" i="0" u="none" strike="noStrike" spc="-100" dirty="0">
+                <a:solidFill>
+                  <a:srgbClr val="000000"/>
+                </a:solidFill>
+                <a:latin typeface="THE슈가슈크림M"/>
+              </a:rPr>
+              <a:t>)</a:t>
+            </a:r>
           </a:p>
         </p:txBody>
       </p:sp>
       <p:pic>
         <p:nvPicPr>
-          <p:cNvPr id="4" name=""/>
+          <p:cNvPr id="4" name="그림 3"/>
           <p:cNvPicPr>
             <a:picLocks noChangeAspect="1"/>
           </p:cNvPicPr>
@@ -12180,11 +13795,11 @@
   <p:clrMapOvr>
     <a:masterClrMapping/>
   </p:clrMapOvr>
-  <mc:AlternateContent xmlns:mc="http://schemas.openxmlformats.org/markup-compatibility/2006">
-    <mc:Choice xmlns:p14="http://schemas.microsoft.com/office/powerpoint/2010/main" Requires="p14">
-      <p:transition xmlns:mc="http://schemas.openxmlformats.org/markup-compatibility/2006" xmlns:p14="http://schemas.microsoft.com/office/powerpoint/2010/main" mc:Ignorable="p14" p14:dur="500"/>
+  <mc:AlternateContent xmlns:mc="http://schemas.openxmlformats.org/markup-compatibility/2006" xmlns:p14="http://schemas.microsoft.com/office/powerpoint/2010/main">
+    <mc:Choice Requires="p14">
+      <p:transition/>
     </mc:Choice>
-    <mc:Fallback>
+    <mc:Fallback xmlns:dsp="http://schemas.microsoft.com/office/drawing/2008/diagram" xmlns:dgm="http://schemas.openxmlformats.org/drawingml/2006/diagram" xmlns:c="http://schemas.openxmlformats.org/drawingml/2006/chart" xmlns="">
       <p:transition/>
     </mc:Fallback>
   </mc:AlternateContent>
@@ -12199,13 +13814,14 @@
 </file>
 
 <file path=ppt/slides/slide23.xml><?xml version="1.0" encoding="utf-8"?>
-<p:sld xmlns:r="http://schemas.openxmlformats.org/officeDocument/2006/relationships" xmlns:c="http://schemas.openxmlformats.org/drawingml/2006/chart" xmlns:a="http://schemas.openxmlformats.org/drawingml/2006/main" xmlns:dgm="http://schemas.openxmlformats.org/drawingml/2006/diagram" xmlns:dsp="http://schemas.microsoft.com/office/drawing/2008/diagram" xmlns:p="http://schemas.openxmlformats.org/presentationml/2006/main">
+<p:sld xmlns:a="http://schemas.openxmlformats.org/drawingml/2006/main" xmlns:r="http://schemas.openxmlformats.org/officeDocument/2006/relationships" xmlns:p="http://schemas.openxmlformats.org/presentationml/2006/main">
   <p:cSld>
     <p:bg>
-      <p:bgPr shadeToTitle="0">
+      <p:bgPr>
         <a:solidFill>
-          <a:srgbClr val="ffffff"/>
+          <a:srgbClr val="FFFFFF"/>
         </a:solidFill>
+        <a:effectLst/>
       </p:bgPr>
     </p:bg>
     <p:spTree>
@@ -12274,18 +13890,12 @@
               </a:rPr>
               <a:t>(record)</a:t>
             </a:r>
-            <a:endParaRPr lang="en-US" sz="5800" b="0" i="0" u="none" strike="noStrike" spc="-100">
-              <a:solidFill>
-                <a:srgbClr val="000000"/>
-              </a:solidFill>
-              <a:latin typeface="THE슈가슈크림M"/>
-            </a:endParaRPr>
           </a:p>
         </p:txBody>
       </p:sp>
       <p:pic>
         <p:nvPicPr>
-          <p:cNvPr id="4" name=""/>
+          <p:cNvPr id="4" name="그림 3"/>
           <p:cNvPicPr>
             <a:picLocks noChangeAspect="1"/>
           </p:cNvPicPr>
@@ -12310,7 +13920,7 @@
       </p:pic>
       <p:pic>
         <p:nvPicPr>
-          <p:cNvPr id="5" name=""/>
+          <p:cNvPr id="5" name="그림 4"/>
           <p:cNvPicPr>
             <a:picLocks noChangeAspect="1"/>
           </p:cNvPicPr>
@@ -12337,11 +13947,11 @@
   <p:clrMapOvr>
     <a:masterClrMapping/>
   </p:clrMapOvr>
-  <mc:AlternateContent xmlns:mc="http://schemas.openxmlformats.org/markup-compatibility/2006">
-    <mc:Choice xmlns:p14="http://schemas.microsoft.com/office/powerpoint/2010/main" Requires="p14">
-      <p:transition xmlns:mc="http://schemas.openxmlformats.org/markup-compatibility/2006" xmlns:p14="http://schemas.microsoft.com/office/powerpoint/2010/main" mc:Ignorable="p14" p14:dur="500"/>
+  <mc:AlternateContent xmlns:mc="http://schemas.openxmlformats.org/markup-compatibility/2006" xmlns:p14="http://schemas.microsoft.com/office/powerpoint/2010/main">
+    <mc:Choice Requires="p14">
+      <p:transition/>
     </mc:Choice>
-    <mc:Fallback>
+    <mc:Fallback xmlns:dsp="http://schemas.microsoft.com/office/drawing/2008/diagram" xmlns:dgm="http://schemas.openxmlformats.org/drawingml/2006/diagram" xmlns:c="http://schemas.openxmlformats.org/drawingml/2006/chart" xmlns="">
       <p:transition/>
     </mc:Fallback>
   </mc:AlternateContent>
@@ -12426,6 +14036,82 @@
 <file path=ppt/slides/slide24.xml><?xml version="1.0" encoding="utf-8"?>
 <p:sld xmlns:a="http://schemas.openxmlformats.org/drawingml/2006/main" xmlns:r="http://schemas.openxmlformats.org/officeDocument/2006/relationships" xmlns:p="http://schemas.openxmlformats.org/presentationml/2006/main">
   <p:cSld>
+    <p:spTree>
+      <p:nvGrpSpPr>
+        <p:cNvPr id="1" name=""/>
+        <p:cNvGrpSpPr/>
+        <p:nvPr/>
+      </p:nvGrpSpPr>
+      <p:grpSpPr>
+        <a:xfrm>
+          <a:off x="0" y="0"/>
+          <a:ext cx="0" cy="0"/>
+          <a:chOff x="0" y="0"/>
+          <a:chExt cx="0" cy="0"/>
+        </a:xfrm>
+      </p:grpSpPr>
+      <p:sp>
+        <p:nvSpPr>
+          <p:cNvPr id="4" name="TextBox 3"/>
+          <p:cNvSpPr txBox="1"/>
+          <p:nvPr/>
+        </p:nvSpPr>
+        <p:spPr>
+          <a:xfrm>
+            <a:off x="8153400" y="4838700"/>
+            <a:ext cx="2220480" cy="1631216"/>
+          </a:xfrm>
+          <a:prstGeom prst="rect">
+            <a:avLst/>
+          </a:prstGeom>
+          <a:noFill/>
+        </p:spPr>
+        <p:txBody>
+          <a:bodyPr wrap="none" rtlCol="0">
+            <a:spAutoFit/>
+          </a:bodyPr>
+          <a:lstStyle/>
+          <a:p>
+            <a:r>
+              <a:rPr lang="ko-KR" altLang="en-US" sz="10000" spc="-100" dirty="0" smtClean="0">
+                <a:solidFill>
+                  <a:srgbClr val="000000"/>
+                </a:solidFill>
+                <a:latin typeface="THE슈가슈크림M" panose="02020603020101020101" pitchFamily="18" charset="-127"/>
+                <a:ea typeface="THE슈가슈크림M" panose="02020603020101020101" pitchFamily="18" charset="-127"/>
+              </a:rPr>
+              <a:t>시연</a:t>
+            </a:r>
+            <a:endParaRPr lang="ko-KR" altLang="en-US" sz="10000" dirty="0">
+              <a:latin typeface="THE슈가슈크림M" panose="02020603020101020101" pitchFamily="18" charset="-127"/>
+              <a:ea typeface="THE슈가슈크림M" panose="02020603020101020101" pitchFamily="18" charset="-127"/>
+            </a:endParaRPr>
+          </a:p>
+        </p:txBody>
+      </p:sp>
+    </p:spTree>
+    <p:extLst>
+      <p:ext uri="{BB962C8B-B14F-4D97-AF65-F5344CB8AC3E}">
+        <p14:creationId xmlns:p14="http://schemas.microsoft.com/office/powerpoint/2010/main" val="3304882498"/>
+      </p:ext>
+    </p:extLst>
+  </p:cSld>
+  <p:clrMapOvr>
+    <a:masterClrMapping/>
+  </p:clrMapOvr>
+  <p:timing>
+    <p:tnLst>
+      <p:par>
+        <p:cTn id="1" dur="indefinite" restart="never" nodeType="tmRoot"/>
+      </p:par>
+    </p:tnLst>
+  </p:timing>
+</p:sld>
+</file>
+
+<file path=ppt/slides/slide25.xml><?xml version="1.0" encoding="utf-8"?>
+<p:sld xmlns:a="http://schemas.openxmlformats.org/drawingml/2006/main" xmlns:r="http://schemas.openxmlformats.org/officeDocument/2006/relationships" xmlns:p="http://schemas.openxmlformats.org/presentationml/2006/main">
+  <p:cSld>
     <p:bg>
       <p:bgPr>
         <a:solidFill>
@@ -12487,7 +14173,7 @@
 </p:sld>
 </file>
 
-<file path=ppt/slides/slide25.xml><?xml version="1.0" encoding="utf-8"?>
+<file path=ppt/slides/slide26.xml><?xml version="1.0" encoding="utf-8"?>
 <p:sld xmlns:a="http://schemas.openxmlformats.org/drawingml/2006/main" xmlns:r="http://schemas.openxmlformats.org/officeDocument/2006/relationships" xmlns:p="http://schemas.openxmlformats.org/presentationml/2006/main">
   <p:cSld>
     <p:bg>
@@ -14637,7 +16323,7 @@
               </a:lnSpc>
             </a:pPr>
             <a:r>
-              <a:rPr lang="en-US" sz="4400" b="0" i="0" u="none" strike="noStrike" spc="-100">
+              <a:rPr lang="en-US" sz="4400" b="0" i="0" u="none" strike="noStrike" spc="-100" dirty="0" err="1">
                 <a:solidFill>
                   <a:srgbClr val="000000"/>
                 </a:solidFill>
@@ -14645,6 +16331,12 @@
               </a:rPr>
               <a:t>Next.Js</a:t>
             </a:r>
+            <a:endParaRPr lang="en-US" sz="4400" b="0" i="0" u="none" strike="noStrike" spc="-100" dirty="0">
+              <a:solidFill>
+                <a:srgbClr val="000000"/>
+              </a:solidFill>
+              <a:latin typeface="THESugarM"/>
+            </a:endParaRPr>
           </a:p>
         </p:txBody>
       </p:sp>
@@ -14876,9 +16568,470 @@
   <p:timing>
     <p:tnLst>
       <p:par>
-        <p:cTn id="1" dur="indefinite" restart="never" nodeType="tmRoot"/>
+        <p:cTn id="1" dur="indefinite" restart="never" nodeType="tmRoot">
+          <p:childTnLst>
+            <p:seq concurrent="1" nextAc="seek">
+              <p:cTn id="2" dur="indefinite" nodeType="mainSeq">
+                <p:childTnLst>
+                  <p:par>
+                    <p:cTn id="3" fill="hold">
+                      <p:stCondLst>
+                        <p:cond delay="indefinite"/>
+                      </p:stCondLst>
+                      <p:childTnLst>
+                        <p:par>
+                          <p:cTn id="4" fill="hold">
+                            <p:stCondLst>
+                              <p:cond delay="0"/>
+                            </p:stCondLst>
+                            <p:childTnLst>
+                              <p:par>
+                                <p:cTn id="5" presetID="1" presetClass="entr" presetSubtype="0" fill="hold" nodeType="clickEffect">
+                                  <p:stCondLst>
+                                    <p:cond delay="0"/>
+                                  </p:stCondLst>
+                                  <p:childTnLst>
+                                    <p:set>
+                                      <p:cBhvr>
+                                        <p:cTn id="6" dur="1" fill="hold">
+                                          <p:stCondLst>
+                                            <p:cond delay="0"/>
+                                          </p:stCondLst>
+                                        </p:cTn>
+                                        <p:tgtEl>
+                                          <p:spTgt spid="10"/>
+                                        </p:tgtEl>
+                                        <p:attrNameLst>
+                                          <p:attrName>style.visibility</p:attrName>
+                                        </p:attrNameLst>
+                                      </p:cBhvr>
+                                      <p:to>
+                                        <p:strVal val="visible"/>
+                                      </p:to>
+                                    </p:set>
+                                  </p:childTnLst>
+                                </p:cTn>
+                              </p:par>
+                              <p:par>
+                                <p:cTn id="7" presetID="1" presetClass="entr" presetSubtype="0" fill="hold" grpId="0" nodeType="withEffect">
+                                  <p:stCondLst>
+                                    <p:cond delay="0"/>
+                                  </p:stCondLst>
+                                  <p:childTnLst>
+                                    <p:set>
+                                      <p:cBhvr>
+                                        <p:cTn id="8" dur="1" fill="hold">
+                                          <p:stCondLst>
+                                            <p:cond delay="0"/>
+                                          </p:stCondLst>
+                                        </p:cTn>
+                                        <p:tgtEl>
+                                          <p:spTgt spid="8"/>
+                                        </p:tgtEl>
+                                        <p:attrNameLst>
+                                          <p:attrName>style.visibility</p:attrName>
+                                        </p:attrNameLst>
+                                      </p:cBhvr>
+                                      <p:to>
+                                        <p:strVal val="visible"/>
+                                      </p:to>
+                                    </p:set>
+                                  </p:childTnLst>
+                                </p:cTn>
+                              </p:par>
+                              <p:par>
+                                <p:cTn id="9" presetID="1" presetClass="entr" presetSubtype="0" fill="hold" nodeType="withEffect">
+                                  <p:stCondLst>
+                                    <p:cond delay="0"/>
+                                  </p:stCondLst>
+                                  <p:childTnLst>
+                                    <p:set>
+                                      <p:cBhvr>
+                                        <p:cTn id="10" dur="1" fill="hold">
+                                          <p:stCondLst>
+                                            <p:cond delay="0"/>
+                                          </p:stCondLst>
+                                        </p:cTn>
+                                        <p:tgtEl>
+                                          <p:spTgt spid="9"/>
+                                        </p:tgtEl>
+                                        <p:attrNameLst>
+                                          <p:attrName>style.visibility</p:attrName>
+                                        </p:attrNameLst>
+                                      </p:cBhvr>
+                                      <p:to>
+                                        <p:strVal val="visible"/>
+                                      </p:to>
+                                    </p:set>
+                                  </p:childTnLst>
+                                </p:cTn>
+                              </p:par>
+                            </p:childTnLst>
+                          </p:cTn>
+                        </p:par>
+                      </p:childTnLst>
+                    </p:cTn>
+                  </p:par>
+                  <p:par>
+                    <p:cTn id="11" fill="hold">
+                      <p:stCondLst>
+                        <p:cond delay="indefinite"/>
+                      </p:stCondLst>
+                      <p:childTnLst>
+                        <p:par>
+                          <p:cTn id="12" fill="hold">
+                            <p:stCondLst>
+                              <p:cond delay="0"/>
+                            </p:stCondLst>
+                            <p:childTnLst>
+                              <p:par>
+                                <p:cTn id="13" presetID="1" presetClass="entr" presetSubtype="0" fill="hold" nodeType="clickEffect">
+                                  <p:stCondLst>
+                                    <p:cond delay="0"/>
+                                  </p:stCondLst>
+                                  <p:childTnLst>
+                                    <p:set>
+                                      <p:cBhvr>
+                                        <p:cTn id="14" dur="1" fill="hold">
+                                          <p:stCondLst>
+                                            <p:cond delay="0"/>
+                                          </p:stCondLst>
+                                        </p:cTn>
+                                        <p:tgtEl>
+                                          <p:spTgt spid="14"/>
+                                        </p:tgtEl>
+                                        <p:attrNameLst>
+                                          <p:attrName>style.visibility</p:attrName>
+                                        </p:attrNameLst>
+                                      </p:cBhvr>
+                                      <p:to>
+                                        <p:strVal val="visible"/>
+                                      </p:to>
+                                    </p:set>
+                                  </p:childTnLst>
+                                </p:cTn>
+                              </p:par>
+                              <p:par>
+                                <p:cTn id="15" presetID="1" presetClass="entr" presetSubtype="0" fill="hold" grpId="0" nodeType="withEffect">
+                                  <p:stCondLst>
+                                    <p:cond delay="0"/>
+                                  </p:stCondLst>
+                                  <p:childTnLst>
+                                    <p:set>
+                                      <p:cBhvr>
+                                        <p:cTn id="16" dur="1" fill="hold">
+                                          <p:stCondLst>
+                                            <p:cond delay="0"/>
+                                          </p:stCondLst>
+                                        </p:cTn>
+                                        <p:tgtEl>
+                                          <p:spTgt spid="23"/>
+                                        </p:tgtEl>
+                                        <p:attrNameLst>
+                                          <p:attrName>style.visibility</p:attrName>
+                                        </p:attrNameLst>
+                                      </p:cBhvr>
+                                      <p:to>
+                                        <p:strVal val="visible"/>
+                                      </p:to>
+                                    </p:set>
+                                  </p:childTnLst>
+                                </p:cTn>
+                              </p:par>
+                            </p:childTnLst>
+                          </p:cTn>
+                        </p:par>
+                      </p:childTnLst>
+                    </p:cTn>
+                  </p:par>
+                  <p:par>
+                    <p:cTn id="17" fill="hold">
+                      <p:stCondLst>
+                        <p:cond delay="indefinite"/>
+                      </p:stCondLst>
+                      <p:childTnLst>
+                        <p:par>
+                          <p:cTn id="18" fill="hold">
+                            <p:stCondLst>
+                              <p:cond delay="0"/>
+                            </p:stCondLst>
+                            <p:childTnLst>
+                              <p:par>
+                                <p:cTn id="19" presetID="1" presetClass="entr" presetSubtype="0" fill="hold" nodeType="clickEffect">
+                                  <p:stCondLst>
+                                    <p:cond delay="0"/>
+                                  </p:stCondLst>
+                                  <p:childTnLst>
+                                    <p:set>
+                                      <p:cBhvr>
+                                        <p:cTn id="20" dur="1" fill="hold">
+                                          <p:stCondLst>
+                                            <p:cond delay="0"/>
+                                          </p:stCondLst>
+                                        </p:cTn>
+                                        <p:tgtEl>
+                                          <p:spTgt spid="16"/>
+                                        </p:tgtEl>
+                                        <p:attrNameLst>
+                                          <p:attrName>style.visibility</p:attrName>
+                                        </p:attrNameLst>
+                                      </p:cBhvr>
+                                      <p:to>
+                                        <p:strVal val="visible"/>
+                                      </p:to>
+                                    </p:set>
+                                  </p:childTnLst>
+                                </p:cTn>
+                              </p:par>
+                              <p:par>
+                                <p:cTn id="21" presetID="1" presetClass="entr" presetSubtype="0" fill="hold" grpId="0" nodeType="withEffect">
+                                  <p:stCondLst>
+                                    <p:cond delay="0"/>
+                                  </p:stCondLst>
+                                  <p:childTnLst>
+                                    <p:set>
+                                      <p:cBhvr>
+                                        <p:cTn id="22" dur="1" fill="hold">
+                                          <p:stCondLst>
+                                            <p:cond delay="0"/>
+                                          </p:stCondLst>
+                                        </p:cTn>
+                                        <p:tgtEl>
+                                          <p:spTgt spid="24"/>
+                                        </p:tgtEl>
+                                        <p:attrNameLst>
+                                          <p:attrName>style.visibility</p:attrName>
+                                        </p:attrNameLst>
+                                      </p:cBhvr>
+                                      <p:to>
+                                        <p:strVal val="visible"/>
+                                      </p:to>
+                                    </p:set>
+                                  </p:childTnLst>
+                                </p:cTn>
+                              </p:par>
+                            </p:childTnLst>
+                          </p:cTn>
+                        </p:par>
+                      </p:childTnLst>
+                    </p:cTn>
+                  </p:par>
+                  <p:par>
+                    <p:cTn id="23" fill="hold">
+                      <p:stCondLst>
+                        <p:cond delay="indefinite"/>
+                      </p:stCondLst>
+                      <p:childTnLst>
+                        <p:par>
+                          <p:cTn id="24" fill="hold">
+                            <p:stCondLst>
+                              <p:cond delay="0"/>
+                            </p:stCondLst>
+                            <p:childTnLst>
+                              <p:par>
+                                <p:cTn id="25" presetID="1" presetClass="entr" presetSubtype="0" fill="hold" nodeType="clickEffect">
+                                  <p:stCondLst>
+                                    <p:cond delay="0"/>
+                                  </p:stCondLst>
+                                  <p:childTnLst>
+                                    <p:set>
+                                      <p:cBhvr>
+                                        <p:cTn id="26" dur="1" fill="hold">
+                                          <p:stCondLst>
+                                            <p:cond delay="0"/>
+                                          </p:stCondLst>
+                                        </p:cTn>
+                                        <p:tgtEl>
+                                          <p:spTgt spid="17"/>
+                                        </p:tgtEl>
+                                        <p:attrNameLst>
+                                          <p:attrName>style.visibility</p:attrName>
+                                        </p:attrNameLst>
+                                      </p:cBhvr>
+                                      <p:to>
+                                        <p:strVal val="visible"/>
+                                      </p:to>
+                                    </p:set>
+                                  </p:childTnLst>
+                                </p:cTn>
+                              </p:par>
+                            </p:childTnLst>
+                          </p:cTn>
+                        </p:par>
+                      </p:childTnLst>
+                    </p:cTn>
+                  </p:par>
+                  <p:par>
+                    <p:cTn id="27" fill="hold">
+                      <p:stCondLst>
+                        <p:cond delay="indefinite"/>
+                      </p:stCondLst>
+                      <p:childTnLst>
+                        <p:par>
+                          <p:cTn id="28" fill="hold">
+                            <p:stCondLst>
+                              <p:cond delay="0"/>
+                            </p:stCondLst>
+                            <p:childTnLst>
+                              <p:par>
+                                <p:cTn id="29" presetID="1" presetClass="entr" presetSubtype="0" fill="hold" nodeType="clickEffect">
+                                  <p:stCondLst>
+                                    <p:cond delay="0"/>
+                                  </p:stCondLst>
+                                  <p:childTnLst>
+                                    <p:set>
+                                      <p:cBhvr>
+                                        <p:cTn id="30" dur="1" fill="hold">
+                                          <p:stCondLst>
+                                            <p:cond delay="0"/>
+                                          </p:stCondLst>
+                                        </p:cTn>
+                                        <p:tgtEl>
+                                          <p:spTgt spid="15"/>
+                                        </p:tgtEl>
+                                        <p:attrNameLst>
+                                          <p:attrName>style.visibility</p:attrName>
+                                        </p:attrNameLst>
+                                      </p:cBhvr>
+                                      <p:to>
+                                        <p:strVal val="visible"/>
+                                      </p:to>
+                                    </p:set>
+                                  </p:childTnLst>
+                                </p:cTn>
+                              </p:par>
+                            </p:childTnLst>
+                          </p:cTn>
+                        </p:par>
+                      </p:childTnLst>
+                    </p:cTn>
+                  </p:par>
+                  <p:par>
+                    <p:cTn id="31" fill="hold">
+                      <p:stCondLst>
+                        <p:cond delay="indefinite"/>
+                      </p:stCondLst>
+                      <p:childTnLst>
+                        <p:par>
+                          <p:cTn id="32" fill="hold">
+                            <p:stCondLst>
+                              <p:cond delay="0"/>
+                            </p:stCondLst>
+                            <p:childTnLst>
+                              <p:par>
+                                <p:cTn id="33" presetID="1" presetClass="entr" presetSubtype="0" fill="hold" nodeType="clickEffect">
+                                  <p:stCondLst>
+                                    <p:cond delay="0"/>
+                                  </p:stCondLst>
+                                  <p:childTnLst>
+                                    <p:set>
+                                      <p:cBhvr>
+                                        <p:cTn id="34" dur="1" fill="hold">
+                                          <p:stCondLst>
+                                            <p:cond delay="0"/>
+                                          </p:stCondLst>
+                                        </p:cTn>
+                                        <p:tgtEl>
+                                          <p:spTgt spid="13"/>
+                                        </p:tgtEl>
+                                        <p:attrNameLst>
+                                          <p:attrName>style.visibility</p:attrName>
+                                        </p:attrNameLst>
+                                      </p:cBhvr>
+                                      <p:to>
+                                        <p:strVal val="visible"/>
+                                      </p:to>
+                                    </p:set>
+                                  </p:childTnLst>
+                                </p:cTn>
+                              </p:par>
+                              <p:par>
+                                <p:cTn id="35" presetID="1" presetClass="entr" presetSubtype="0" fill="hold" grpId="0" nodeType="withEffect">
+                                  <p:stCondLst>
+                                    <p:cond delay="0"/>
+                                  </p:stCondLst>
+                                  <p:childTnLst>
+                                    <p:set>
+                                      <p:cBhvr>
+                                        <p:cTn id="36" dur="1" fill="hold">
+                                          <p:stCondLst>
+                                            <p:cond delay="0"/>
+                                          </p:stCondLst>
+                                        </p:cTn>
+                                        <p:tgtEl>
+                                          <p:spTgt spid="12"/>
+                                        </p:tgtEl>
+                                        <p:attrNameLst>
+                                          <p:attrName>style.visibility</p:attrName>
+                                        </p:attrNameLst>
+                                      </p:cBhvr>
+                                      <p:to>
+                                        <p:strVal val="visible"/>
+                                      </p:to>
+                                    </p:set>
+                                  </p:childTnLst>
+                                </p:cTn>
+                              </p:par>
+                              <p:par>
+                                <p:cTn id="37" presetID="1" presetClass="entr" presetSubtype="0" fill="hold" nodeType="withEffect">
+                                  <p:stCondLst>
+                                    <p:cond delay="0"/>
+                                  </p:stCondLst>
+                                  <p:childTnLst>
+                                    <p:set>
+                                      <p:cBhvr>
+                                        <p:cTn id="38" dur="1" fill="hold">
+                                          <p:stCondLst>
+                                            <p:cond delay="0"/>
+                                          </p:stCondLst>
+                                        </p:cTn>
+                                        <p:tgtEl>
+                                          <p:spTgt spid="11"/>
+                                        </p:tgtEl>
+                                        <p:attrNameLst>
+                                          <p:attrName>style.visibility</p:attrName>
+                                        </p:attrNameLst>
+                                      </p:cBhvr>
+                                      <p:to>
+                                        <p:strVal val="visible"/>
+                                      </p:to>
+                                    </p:set>
+                                  </p:childTnLst>
+                                </p:cTn>
+                              </p:par>
+                            </p:childTnLst>
+                          </p:cTn>
+                        </p:par>
+                      </p:childTnLst>
+                    </p:cTn>
+                  </p:par>
+                </p:childTnLst>
+              </p:cTn>
+              <p:prevCondLst>
+                <p:cond evt="onPrev" delay="0">
+                  <p:tgtEl>
+                    <p:sldTgt/>
+                  </p:tgtEl>
+                </p:cond>
+              </p:prevCondLst>
+              <p:nextCondLst>
+                <p:cond evt="onNext" delay="0">
+                  <p:tgtEl>
+                    <p:sldTgt/>
+                  </p:tgtEl>
+                </p:cond>
+              </p:nextCondLst>
+            </p:seq>
+          </p:childTnLst>
+        </p:cTn>
       </p:par>
     </p:tnLst>
+    <p:bldLst>
+      <p:bldP spid="8" grpId="0"/>
+      <p:bldP spid="12" grpId="0"/>
+      <p:bldP spid="23" grpId="0"/>
+      <p:bldP spid="24" grpId="0"/>
+    </p:bldLst>
   </p:timing>
 </p:sld>
 </file>
@@ -15897,41 +18050,41 @@
 </file>
 
 <file path=ppt/theme/theme1.xml><?xml version="1.0" encoding="utf-8"?>
-<a:theme xmlns:r="http://schemas.openxmlformats.org/officeDocument/2006/relationships" xmlns:c="http://schemas.openxmlformats.org/drawingml/2006/chart" xmlns:dgm="http://schemas.openxmlformats.org/drawingml/2006/diagram" xmlns:dsp="http://schemas.microsoft.com/office/drawing/2008/diagram" xmlns:a="http://schemas.openxmlformats.org/drawingml/2006/main" xmlns:pic="http://schemas.openxmlformats.org/drawingml/2006/picture" xmlns:wp="http://schemas.openxmlformats.org/drawingml/2006/wordprocessingDrawing" xmlns:xdr="http://schemas.openxmlformats.org/drawingml/2006/spreadsheetDrawing" xmlns:lc="http://schemas.openxmlformats.org/drawingml/2006/lockedCanvas" xmlns:p="http://schemas.openxmlformats.org/presentationml/2006/main" name="Office Theme">
+<a:theme xmlns:a="http://schemas.openxmlformats.org/drawingml/2006/main" name="Office Theme">
   <a:themeElements>
     <a:clrScheme name="Office">
       <a:dk1>
         <a:sysClr val="windowText" lastClr="000000"/>
       </a:dk1>
       <a:lt1>
-        <a:sysClr val="window" lastClr="ffffff"/>
+        <a:sysClr val="window" lastClr="FFFFFF"/>
       </a:lt1>
       <a:dk2>
-        <a:srgbClr val="1f497d"/>
+        <a:srgbClr val="1F497D"/>
       </a:dk2>
       <a:lt2>
-        <a:srgbClr val="eeece1"/>
+        <a:srgbClr val="EEECE1"/>
       </a:lt2>
       <a:accent1>
-        <a:srgbClr val="4f81bd"/>
+        <a:srgbClr val="4F81BD"/>
       </a:accent1>
       <a:accent2>
-        <a:srgbClr val="c0504d"/>
+        <a:srgbClr val="C0504D"/>
       </a:accent2>
       <a:accent3>
-        <a:srgbClr val="9bbb59"/>
+        <a:srgbClr val="9BBB59"/>
       </a:accent3>
       <a:accent4>
-        <a:srgbClr val="8064a2"/>
+        <a:srgbClr val="8064A2"/>
       </a:accent4>
       <a:accent5>
-        <a:srgbClr val="4bacc6"/>
+        <a:srgbClr val="4BACC6"/>
       </a:accent5>
       <a:accent6>
-        <a:srgbClr val="f79646"/>
+        <a:srgbClr val="F79646"/>
       </a:accent6>
       <a:hlink>
-        <a:srgbClr val="0000ff"/>
+        <a:srgbClr val="0000FF"/>
       </a:hlink>
       <a:folHlink>
         <a:srgbClr val="800080"/>
@@ -16174,48 +18327,50 @@
       </a:bgFillStyleLst>
     </a:fmtScheme>
   </a:themeElements>
+  <a:objectDefaults/>
+  <a:extraClrSchemeLst/>
 </a:theme>
 </file>
 
 <file path=ppt/theme/theme2.xml><?xml version="1.0" encoding="utf-8"?>
-<a:theme xmlns:r="http://schemas.openxmlformats.org/officeDocument/2006/relationships" xmlns:c="http://schemas.openxmlformats.org/drawingml/2006/chart" xmlns:dgm="http://schemas.openxmlformats.org/drawingml/2006/diagram" xmlns:dsp="http://schemas.microsoft.com/office/drawing/2008/diagram" xmlns:a="http://schemas.openxmlformats.org/drawingml/2006/main" xmlns:pic="http://schemas.openxmlformats.org/drawingml/2006/picture" xmlns:wp="http://schemas.openxmlformats.org/drawingml/2006/wordprocessingDrawing" xmlns:xdr="http://schemas.openxmlformats.org/drawingml/2006/spreadsheetDrawing" xmlns:lc="http://schemas.openxmlformats.org/drawingml/2006/lockedCanvas" xmlns:p="http://schemas.openxmlformats.org/presentationml/2006/main" name="Office 테마">
+<a:theme xmlns:a="http://schemas.openxmlformats.org/drawingml/2006/main" name="Office 테마">
   <a:themeElements>
     <a:clrScheme name="Office">
       <a:dk1>
         <a:sysClr val="windowText" lastClr="000000"/>
       </a:dk1>
       <a:lt1>
-        <a:sysClr val="window" lastClr="ffffff"/>
+        <a:sysClr val="window" lastClr="FFFFFF"/>
       </a:lt1>
       <a:dk2>
-        <a:srgbClr val="44546a"/>
+        <a:srgbClr val="44546A"/>
       </a:dk2>
       <a:lt2>
-        <a:srgbClr val="e7e6e6"/>
+        <a:srgbClr val="E7E6E6"/>
       </a:lt2>
       <a:accent1>
-        <a:srgbClr val="5b9bd5"/>
+        <a:srgbClr val="5B9BD5"/>
       </a:accent1>
       <a:accent2>
-        <a:srgbClr val="ed7d31"/>
+        <a:srgbClr val="ED7D31"/>
       </a:accent2>
       <a:accent3>
-        <a:srgbClr val="a5a5a5"/>
+        <a:srgbClr val="A5A5A5"/>
       </a:accent3>
       <a:accent4>
-        <a:srgbClr val="ffc000"/>
+        <a:srgbClr val="FFC000"/>
       </a:accent4>
       <a:accent5>
-        <a:srgbClr val="4472c4"/>
+        <a:srgbClr val="4472C4"/>
       </a:accent5>
       <a:accent6>
-        <a:srgbClr val="70ad47"/>
+        <a:srgbClr val="70AD47"/>
       </a:accent6>
       <a:hlink>
-        <a:srgbClr val="0563c1"/>
+        <a:srgbClr val="0563C1"/>
       </a:hlink>
       <a:folHlink>
-        <a:srgbClr val="954f72"/>
+        <a:srgbClr val="954F72"/>
       </a:folHlink>
     </a:clrScheme>
     <a:fontScheme name="Office">
@@ -16428,5 +18583,7 @@
       </a:bgFillStyleLst>
     </a:fmtScheme>
   </a:themeElements>
+  <a:objectDefaults/>
+  <a:extraClrSchemeLst/>
 </a:theme>
 </file>
--- a/쇼핑몰-프로젝트.pptx
+++ b/쇼핑몰-프로젝트.pptx
@@ -5073,47 +5073,13 @@
       </p:cxnSp>
       <p:cxnSp>
         <p:nvCxnSpPr>
-          <p:cNvPr id="16" name="직선 화살표 연결선 15"/>
-          <p:cNvCxnSpPr/>
-          <p:nvPr/>
-        </p:nvCxnSpPr>
-        <p:spPr>
-          <a:xfrm>
-            <a:off x="2705100" y="3719945"/>
-            <a:ext cx="4152900" cy="0"/>
-          </a:xfrm>
-          <a:prstGeom prst="straightConnector1">
-            <a:avLst/>
-          </a:prstGeom>
-          <a:ln w="127000">
-            <a:headEnd type="oval"/>
-            <a:tailEnd type="triangle"/>
-          </a:ln>
-        </p:spPr>
-        <p:style>
-          <a:lnRef idx="1">
-            <a:schemeClr val="accent1"/>
-          </a:lnRef>
-          <a:fillRef idx="0">
-            <a:schemeClr val="accent1"/>
-          </a:fillRef>
-          <a:effectRef idx="0">
-            <a:schemeClr val="accent1"/>
-          </a:effectRef>
-          <a:fontRef idx="minor">
-            <a:schemeClr val="tx1"/>
-          </a:fontRef>
-        </p:style>
-      </p:cxnSp>
-      <p:cxnSp>
-        <p:nvCxnSpPr>
           <p:cNvPr id="18" name="직선 화살표 연결선 17"/>
           <p:cNvCxnSpPr/>
           <p:nvPr/>
         </p:nvCxnSpPr>
         <p:spPr>
           <a:xfrm>
-            <a:off x="2742045" y="3719945"/>
+            <a:off x="2742045" y="3771900"/>
             <a:ext cx="4152900" cy="0"/>
           </a:xfrm>
           <a:prstGeom prst="straightConnector1">
@@ -14052,13 +14018,15 @@
       </p:grpSpPr>
       <p:sp>
         <p:nvSpPr>
-          <p:cNvPr id="4" name="TextBox 3"/>
+          <p:cNvPr id="4" name="TextBox 3">
+            <a:hlinkClick r:id="rId2"/>
+          </p:cNvPr>
           <p:cNvSpPr txBox="1"/>
           <p:nvPr/>
         </p:nvSpPr>
         <p:spPr>
           <a:xfrm>
-            <a:off x="8153400" y="4838700"/>
+            <a:off x="8229600" y="4152900"/>
             <a:ext cx="2220480" cy="1631216"/>
           </a:xfrm>
           <a:prstGeom prst="rect">

--- a/쇼핑몰-프로젝트.pptx
+++ b/쇼핑몰-프로젝트.pptx
@@ -8938,7 +8938,7 @@
     <mc:Choice Requires="p14">
       <p:transition/>
     </mc:Choice>
-    <mc:Fallback xmlns:dsp="http://schemas.microsoft.com/office/drawing/2008/diagram" xmlns:dgm="http://schemas.openxmlformats.org/drawingml/2006/diagram" xmlns:c="http://schemas.openxmlformats.org/drawingml/2006/chart" xmlns="">
+    <mc:Fallback xmlns="" xmlns:c="http://schemas.openxmlformats.org/drawingml/2006/chart" xmlns:dgm="http://schemas.openxmlformats.org/drawingml/2006/diagram" xmlns:dsp="http://schemas.microsoft.com/office/drawing/2008/diagram">
       <p:transition/>
     </mc:Fallback>
   </mc:AlternateContent>
@@ -9453,7 +9453,7 @@
     <mc:Choice Requires="p14">
       <p:transition/>
     </mc:Choice>
-    <mc:Fallback xmlns:dsp="http://schemas.microsoft.com/office/drawing/2008/diagram" xmlns:dgm="http://schemas.openxmlformats.org/drawingml/2006/diagram" xmlns:c="http://schemas.openxmlformats.org/drawingml/2006/chart" xmlns="">
+    <mc:Fallback xmlns="" xmlns:c="http://schemas.openxmlformats.org/drawingml/2006/chart" xmlns:dgm="http://schemas.openxmlformats.org/drawingml/2006/diagram" xmlns:dsp="http://schemas.microsoft.com/office/drawing/2008/diagram">
       <p:transition/>
     </mc:Fallback>
   </mc:AlternateContent>
@@ -9713,7 +9713,7 @@
     <mc:Choice Requires="p14">
       <p:transition/>
     </mc:Choice>
-    <mc:Fallback xmlns:dsp="http://schemas.microsoft.com/office/drawing/2008/diagram" xmlns:dgm="http://schemas.openxmlformats.org/drawingml/2006/diagram" xmlns:c="http://schemas.openxmlformats.org/drawingml/2006/chart" xmlns="">
+    <mc:Fallback xmlns="" xmlns:c="http://schemas.openxmlformats.org/drawingml/2006/chart" xmlns:dgm="http://schemas.openxmlformats.org/drawingml/2006/diagram" xmlns:dsp="http://schemas.microsoft.com/office/drawing/2008/diagram">
       <p:transition/>
     </mc:Fallback>
   </mc:AlternateContent>
@@ -10022,7 +10022,7 @@
     <mc:Choice Requires="p14">
       <p:transition/>
     </mc:Choice>
-    <mc:Fallback xmlns:dsp="http://schemas.microsoft.com/office/drawing/2008/diagram" xmlns:dgm="http://schemas.openxmlformats.org/drawingml/2006/diagram" xmlns:c="http://schemas.openxmlformats.org/drawingml/2006/chart" xmlns="">
+    <mc:Fallback xmlns="" xmlns:c="http://schemas.openxmlformats.org/drawingml/2006/chart" xmlns:dgm="http://schemas.openxmlformats.org/drawingml/2006/diagram" xmlns:dsp="http://schemas.microsoft.com/office/drawing/2008/diagram">
       <p:transition/>
     </mc:Fallback>
   </mc:AlternateContent>
@@ -10758,7 +10758,7 @@
     <mc:Choice Requires="p14">
       <p:transition/>
     </mc:Choice>
-    <mc:Fallback xmlns:dsp="http://schemas.microsoft.com/office/drawing/2008/diagram" xmlns:dgm="http://schemas.openxmlformats.org/drawingml/2006/diagram" xmlns:c="http://schemas.openxmlformats.org/drawingml/2006/chart" xmlns="">
+    <mc:Fallback xmlns="" xmlns:c="http://schemas.openxmlformats.org/drawingml/2006/chart" xmlns:dgm="http://schemas.openxmlformats.org/drawingml/2006/diagram" xmlns:dsp="http://schemas.microsoft.com/office/drawing/2008/diagram">
       <p:transition/>
     </mc:Fallback>
   </mc:AlternateContent>
@@ -13602,7 +13602,7 @@
     <mc:Choice Requires="p14">
       <p:transition/>
     </mc:Choice>
-    <mc:Fallback xmlns:dsp="http://schemas.microsoft.com/office/drawing/2008/diagram" xmlns:dgm="http://schemas.openxmlformats.org/drawingml/2006/diagram" xmlns:c="http://schemas.openxmlformats.org/drawingml/2006/chart" xmlns="">
+    <mc:Fallback xmlns="" xmlns:c="http://schemas.openxmlformats.org/drawingml/2006/chart" xmlns:dgm="http://schemas.openxmlformats.org/drawingml/2006/diagram" xmlns:dsp="http://schemas.microsoft.com/office/drawing/2008/diagram">
       <p:transition/>
     </mc:Fallback>
   </mc:AlternateContent>
@@ -13765,7 +13765,7 @@
     <mc:Choice Requires="p14">
       <p:transition/>
     </mc:Choice>
-    <mc:Fallback xmlns:dsp="http://schemas.microsoft.com/office/drawing/2008/diagram" xmlns:dgm="http://schemas.openxmlformats.org/drawingml/2006/diagram" xmlns:c="http://schemas.openxmlformats.org/drawingml/2006/chart" xmlns="">
+    <mc:Fallback xmlns="" xmlns:c="http://schemas.openxmlformats.org/drawingml/2006/chart" xmlns:dgm="http://schemas.openxmlformats.org/drawingml/2006/diagram" xmlns:dsp="http://schemas.microsoft.com/office/drawing/2008/diagram">
       <p:transition/>
     </mc:Fallback>
   </mc:AlternateContent>
@@ -13917,7 +13917,7 @@
     <mc:Choice Requires="p14">
       <p:transition/>
     </mc:Choice>
-    <mc:Fallback xmlns:dsp="http://schemas.microsoft.com/office/drawing/2008/diagram" xmlns:dgm="http://schemas.openxmlformats.org/drawingml/2006/diagram" xmlns:c="http://schemas.openxmlformats.org/drawingml/2006/chart" xmlns="">
+    <mc:Fallback xmlns="" xmlns:c="http://schemas.openxmlformats.org/drawingml/2006/chart" xmlns:dgm="http://schemas.openxmlformats.org/drawingml/2006/diagram" xmlns:dsp="http://schemas.microsoft.com/office/drawing/2008/diagram">
       <p:transition/>
     </mc:Fallback>
   </mc:AlternateContent>
@@ -14026,8 +14026,8 @@
         </p:nvSpPr>
         <p:spPr>
           <a:xfrm>
-            <a:off x="8229600" y="4152900"/>
-            <a:ext cx="2220480" cy="1631216"/>
+            <a:off x="3692828" y="1485900"/>
+            <a:ext cx="10902344" cy="3170099"/>
           </a:xfrm>
           <a:prstGeom prst="rect">
             <a:avLst/>
@@ -14040,6 +14040,7 @@
           </a:bodyPr>
           <a:lstStyle/>
           <a:p>
+            <a:pPr algn="ctr"/>
             <a:r>
               <a:rPr lang="ko-KR" altLang="en-US" sz="10000" spc="-100" dirty="0" smtClean="0">
                 <a:solidFill>
@@ -14050,7 +14051,105 @@
               </a:rPr>
               <a:t>시연</a:t>
             </a:r>
-            <a:endParaRPr lang="ko-KR" altLang="en-US" sz="10000" dirty="0">
+            <a:endParaRPr lang="en-US" altLang="ko-KR" sz="10000" spc="-100" dirty="0" smtClean="0">
+              <a:solidFill>
+                <a:srgbClr val="000000"/>
+              </a:solidFill>
+              <a:latin typeface="THE슈가슈크림M" panose="02020603020101020101" pitchFamily="18" charset="-127"/>
+              <a:ea typeface="THE슈가슈크림M" panose="02020603020101020101" pitchFamily="18" charset="-127"/>
+            </a:endParaRPr>
+          </a:p>
+          <a:p>
+            <a:pPr algn="ctr"/>
+            <a:r>
+              <a:rPr lang="en-US" altLang="ko-KR" sz="10000" dirty="0">
+                <a:latin typeface="THE슈가슈크림M" panose="02020603020101020101" pitchFamily="18" charset="-127"/>
+                <a:ea typeface="THE슈가슈크림M" panose="02020603020101020101" pitchFamily="18" charset="-127"/>
+                <a:hlinkClick r:id="rId2"/>
+              </a:rPr>
+              <a:t>http</a:t>
+            </a:r>
+            <a:r>
+              <a:rPr lang="en-US" altLang="ko-KR" sz="10000" dirty="0" smtClean="0">
+                <a:latin typeface="THE슈가슈크림M" panose="02020603020101020101" pitchFamily="18" charset="-127"/>
+                <a:ea typeface="THE슈가슈크림M" panose="02020603020101020101" pitchFamily="18" charset="-127"/>
+                <a:hlinkClick r:id="rId2"/>
+              </a:rPr>
+              <a:t>://</a:t>
+            </a:r>
+            <a:r>
+              <a:rPr lang="en-US" altLang="ko-KR" sz="10000" spc="-100" dirty="0" smtClean="0">
+                <a:solidFill>
+                  <a:srgbClr val="000000"/>
+                </a:solidFill>
+                <a:latin typeface="THE슈가슈크림M" panose="02020603020101020101" pitchFamily="18" charset="-127"/>
+                <a:ea typeface="THE슈가슈크림M" panose="02020603020101020101" pitchFamily="18" charset="-127"/>
+                <a:hlinkClick r:id="rId2"/>
+              </a:rPr>
+              <a:t>www.52st.kro.kr</a:t>
+            </a:r>
+            <a:endParaRPr lang="en-US" altLang="ko-KR" sz="10000" spc="-100" dirty="0" smtClean="0">
+              <a:solidFill>
+                <a:srgbClr val="000000"/>
+              </a:solidFill>
+              <a:latin typeface="THE슈가슈크림M" panose="02020603020101020101" pitchFamily="18" charset="-127"/>
+              <a:ea typeface="THE슈가슈크림M" panose="02020603020101020101" pitchFamily="18" charset="-127"/>
+            </a:endParaRPr>
+          </a:p>
+        </p:txBody>
+      </p:sp>
+      <p:sp>
+        <p:nvSpPr>
+          <p:cNvPr id="3" name="직사각형 2"/>
+          <p:cNvSpPr/>
+          <p:nvPr/>
+        </p:nvSpPr>
+        <p:spPr>
+          <a:xfrm>
+            <a:off x="4451049" y="4823549"/>
+            <a:ext cx="9385903" cy="3046988"/>
+          </a:xfrm>
+          <a:prstGeom prst="rect">
+            <a:avLst/>
+          </a:prstGeom>
+        </p:spPr>
+        <p:txBody>
+          <a:bodyPr wrap="none">
+            <a:spAutoFit/>
+          </a:bodyPr>
+          <a:lstStyle/>
+          <a:p>
+            <a:r>
+              <a:rPr lang="ko-KR" altLang="en-US" sz="9600" dirty="0" smtClean="0">
+                <a:latin typeface="THE슈가슈크림M" panose="02020603020101020101" pitchFamily="18" charset="-127"/>
+                <a:ea typeface="THE슈가슈크림M" panose="02020603020101020101" pitchFamily="18" charset="-127"/>
+              </a:rPr>
+              <a:t>구매자 </a:t>
+            </a:r>
+            <a:r>
+              <a:rPr lang="en-US" altLang="ko-KR" sz="9600" dirty="0" smtClean="0">
+                <a:latin typeface="THE슈가슈크림M" panose="02020603020101020101" pitchFamily="18" charset="-127"/>
+                <a:ea typeface="THE슈가슈크림M" panose="02020603020101020101" pitchFamily="18" charset="-127"/>
+              </a:rPr>
+              <a:t>: user0 /  1</a:t>
+            </a:r>
+          </a:p>
+          <a:p>
+            <a:r>
+              <a:rPr lang="ko-KR" altLang="en-US" sz="9600" dirty="0" smtClean="0">
+                <a:latin typeface="THE슈가슈크림M" panose="02020603020101020101" pitchFamily="18" charset="-127"/>
+                <a:ea typeface="THE슈가슈크림M" panose="02020603020101020101" pitchFamily="18" charset="-127"/>
+              </a:rPr>
+              <a:t>판매자 </a:t>
+            </a:r>
+            <a:r>
+              <a:rPr lang="en-US" altLang="ko-KR" sz="9600" dirty="0" smtClean="0">
+                <a:latin typeface="THE슈가슈크림M" panose="02020603020101020101" pitchFamily="18" charset="-127"/>
+                <a:ea typeface="THE슈가슈크림M" panose="02020603020101020101" pitchFamily="18" charset="-127"/>
+              </a:rPr>
+              <a:t>: seller0 /  1</a:t>
+            </a:r>
+            <a:endParaRPr lang="ko-KR" altLang="en-US" sz="9600" dirty="0">
               <a:latin typeface="THE슈가슈크림M" panose="02020603020101020101" pitchFamily="18" charset="-127"/>
               <a:ea typeface="THE슈가슈크림M" panose="02020603020101020101" pitchFamily="18" charset="-127"/>
             </a:endParaRPr>
